--- a/docs/source/user_guide/navigation.pptx
+++ b/docs/source/user_guide/navigation.pptx
@@ -2,7 +2,7 @@
 <file path=ppt/presentation.xml><?xml version="1.0" encoding="utf-8"?>
 <p:presentation xmlns:a="http://schemas.openxmlformats.org/drawingml/2006/main" xmlns:r="http://schemas.openxmlformats.org/officeDocument/2006/relationships" xmlns:p="http://schemas.openxmlformats.org/presentationml/2006/main" saveSubsetFonts="1" autoCompressPictures="0">
   <p:sldMasterIdLst>
-    <p:sldMasterId id="2147483648" r:id="rId1"/>
+    <p:sldMasterId id="2147483792" r:id="rId1"/>
   </p:sldMasterIdLst>
   <p:notesMasterIdLst>
     <p:notesMasterId r:id="rId3"/>
@@ -10,13 +10,13 @@
   <p:sldIdLst>
     <p:sldId id="256" r:id="rId2"/>
   </p:sldIdLst>
-  <p:sldSz cx="12192000" cy="6858000"/>
+  <p:sldSz cx="11887200" cy="5486400"/>
   <p:notesSz cx="6858000" cy="9144000"/>
   <p:defaultTextStyle>
     <a:defPPr>
-      <a:defRPr lang="en-DE"/>
+      <a:defRPr lang="en-US"/>
     </a:defPPr>
-    <a:lvl1pPr marL="0" algn="l" defTabSz="914400" rtl="0" eaLnBrk="1" latinLnBrk="0" hangingPunct="1">
+    <a:lvl1pPr marL="0" algn="l" defTabSz="457200" rtl="0" eaLnBrk="1" latinLnBrk="0" hangingPunct="1">
       <a:defRPr sz="1800" kern="1200">
         <a:solidFill>
           <a:schemeClr val="tx1"/>
@@ -26,7 +26,7 @@
         <a:cs typeface="+mn-cs"/>
       </a:defRPr>
     </a:lvl1pPr>
-    <a:lvl2pPr marL="457200" algn="l" defTabSz="914400" rtl="0" eaLnBrk="1" latinLnBrk="0" hangingPunct="1">
+    <a:lvl2pPr marL="457200" algn="l" defTabSz="457200" rtl="0" eaLnBrk="1" latinLnBrk="0" hangingPunct="1">
       <a:defRPr sz="1800" kern="1200">
         <a:solidFill>
           <a:schemeClr val="tx1"/>
@@ -36,7 +36,7 @@
         <a:cs typeface="+mn-cs"/>
       </a:defRPr>
     </a:lvl2pPr>
-    <a:lvl3pPr marL="914400" algn="l" defTabSz="914400" rtl="0" eaLnBrk="1" latinLnBrk="0" hangingPunct="1">
+    <a:lvl3pPr marL="914400" algn="l" defTabSz="457200" rtl="0" eaLnBrk="1" latinLnBrk="0" hangingPunct="1">
       <a:defRPr sz="1800" kern="1200">
         <a:solidFill>
           <a:schemeClr val="tx1"/>
@@ -46,7 +46,7 @@
         <a:cs typeface="+mn-cs"/>
       </a:defRPr>
     </a:lvl3pPr>
-    <a:lvl4pPr marL="1371600" algn="l" defTabSz="914400" rtl="0" eaLnBrk="1" latinLnBrk="0" hangingPunct="1">
+    <a:lvl4pPr marL="1371600" algn="l" defTabSz="457200" rtl="0" eaLnBrk="1" latinLnBrk="0" hangingPunct="1">
       <a:defRPr sz="1800" kern="1200">
         <a:solidFill>
           <a:schemeClr val="tx1"/>
@@ -56,7 +56,7 @@
         <a:cs typeface="+mn-cs"/>
       </a:defRPr>
     </a:lvl4pPr>
-    <a:lvl5pPr marL="1828800" algn="l" defTabSz="914400" rtl="0" eaLnBrk="1" latinLnBrk="0" hangingPunct="1">
+    <a:lvl5pPr marL="1828800" algn="l" defTabSz="457200" rtl="0" eaLnBrk="1" latinLnBrk="0" hangingPunct="1">
       <a:defRPr sz="1800" kern="1200">
         <a:solidFill>
           <a:schemeClr val="tx1"/>
@@ -66,7 +66,7 @@
         <a:cs typeface="+mn-cs"/>
       </a:defRPr>
     </a:lvl5pPr>
-    <a:lvl6pPr marL="2286000" algn="l" defTabSz="914400" rtl="0" eaLnBrk="1" latinLnBrk="0" hangingPunct="1">
+    <a:lvl6pPr marL="2286000" algn="l" defTabSz="457200" rtl="0" eaLnBrk="1" latinLnBrk="0" hangingPunct="1">
       <a:defRPr sz="1800" kern="1200">
         <a:solidFill>
           <a:schemeClr val="tx1"/>
@@ -76,7 +76,7 @@
         <a:cs typeface="+mn-cs"/>
       </a:defRPr>
     </a:lvl6pPr>
-    <a:lvl7pPr marL="2743200" algn="l" defTabSz="914400" rtl="0" eaLnBrk="1" latinLnBrk="0" hangingPunct="1">
+    <a:lvl7pPr marL="2743200" algn="l" defTabSz="457200" rtl="0" eaLnBrk="1" latinLnBrk="0" hangingPunct="1">
       <a:defRPr sz="1800" kern="1200">
         <a:solidFill>
           <a:schemeClr val="tx1"/>
@@ -86,7 +86,7 @@
         <a:cs typeface="+mn-cs"/>
       </a:defRPr>
     </a:lvl7pPr>
-    <a:lvl8pPr marL="3200400" algn="l" defTabSz="914400" rtl="0" eaLnBrk="1" latinLnBrk="0" hangingPunct="1">
+    <a:lvl8pPr marL="3200400" algn="l" defTabSz="457200" rtl="0" eaLnBrk="1" latinLnBrk="0" hangingPunct="1">
       <a:defRPr sz="1800" kern="1200">
         <a:solidFill>
           <a:schemeClr val="tx1"/>
@@ -96,7 +96,7 @@
         <a:cs typeface="+mn-cs"/>
       </a:defRPr>
     </a:lvl8pPr>
-    <a:lvl9pPr marL="3657600" algn="l" defTabSz="914400" rtl="0" eaLnBrk="1" latinLnBrk="0" hangingPunct="1">
+    <a:lvl9pPr marL="3657600" algn="l" defTabSz="457200" rtl="0" eaLnBrk="1" latinLnBrk="0" hangingPunct="1">
       <a:defRPr sz="1800" kern="1200">
         <a:solidFill>
           <a:schemeClr val="tx1"/>
@@ -197,7 +197,7 @@
           <a:p>
             <a:fld id="{62CD6B6F-168C-EE4C-95D4-529D6D05C8A4}" type="datetimeFigureOut">
               <a:rPr lang="en-US" smtClean="0"/>
-              <a:t>7/13/23</a:t>
+              <a:t>11/28/23</a:t>
             </a:fld>
             <a:endParaRPr lang="en-US"/>
           </a:p>
@@ -215,8 +215,8 @@
         </p:nvSpPr>
         <p:spPr>
           <a:xfrm>
-            <a:off x="685800" y="1143000"/>
-            <a:ext cx="5486400" cy="3086100"/>
+            <a:off x="85725" y="1143000"/>
+            <a:ext cx="6686550" cy="3086100"/>
           </a:xfrm>
           <a:prstGeom prst="rect">
             <a:avLst/>
@@ -370,8 +370,8 @@
   </p:cSld>
   <p:clrMap bg1="lt1" tx1="dk1" bg2="lt2" tx2="dk2" accent1="accent1" accent2="accent2" accent3="accent3" accent4="accent4" accent5="accent5" accent6="accent6" hlink="hlink" folHlink="folHlink"/>
   <p:notesStyle>
-    <a:lvl1pPr marL="0" algn="l" defTabSz="914400" rtl="0" eaLnBrk="1" latinLnBrk="0" hangingPunct="1">
-      <a:defRPr sz="1200" kern="1200">
+    <a:lvl1pPr marL="0" algn="l" defTabSz="929186" rtl="0" eaLnBrk="1" latinLnBrk="0" hangingPunct="1">
+      <a:defRPr sz="1220" kern="1200">
         <a:solidFill>
           <a:schemeClr val="tx1"/>
         </a:solidFill>
@@ -380,8 +380,8 @@
         <a:cs typeface="+mn-cs"/>
       </a:defRPr>
     </a:lvl1pPr>
-    <a:lvl2pPr marL="457200" algn="l" defTabSz="914400" rtl="0" eaLnBrk="1" latinLnBrk="0" hangingPunct="1">
-      <a:defRPr sz="1200" kern="1200">
+    <a:lvl2pPr marL="464592" algn="l" defTabSz="929186" rtl="0" eaLnBrk="1" latinLnBrk="0" hangingPunct="1">
+      <a:defRPr sz="1220" kern="1200">
         <a:solidFill>
           <a:schemeClr val="tx1"/>
         </a:solidFill>
@@ -390,8 +390,8 @@
         <a:cs typeface="+mn-cs"/>
       </a:defRPr>
     </a:lvl2pPr>
-    <a:lvl3pPr marL="914400" algn="l" defTabSz="914400" rtl="0" eaLnBrk="1" latinLnBrk="0" hangingPunct="1">
-      <a:defRPr sz="1200" kern="1200">
+    <a:lvl3pPr marL="929186" algn="l" defTabSz="929186" rtl="0" eaLnBrk="1" latinLnBrk="0" hangingPunct="1">
+      <a:defRPr sz="1220" kern="1200">
         <a:solidFill>
           <a:schemeClr val="tx1"/>
         </a:solidFill>
@@ -400,8 +400,8 @@
         <a:cs typeface="+mn-cs"/>
       </a:defRPr>
     </a:lvl3pPr>
-    <a:lvl4pPr marL="1371600" algn="l" defTabSz="914400" rtl="0" eaLnBrk="1" latinLnBrk="0" hangingPunct="1">
-      <a:defRPr sz="1200" kern="1200">
+    <a:lvl4pPr marL="1393778" algn="l" defTabSz="929186" rtl="0" eaLnBrk="1" latinLnBrk="0" hangingPunct="1">
+      <a:defRPr sz="1220" kern="1200">
         <a:solidFill>
           <a:schemeClr val="tx1"/>
         </a:solidFill>
@@ -410,8 +410,8 @@
         <a:cs typeface="+mn-cs"/>
       </a:defRPr>
     </a:lvl4pPr>
-    <a:lvl5pPr marL="1828800" algn="l" defTabSz="914400" rtl="0" eaLnBrk="1" latinLnBrk="0" hangingPunct="1">
-      <a:defRPr sz="1200" kern="1200">
+    <a:lvl5pPr marL="1858372" algn="l" defTabSz="929186" rtl="0" eaLnBrk="1" latinLnBrk="0" hangingPunct="1">
+      <a:defRPr sz="1220" kern="1200">
         <a:solidFill>
           <a:schemeClr val="tx1"/>
         </a:solidFill>
@@ -420,8 +420,8 @@
         <a:cs typeface="+mn-cs"/>
       </a:defRPr>
     </a:lvl5pPr>
-    <a:lvl6pPr marL="2286000" algn="l" defTabSz="914400" rtl="0" eaLnBrk="1" latinLnBrk="0" hangingPunct="1">
-      <a:defRPr sz="1200" kern="1200">
+    <a:lvl6pPr marL="2322964" algn="l" defTabSz="929186" rtl="0" eaLnBrk="1" latinLnBrk="0" hangingPunct="1">
+      <a:defRPr sz="1220" kern="1200">
         <a:solidFill>
           <a:schemeClr val="tx1"/>
         </a:solidFill>
@@ -430,8 +430,8 @@
         <a:cs typeface="+mn-cs"/>
       </a:defRPr>
     </a:lvl6pPr>
-    <a:lvl7pPr marL="2743200" algn="l" defTabSz="914400" rtl="0" eaLnBrk="1" latinLnBrk="0" hangingPunct="1">
-      <a:defRPr sz="1200" kern="1200">
+    <a:lvl7pPr marL="2787557" algn="l" defTabSz="929186" rtl="0" eaLnBrk="1" latinLnBrk="0" hangingPunct="1">
+      <a:defRPr sz="1220" kern="1200">
         <a:solidFill>
           <a:schemeClr val="tx1"/>
         </a:solidFill>
@@ -440,8 +440,8 @@
         <a:cs typeface="+mn-cs"/>
       </a:defRPr>
     </a:lvl7pPr>
-    <a:lvl8pPr marL="3200400" algn="l" defTabSz="914400" rtl="0" eaLnBrk="1" latinLnBrk="0" hangingPunct="1">
-      <a:defRPr sz="1200" kern="1200">
+    <a:lvl8pPr marL="3252150" algn="l" defTabSz="929186" rtl="0" eaLnBrk="1" latinLnBrk="0" hangingPunct="1">
+      <a:defRPr sz="1220" kern="1200">
         <a:solidFill>
           <a:schemeClr val="tx1"/>
         </a:solidFill>
@@ -450,8 +450,8 @@
         <a:cs typeface="+mn-cs"/>
       </a:defRPr>
     </a:lvl8pPr>
-    <a:lvl9pPr marL="3657600" algn="l" defTabSz="914400" rtl="0" eaLnBrk="1" latinLnBrk="0" hangingPunct="1">
-      <a:defRPr sz="1200" kern="1200">
+    <a:lvl9pPr marL="3716743" algn="l" defTabSz="929186" rtl="0" eaLnBrk="1" latinLnBrk="0" hangingPunct="1">
+      <a:defRPr sz="1220" kern="1200">
         <a:solidFill>
           <a:schemeClr val="tx1"/>
         </a:solidFill>
@@ -491,7 +491,12 @@
             <p:ph type="sldImg"/>
           </p:nvPr>
         </p:nvSpPr>
-        <p:spPr/>
+        <p:spPr>
+          <a:xfrm>
+            <a:off x="85725" y="1143000"/>
+            <a:ext cx="6686550" cy="3086100"/>
+          </a:xfrm>
+        </p:spPr>
       </p:sp>
       <p:sp>
         <p:nvSpPr>
@@ -567,13 +572,7 @@
       </p:grpSpPr>
       <p:sp>
         <p:nvSpPr>
-          <p:cNvPr id="2" name="Title 1">
-            <a:extLst>
-              <a:ext uri="{FF2B5EF4-FFF2-40B4-BE49-F238E27FC236}">
-                <a16:creationId xmlns:a16="http://schemas.microsoft.com/office/drawing/2014/main" id="{35C1D59F-56BD-45EE-0220-8D7874F691EA}"/>
-              </a:ext>
-            </a:extLst>
-          </p:cNvPr>
+          <p:cNvPr id="2" name="Title 1"/>
           <p:cNvSpPr>
             <a:spLocks noGrp="1"/>
           </p:cNvSpPr>
@@ -583,15 +582,15 @@
         </p:nvSpPr>
         <p:spPr>
           <a:xfrm>
-            <a:off x="1524000" y="1122363"/>
-            <a:ext cx="9144000" cy="2387600"/>
+            <a:off x="1485900" y="897890"/>
+            <a:ext cx="8915400" cy="1910080"/>
           </a:xfrm>
         </p:spPr>
         <p:txBody>
           <a:bodyPr anchor="b"/>
           <a:lstStyle>
             <a:lvl1pPr algn="ctr">
-              <a:defRPr sz="6000"/>
+              <a:defRPr sz="4800"/>
             </a:lvl1pPr>
           </a:lstStyle>
           <a:p>
@@ -599,18 +598,13 @@
               <a:rPr lang="en-US"/>
               <a:t>Click to edit Master title style</a:t>
             </a:r>
-          </a:p>
-        </p:txBody>
-      </p:sp>
-      <p:sp>
-        <p:nvSpPr>
-          <p:cNvPr id="3" name="Subtitle 2">
-            <a:extLst>
-              <a:ext uri="{FF2B5EF4-FFF2-40B4-BE49-F238E27FC236}">
-                <a16:creationId xmlns:a16="http://schemas.microsoft.com/office/drawing/2014/main" id="{310923AC-97EE-840E-6449-211E1A51917F}"/>
-              </a:ext>
-            </a:extLst>
-          </p:cNvPr>
+            <a:endParaRPr lang="en-US" dirty="0"/>
+          </a:p>
+        </p:txBody>
+      </p:sp>
+      <p:sp>
+        <p:nvSpPr>
+          <p:cNvPr id="3" name="Subtitle 2"/>
           <p:cNvSpPr>
             <a:spLocks noGrp="1"/>
           </p:cNvSpPr>
@@ -620,8 +614,8 @@
         </p:nvSpPr>
         <p:spPr>
           <a:xfrm>
-            <a:off x="1524000" y="3602038"/>
-            <a:ext cx="9144000" cy="1655762"/>
+            <a:off x="1485900" y="2881630"/>
+            <a:ext cx="8915400" cy="1324610"/>
           </a:xfrm>
         </p:spPr>
         <p:txBody>
@@ -629,39 +623,39 @@
           <a:lstStyle>
             <a:lvl1pPr marL="0" indent="0" algn="ctr">
               <a:buNone/>
-              <a:defRPr sz="2400"/>
+              <a:defRPr sz="1920"/>
             </a:lvl1pPr>
-            <a:lvl2pPr marL="457200" indent="0" algn="ctr">
-              <a:buNone/>
-              <a:defRPr sz="2000"/>
-            </a:lvl2pPr>
-            <a:lvl3pPr marL="914400" indent="0" algn="ctr">
-              <a:buNone/>
-              <a:defRPr sz="1800"/>
-            </a:lvl3pPr>
-            <a:lvl4pPr marL="1371600" indent="0" algn="ctr">
+            <a:lvl2pPr marL="365760" indent="0" algn="ctr">
               <a:buNone/>
               <a:defRPr sz="1600"/>
+            </a:lvl2pPr>
+            <a:lvl3pPr marL="731520" indent="0" algn="ctr">
+              <a:buNone/>
+              <a:defRPr sz="1440"/>
+            </a:lvl3pPr>
+            <a:lvl4pPr marL="1097280" indent="0" algn="ctr">
+              <a:buNone/>
+              <a:defRPr sz="1280"/>
             </a:lvl4pPr>
-            <a:lvl5pPr marL="1828800" indent="0" algn="ctr">
+            <a:lvl5pPr marL="1463040" indent="0" algn="ctr">
               <a:buNone/>
-              <a:defRPr sz="1600"/>
+              <a:defRPr sz="1280"/>
             </a:lvl5pPr>
-            <a:lvl6pPr marL="2286000" indent="0" algn="ctr">
+            <a:lvl6pPr marL="1828800" indent="0" algn="ctr">
               <a:buNone/>
-              <a:defRPr sz="1600"/>
+              <a:defRPr sz="1280"/>
             </a:lvl6pPr>
-            <a:lvl7pPr marL="2743200" indent="0" algn="ctr">
+            <a:lvl7pPr marL="2194560" indent="0" algn="ctr">
               <a:buNone/>
-              <a:defRPr sz="1600"/>
+              <a:defRPr sz="1280"/>
             </a:lvl7pPr>
-            <a:lvl8pPr marL="3200400" indent="0" algn="ctr">
+            <a:lvl8pPr marL="2560320" indent="0" algn="ctr">
               <a:buNone/>
-              <a:defRPr sz="1600"/>
+              <a:defRPr sz="1280"/>
             </a:lvl8pPr>
-            <a:lvl9pPr marL="3657600" indent="0" algn="ctr">
+            <a:lvl9pPr marL="2926080" indent="0" algn="ctr">
               <a:buNone/>
-              <a:defRPr sz="1600"/>
+              <a:defRPr sz="1280"/>
             </a:lvl9pPr>
           </a:lstStyle>
           <a:p>
@@ -669,18 +663,13 @@
               <a:rPr lang="en-US"/>
               <a:t>Click to edit Master subtitle style</a:t>
             </a:r>
-          </a:p>
-        </p:txBody>
-      </p:sp>
-      <p:sp>
-        <p:nvSpPr>
-          <p:cNvPr id="4" name="Date Placeholder 3">
-            <a:extLst>
-              <a:ext uri="{FF2B5EF4-FFF2-40B4-BE49-F238E27FC236}">
-                <a16:creationId xmlns:a16="http://schemas.microsoft.com/office/drawing/2014/main" id="{371EE858-7B98-C024-38C7-C9AC676BB489}"/>
-              </a:ext>
-            </a:extLst>
-          </p:cNvPr>
+            <a:endParaRPr lang="en-US" dirty="0"/>
+          </a:p>
+        </p:txBody>
+      </p:sp>
+      <p:sp>
+        <p:nvSpPr>
+          <p:cNvPr id="4" name="Date Placeholder 3"/>
           <p:cNvSpPr>
             <a:spLocks noGrp="1"/>
           </p:cNvSpPr>
@@ -695,7 +684,7 @@
           <a:p>
             <a:fld id="{F5074301-D816-A348-AA4A-431BEC99E41A}" type="datetimeFigureOut">
               <a:rPr lang="en-US" smtClean="0"/>
-              <a:t>7/13/23</a:t>
+              <a:t>11/28/23</a:t>
             </a:fld>
             <a:endParaRPr lang="en-US"/>
           </a:p>
@@ -703,13 +692,7 @@
       </p:sp>
       <p:sp>
         <p:nvSpPr>
-          <p:cNvPr id="5" name="Footer Placeholder 4">
-            <a:extLst>
-              <a:ext uri="{FF2B5EF4-FFF2-40B4-BE49-F238E27FC236}">
-                <a16:creationId xmlns:a16="http://schemas.microsoft.com/office/drawing/2014/main" id="{5BC88C07-2DA5-E779-F398-CB3EC37AE4B4}"/>
-              </a:ext>
-            </a:extLst>
-          </p:cNvPr>
+          <p:cNvPr id="5" name="Footer Placeholder 4"/>
           <p:cNvSpPr>
             <a:spLocks noGrp="1"/>
           </p:cNvSpPr>
@@ -728,13 +711,7 @@
       </p:sp>
       <p:sp>
         <p:nvSpPr>
-          <p:cNvPr id="6" name="Slide Number Placeholder 5">
-            <a:extLst>
-              <a:ext uri="{FF2B5EF4-FFF2-40B4-BE49-F238E27FC236}">
-                <a16:creationId xmlns:a16="http://schemas.microsoft.com/office/drawing/2014/main" id="{EC337411-2068-21DB-2068-888416CD515E}"/>
-              </a:ext>
-            </a:extLst>
-          </p:cNvPr>
+          <p:cNvPr id="6" name="Slide Number Placeholder 5"/>
           <p:cNvSpPr>
             <a:spLocks noGrp="1"/>
           </p:cNvSpPr>
@@ -758,7 +735,7 @@
     </p:spTree>
     <p:extLst>
       <p:ext uri="{BB962C8B-B14F-4D97-AF65-F5344CB8AC3E}">
-        <p14:creationId xmlns:p14="http://schemas.microsoft.com/office/powerpoint/2010/main" val="261884745"/>
+        <p14:creationId xmlns:p14="http://schemas.microsoft.com/office/powerpoint/2010/main" val="2725915413"/>
       </p:ext>
     </p:extLst>
   </p:cSld>
@@ -787,13 +764,7 @@
       </p:grpSpPr>
       <p:sp>
         <p:nvSpPr>
-          <p:cNvPr id="2" name="Title 1">
-            <a:extLst>
-              <a:ext uri="{FF2B5EF4-FFF2-40B4-BE49-F238E27FC236}">
-                <a16:creationId xmlns:a16="http://schemas.microsoft.com/office/drawing/2014/main" id="{DE9C3EB1-D306-983E-DFAB-DB80164DA66D}"/>
-              </a:ext>
-            </a:extLst>
-          </p:cNvPr>
+          <p:cNvPr id="2" name="Title 1"/>
           <p:cNvSpPr>
             <a:spLocks noGrp="1"/>
           </p:cNvSpPr>
@@ -810,18 +781,13 @@
               <a:rPr lang="en-US"/>
               <a:t>Click to edit Master title style</a:t>
             </a:r>
-          </a:p>
-        </p:txBody>
-      </p:sp>
-      <p:sp>
-        <p:nvSpPr>
-          <p:cNvPr id="3" name="Vertical Text Placeholder 2">
-            <a:extLst>
-              <a:ext uri="{FF2B5EF4-FFF2-40B4-BE49-F238E27FC236}">
-                <a16:creationId xmlns:a16="http://schemas.microsoft.com/office/drawing/2014/main" id="{59614829-FC54-834E-B46C-0A89FF0984E5}"/>
-              </a:ext>
-            </a:extLst>
-          </p:cNvPr>
+            <a:endParaRPr lang="en-US" dirty="0"/>
+          </a:p>
+        </p:txBody>
+      </p:sp>
+      <p:sp>
+        <p:nvSpPr>
+          <p:cNvPr id="3" name="Vertical Text Placeholder 2"/>
           <p:cNvSpPr>
             <a:spLocks noGrp="1"/>
           </p:cNvSpPr>
@@ -867,18 +833,13 @@
               <a:rPr lang="en-US"/>
               <a:t>Fifth level</a:t>
             </a:r>
-          </a:p>
-        </p:txBody>
-      </p:sp>
-      <p:sp>
-        <p:nvSpPr>
-          <p:cNvPr id="4" name="Date Placeholder 3">
-            <a:extLst>
-              <a:ext uri="{FF2B5EF4-FFF2-40B4-BE49-F238E27FC236}">
-                <a16:creationId xmlns:a16="http://schemas.microsoft.com/office/drawing/2014/main" id="{4DEFA3DC-37D6-FF03-37F3-36FCCD7B15E4}"/>
-              </a:ext>
-            </a:extLst>
-          </p:cNvPr>
+            <a:endParaRPr lang="en-US" dirty="0"/>
+          </a:p>
+        </p:txBody>
+      </p:sp>
+      <p:sp>
+        <p:nvSpPr>
+          <p:cNvPr id="4" name="Date Placeholder 3"/>
           <p:cNvSpPr>
             <a:spLocks noGrp="1"/>
           </p:cNvSpPr>
@@ -893,7 +854,7 @@
           <a:p>
             <a:fld id="{F5074301-D816-A348-AA4A-431BEC99E41A}" type="datetimeFigureOut">
               <a:rPr lang="en-US" smtClean="0"/>
-              <a:t>7/13/23</a:t>
+              <a:t>11/28/23</a:t>
             </a:fld>
             <a:endParaRPr lang="en-US"/>
           </a:p>
@@ -901,13 +862,7 @@
       </p:sp>
       <p:sp>
         <p:nvSpPr>
-          <p:cNvPr id="5" name="Footer Placeholder 4">
-            <a:extLst>
-              <a:ext uri="{FF2B5EF4-FFF2-40B4-BE49-F238E27FC236}">
-                <a16:creationId xmlns:a16="http://schemas.microsoft.com/office/drawing/2014/main" id="{690209F1-BEA3-C2F6-050B-F3B95258B221}"/>
-              </a:ext>
-            </a:extLst>
-          </p:cNvPr>
+          <p:cNvPr id="5" name="Footer Placeholder 4"/>
           <p:cNvSpPr>
             <a:spLocks noGrp="1"/>
           </p:cNvSpPr>
@@ -926,13 +881,7 @@
       </p:sp>
       <p:sp>
         <p:nvSpPr>
-          <p:cNvPr id="6" name="Slide Number Placeholder 5">
-            <a:extLst>
-              <a:ext uri="{FF2B5EF4-FFF2-40B4-BE49-F238E27FC236}">
-                <a16:creationId xmlns:a16="http://schemas.microsoft.com/office/drawing/2014/main" id="{74F47BA0-6E10-FB5D-D519-2F82813549DB}"/>
-              </a:ext>
-            </a:extLst>
-          </p:cNvPr>
+          <p:cNvPr id="6" name="Slide Number Placeholder 5"/>
           <p:cNvSpPr>
             <a:spLocks noGrp="1"/>
           </p:cNvSpPr>
@@ -956,7 +905,7 @@
     </p:spTree>
     <p:extLst>
       <p:ext uri="{BB962C8B-B14F-4D97-AF65-F5344CB8AC3E}">
-        <p14:creationId xmlns:p14="http://schemas.microsoft.com/office/powerpoint/2010/main" val="4022000271"/>
+        <p14:creationId xmlns:p14="http://schemas.microsoft.com/office/powerpoint/2010/main" val="2530524991"/>
       </p:ext>
     </p:extLst>
   </p:cSld>
@@ -985,13 +934,7 @@
       </p:grpSpPr>
       <p:sp>
         <p:nvSpPr>
-          <p:cNvPr id="2" name="Vertical Title 1">
-            <a:extLst>
-              <a:ext uri="{FF2B5EF4-FFF2-40B4-BE49-F238E27FC236}">
-                <a16:creationId xmlns:a16="http://schemas.microsoft.com/office/drawing/2014/main" id="{4DE312CB-CF64-0DC2-F95E-D14AFE6E6A1B}"/>
-              </a:ext>
-            </a:extLst>
-          </p:cNvPr>
+          <p:cNvPr id="2" name="Vertical Title 1"/>
           <p:cNvSpPr>
             <a:spLocks noGrp="1"/>
           </p:cNvSpPr>
@@ -1001,8 +944,8 @@
         </p:nvSpPr>
         <p:spPr>
           <a:xfrm>
-            <a:off x="8724900" y="365125"/>
-            <a:ext cx="2628900" cy="5811838"/>
+            <a:off x="8506777" y="292100"/>
+            <a:ext cx="2563178" cy="4649470"/>
           </a:xfrm>
         </p:spPr>
         <p:txBody>
@@ -1013,18 +956,13 @@
               <a:rPr lang="en-US"/>
               <a:t>Click to edit Master title style</a:t>
             </a:r>
-          </a:p>
-        </p:txBody>
-      </p:sp>
-      <p:sp>
-        <p:nvSpPr>
-          <p:cNvPr id="3" name="Vertical Text Placeholder 2">
-            <a:extLst>
-              <a:ext uri="{FF2B5EF4-FFF2-40B4-BE49-F238E27FC236}">
-                <a16:creationId xmlns:a16="http://schemas.microsoft.com/office/drawing/2014/main" id="{311A1D76-49CB-D9DE-68D3-39EB7E9F8CAF}"/>
-              </a:ext>
-            </a:extLst>
-          </p:cNvPr>
+            <a:endParaRPr lang="en-US" dirty="0"/>
+          </a:p>
+        </p:txBody>
+      </p:sp>
+      <p:sp>
+        <p:nvSpPr>
+          <p:cNvPr id="3" name="Vertical Text Placeholder 2"/>
           <p:cNvSpPr>
             <a:spLocks noGrp="1"/>
           </p:cNvSpPr>
@@ -1034,8 +972,8 @@
         </p:nvSpPr>
         <p:spPr>
           <a:xfrm>
-            <a:off x="838200" y="365125"/>
-            <a:ext cx="7734300" cy="5811838"/>
+            <a:off x="817245" y="292100"/>
+            <a:ext cx="7540943" cy="4649470"/>
           </a:xfrm>
         </p:spPr>
         <p:txBody>
@@ -1075,18 +1013,13 @@
               <a:rPr lang="en-US"/>
               <a:t>Fifth level</a:t>
             </a:r>
-          </a:p>
-        </p:txBody>
-      </p:sp>
-      <p:sp>
-        <p:nvSpPr>
-          <p:cNvPr id="4" name="Date Placeholder 3">
-            <a:extLst>
-              <a:ext uri="{FF2B5EF4-FFF2-40B4-BE49-F238E27FC236}">
-                <a16:creationId xmlns:a16="http://schemas.microsoft.com/office/drawing/2014/main" id="{C471DAAC-910F-C6BC-9FBB-B6C47974CADA}"/>
-              </a:ext>
-            </a:extLst>
-          </p:cNvPr>
+            <a:endParaRPr lang="en-US" dirty="0"/>
+          </a:p>
+        </p:txBody>
+      </p:sp>
+      <p:sp>
+        <p:nvSpPr>
+          <p:cNvPr id="4" name="Date Placeholder 3"/>
           <p:cNvSpPr>
             <a:spLocks noGrp="1"/>
           </p:cNvSpPr>
@@ -1101,7 +1034,7 @@
           <a:p>
             <a:fld id="{F5074301-D816-A348-AA4A-431BEC99E41A}" type="datetimeFigureOut">
               <a:rPr lang="en-US" smtClean="0"/>
-              <a:t>7/13/23</a:t>
+              <a:t>11/28/23</a:t>
             </a:fld>
             <a:endParaRPr lang="en-US"/>
           </a:p>
@@ -1109,13 +1042,7 @@
       </p:sp>
       <p:sp>
         <p:nvSpPr>
-          <p:cNvPr id="5" name="Footer Placeholder 4">
-            <a:extLst>
-              <a:ext uri="{FF2B5EF4-FFF2-40B4-BE49-F238E27FC236}">
-                <a16:creationId xmlns:a16="http://schemas.microsoft.com/office/drawing/2014/main" id="{188A7128-2CCA-0B25-B32B-903977E5B70D}"/>
-              </a:ext>
-            </a:extLst>
-          </p:cNvPr>
+          <p:cNvPr id="5" name="Footer Placeholder 4"/>
           <p:cNvSpPr>
             <a:spLocks noGrp="1"/>
           </p:cNvSpPr>
@@ -1134,13 +1061,7 @@
       </p:sp>
       <p:sp>
         <p:nvSpPr>
-          <p:cNvPr id="6" name="Slide Number Placeholder 5">
-            <a:extLst>
-              <a:ext uri="{FF2B5EF4-FFF2-40B4-BE49-F238E27FC236}">
-                <a16:creationId xmlns:a16="http://schemas.microsoft.com/office/drawing/2014/main" id="{B0C6473A-62E8-370B-4435-F80644A24207}"/>
-              </a:ext>
-            </a:extLst>
-          </p:cNvPr>
+          <p:cNvPr id="6" name="Slide Number Placeholder 5"/>
           <p:cNvSpPr>
             <a:spLocks noGrp="1"/>
           </p:cNvSpPr>
@@ -1164,7 +1085,7 @@
     </p:spTree>
     <p:extLst>
       <p:ext uri="{BB962C8B-B14F-4D97-AF65-F5344CB8AC3E}">
-        <p14:creationId xmlns:p14="http://schemas.microsoft.com/office/powerpoint/2010/main" val="2402838146"/>
+        <p14:creationId xmlns:p14="http://schemas.microsoft.com/office/powerpoint/2010/main" val="685218613"/>
       </p:ext>
     </p:extLst>
   </p:cSld>
@@ -1193,13 +1114,7 @@
       </p:grpSpPr>
       <p:sp>
         <p:nvSpPr>
-          <p:cNvPr id="2" name="Title 1">
-            <a:extLst>
-              <a:ext uri="{FF2B5EF4-FFF2-40B4-BE49-F238E27FC236}">
-                <a16:creationId xmlns:a16="http://schemas.microsoft.com/office/drawing/2014/main" id="{856822EF-14BD-F740-99EF-A3AB7B190007}"/>
-              </a:ext>
-            </a:extLst>
-          </p:cNvPr>
+          <p:cNvPr id="2" name="Title 1"/>
           <p:cNvSpPr>
             <a:spLocks noGrp="1"/>
           </p:cNvSpPr>
@@ -1216,18 +1131,13 @@
               <a:rPr lang="en-US"/>
               <a:t>Click to edit Master title style</a:t>
             </a:r>
-          </a:p>
-        </p:txBody>
-      </p:sp>
-      <p:sp>
-        <p:nvSpPr>
-          <p:cNvPr id="3" name="Content Placeholder 2">
-            <a:extLst>
-              <a:ext uri="{FF2B5EF4-FFF2-40B4-BE49-F238E27FC236}">
-                <a16:creationId xmlns:a16="http://schemas.microsoft.com/office/drawing/2014/main" id="{D37B8053-ED9E-C600-0422-14558AD103CC}"/>
-              </a:ext>
-            </a:extLst>
-          </p:cNvPr>
+            <a:endParaRPr lang="en-US" dirty="0"/>
+          </a:p>
+        </p:txBody>
+      </p:sp>
+      <p:sp>
+        <p:nvSpPr>
+          <p:cNvPr id="3" name="Content Placeholder 2"/>
           <p:cNvSpPr>
             <a:spLocks noGrp="1"/>
           </p:cNvSpPr>
@@ -1273,18 +1183,13 @@
               <a:rPr lang="en-US"/>
               <a:t>Fifth level</a:t>
             </a:r>
-          </a:p>
-        </p:txBody>
-      </p:sp>
-      <p:sp>
-        <p:nvSpPr>
-          <p:cNvPr id="4" name="Date Placeholder 3">
-            <a:extLst>
-              <a:ext uri="{FF2B5EF4-FFF2-40B4-BE49-F238E27FC236}">
-                <a16:creationId xmlns:a16="http://schemas.microsoft.com/office/drawing/2014/main" id="{FEE44565-0CD3-EDC0-B37F-1A05DA950B8A}"/>
-              </a:ext>
-            </a:extLst>
-          </p:cNvPr>
+            <a:endParaRPr lang="en-US" dirty="0"/>
+          </a:p>
+        </p:txBody>
+      </p:sp>
+      <p:sp>
+        <p:nvSpPr>
+          <p:cNvPr id="4" name="Date Placeholder 3"/>
           <p:cNvSpPr>
             <a:spLocks noGrp="1"/>
           </p:cNvSpPr>
@@ -1299,7 +1204,7 @@
           <a:p>
             <a:fld id="{F5074301-D816-A348-AA4A-431BEC99E41A}" type="datetimeFigureOut">
               <a:rPr lang="en-US" smtClean="0"/>
-              <a:t>7/13/23</a:t>
+              <a:t>11/28/23</a:t>
             </a:fld>
             <a:endParaRPr lang="en-US"/>
           </a:p>
@@ -1307,13 +1212,7 @@
       </p:sp>
       <p:sp>
         <p:nvSpPr>
-          <p:cNvPr id="5" name="Footer Placeholder 4">
-            <a:extLst>
-              <a:ext uri="{FF2B5EF4-FFF2-40B4-BE49-F238E27FC236}">
-                <a16:creationId xmlns:a16="http://schemas.microsoft.com/office/drawing/2014/main" id="{2A214E2A-32C4-50B2-D263-DD2F2BE83954}"/>
-              </a:ext>
-            </a:extLst>
-          </p:cNvPr>
+          <p:cNvPr id="5" name="Footer Placeholder 4"/>
           <p:cNvSpPr>
             <a:spLocks noGrp="1"/>
           </p:cNvSpPr>
@@ -1332,13 +1231,7 @@
       </p:sp>
       <p:sp>
         <p:nvSpPr>
-          <p:cNvPr id="6" name="Slide Number Placeholder 5">
-            <a:extLst>
-              <a:ext uri="{FF2B5EF4-FFF2-40B4-BE49-F238E27FC236}">
-                <a16:creationId xmlns:a16="http://schemas.microsoft.com/office/drawing/2014/main" id="{F01EE996-BEB3-7424-97AF-2984E3551E07}"/>
-              </a:ext>
-            </a:extLst>
-          </p:cNvPr>
+          <p:cNvPr id="6" name="Slide Number Placeholder 5"/>
           <p:cNvSpPr>
             <a:spLocks noGrp="1"/>
           </p:cNvSpPr>
@@ -1362,7 +1255,7 @@
     </p:spTree>
     <p:extLst>
       <p:ext uri="{BB962C8B-B14F-4D97-AF65-F5344CB8AC3E}">
-        <p14:creationId xmlns:p14="http://schemas.microsoft.com/office/powerpoint/2010/main" val="2658868040"/>
+        <p14:creationId xmlns:p14="http://schemas.microsoft.com/office/powerpoint/2010/main" val="1364629502"/>
       </p:ext>
     </p:extLst>
   </p:cSld>
@@ -1391,13 +1284,7 @@
       </p:grpSpPr>
       <p:sp>
         <p:nvSpPr>
-          <p:cNvPr id="2" name="Title 1">
-            <a:extLst>
-              <a:ext uri="{FF2B5EF4-FFF2-40B4-BE49-F238E27FC236}">
-                <a16:creationId xmlns:a16="http://schemas.microsoft.com/office/drawing/2014/main" id="{EB87C4B6-4EF9-624B-180B-CD2AC03B7A66}"/>
-              </a:ext>
-            </a:extLst>
-          </p:cNvPr>
+          <p:cNvPr id="2" name="Title 1"/>
           <p:cNvSpPr>
             <a:spLocks noGrp="1"/>
           </p:cNvSpPr>
@@ -1407,15 +1294,15 @@
         </p:nvSpPr>
         <p:spPr>
           <a:xfrm>
-            <a:off x="831850" y="1709738"/>
-            <a:ext cx="10515600" cy="2852737"/>
+            <a:off x="811054" y="1367791"/>
+            <a:ext cx="10252710" cy="2282190"/>
           </a:xfrm>
         </p:spPr>
         <p:txBody>
           <a:bodyPr anchor="b"/>
           <a:lstStyle>
             <a:lvl1pPr>
-              <a:defRPr sz="6000"/>
+              <a:defRPr sz="4800"/>
             </a:lvl1pPr>
           </a:lstStyle>
           <a:p>
@@ -1423,18 +1310,13 @@
               <a:rPr lang="en-US"/>
               <a:t>Click to edit Master title style</a:t>
             </a:r>
-          </a:p>
-        </p:txBody>
-      </p:sp>
-      <p:sp>
-        <p:nvSpPr>
-          <p:cNvPr id="3" name="Text Placeholder 2">
-            <a:extLst>
-              <a:ext uri="{FF2B5EF4-FFF2-40B4-BE49-F238E27FC236}">
-                <a16:creationId xmlns:a16="http://schemas.microsoft.com/office/drawing/2014/main" id="{700F95C7-2C5A-827F-B9A5-492D999B1EB0}"/>
-              </a:ext>
-            </a:extLst>
-          </p:cNvPr>
+            <a:endParaRPr lang="en-US" dirty="0"/>
+          </a:p>
+        </p:txBody>
+      </p:sp>
+      <p:sp>
+        <p:nvSpPr>
+          <p:cNvPr id="3" name="Text Placeholder 2"/>
           <p:cNvSpPr>
             <a:spLocks noGrp="1"/>
           </p:cNvSpPr>
@@ -1444,8 +1326,8 @@
         </p:nvSpPr>
         <p:spPr>
           <a:xfrm>
-            <a:off x="831850" y="4589463"/>
-            <a:ext cx="10515600" cy="1500187"/>
+            <a:off x="811054" y="3671571"/>
+            <a:ext cx="10252710" cy="1200150"/>
           </a:xfrm>
         </p:spPr>
         <p:txBody>
@@ -1453,7 +1335,7 @@
           <a:lstStyle>
             <a:lvl1pPr marL="0" indent="0">
               <a:buNone/>
-              <a:defRPr sz="2400">
+              <a:defRPr sz="1920">
                 <a:solidFill>
                   <a:schemeClr val="tx1">
                     <a:tint val="75000"/>
@@ -1461,27 +1343,7 @@
                 </a:solidFill>
               </a:defRPr>
             </a:lvl1pPr>
-            <a:lvl2pPr marL="457200" indent="0">
-              <a:buNone/>
-              <a:defRPr sz="2000">
-                <a:solidFill>
-                  <a:schemeClr val="tx1">
-                    <a:tint val="75000"/>
-                  </a:schemeClr>
-                </a:solidFill>
-              </a:defRPr>
-            </a:lvl2pPr>
-            <a:lvl3pPr marL="914400" indent="0">
-              <a:buNone/>
-              <a:defRPr sz="1800">
-                <a:solidFill>
-                  <a:schemeClr val="tx1">
-                    <a:tint val="75000"/>
-                  </a:schemeClr>
-                </a:solidFill>
-              </a:defRPr>
-            </a:lvl3pPr>
-            <a:lvl4pPr marL="1371600" indent="0">
+            <a:lvl2pPr marL="365760" indent="0">
               <a:buNone/>
               <a:defRPr sz="1600">
                 <a:solidFill>
@@ -1490,10 +1352,30 @@
                   </a:schemeClr>
                 </a:solidFill>
               </a:defRPr>
+            </a:lvl2pPr>
+            <a:lvl3pPr marL="731520" indent="0">
+              <a:buNone/>
+              <a:defRPr sz="1440">
+                <a:solidFill>
+                  <a:schemeClr val="tx1">
+                    <a:tint val="75000"/>
+                  </a:schemeClr>
+                </a:solidFill>
+              </a:defRPr>
+            </a:lvl3pPr>
+            <a:lvl4pPr marL="1097280" indent="0">
+              <a:buNone/>
+              <a:defRPr sz="1280">
+                <a:solidFill>
+                  <a:schemeClr val="tx1">
+                    <a:tint val="75000"/>
+                  </a:schemeClr>
+                </a:solidFill>
+              </a:defRPr>
             </a:lvl4pPr>
-            <a:lvl5pPr marL="1828800" indent="0">
+            <a:lvl5pPr marL="1463040" indent="0">
               <a:buNone/>
-              <a:defRPr sz="1600">
+              <a:defRPr sz="1280">
                 <a:solidFill>
                   <a:schemeClr val="tx1">
                     <a:tint val="75000"/>
@@ -1501,9 +1383,9 @@
                 </a:solidFill>
               </a:defRPr>
             </a:lvl5pPr>
-            <a:lvl6pPr marL="2286000" indent="0">
+            <a:lvl6pPr marL="1828800" indent="0">
               <a:buNone/>
-              <a:defRPr sz="1600">
+              <a:defRPr sz="1280">
                 <a:solidFill>
                   <a:schemeClr val="tx1">
                     <a:tint val="75000"/>
@@ -1511,9 +1393,9 @@
                 </a:solidFill>
               </a:defRPr>
             </a:lvl6pPr>
-            <a:lvl7pPr marL="2743200" indent="0">
+            <a:lvl7pPr marL="2194560" indent="0">
               <a:buNone/>
-              <a:defRPr sz="1600">
+              <a:defRPr sz="1280">
                 <a:solidFill>
                   <a:schemeClr val="tx1">
                     <a:tint val="75000"/>
@@ -1521,9 +1403,9 @@
                 </a:solidFill>
               </a:defRPr>
             </a:lvl7pPr>
-            <a:lvl8pPr marL="3200400" indent="0">
+            <a:lvl8pPr marL="2560320" indent="0">
               <a:buNone/>
-              <a:defRPr sz="1600">
+              <a:defRPr sz="1280">
                 <a:solidFill>
                   <a:schemeClr val="tx1">
                     <a:tint val="75000"/>
@@ -1531,9 +1413,9 @@
                 </a:solidFill>
               </a:defRPr>
             </a:lvl8pPr>
-            <a:lvl9pPr marL="3657600" indent="0">
+            <a:lvl9pPr marL="2926080" indent="0">
               <a:buNone/>
-              <a:defRPr sz="1600">
+              <a:defRPr sz="1280">
                 <a:solidFill>
                   <a:schemeClr val="tx1">
                     <a:tint val="75000"/>
@@ -1553,13 +1435,7 @@
       </p:sp>
       <p:sp>
         <p:nvSpPr>
-          <p:cNvPr id="4" name="Date Placeholder 3">
-            <a:extLst>
-              <a:ext uri="{FF2B5EF4-FFF2-40B4-BE49-F238E27FC236}">
-                <a16:creationId xmlns:a16="http://schemas.microsoft.com/office/drawing/2014/main" id="{4228080A-67A9-E904-CC68-0251AB7F0D4B}"/>
-              </a:ext>
-            </a:extLst>
-          </p:cNvPr>
+          <p:cNvPr id="4" name="Date Placeholder 3"/>
           <p:cNvSpPr>
             <a:spLocks noGrp="1"/>
           </p:cNvSpPr>
@@ -1574,7 +1450,7 @@
           <a:p>
             <a:fld id="{F5074301-D816-A348-AA4A-431BEC99E41A}" type="datetimeFigureOut">
               <a:rPr lang="en-US" smtClean="0"/>
-              <a:t>7/13/23</a:t>
+              <a:t>11/28/23</a:t>
             </a:fld>
             <a:endParaRPr lang="en-US"/>
           </a:p>
@@ -1582,13 +1458,7 @@
       </p:sp>
       <p:sp>
         <p:nvSpPr>
-          <p:cNvPr id="5" name="Footer Placeholder 4">
-            <a:extLst>
-              <a:ext uri="{FF2B5EF4-FFF2-40B4-BE49-F238E27FC236}">
-                <a16:creationId xmlns:a16="http://schemas.microsoft.com/office/drawing/2014/main" id="{98F4A261-D983-4C4A-3B38-0EB80D2389F5}"/>
-              </a:ext>
-            </a:extLst>
-          </p:cNvPr>
+          <p:cNvPr id="5" name="Footer Placeholder 4"/>
           <p:cNvSpPr>
             <a:spLocks noGrp="1"/>
           </p:cNvSpPr>
@@ -1607,13 +1477,7 @@
       </p:sp>
       <p:sp>
         <p:nvSpPr>
-          <p:cNvPr id="6" name="Slide Number Placeholder 5">
-            <a:extLst>
-              <a:ext uri="{FF2B5EF4-FFF2-40B4-BE49-F238E27FC236}">
-                <a16:creationId xmlns:a16="http://schemas.microsoft.com/office/drawing/2014/main" id="{D945B305-563D-B72B-FC4B-E08A4305F111}"/>
-              </a:ext>
-            </a:extLst>
-          </p:cNvPr>
+          <p:cNvPr id="6" name="Slide Number Placeholder 5"/>
           <p:cNvSpPr>
             <a:spLocks noGrp="1"/>
           </p:cNvSpPr>
@@ -1637,7 +1501,7 @@
     </p:spTree>
     <p:extLst>
       <p:ext uri="{BB962C8B-B14F-4D97-AF65-F5344CB8AC3E}">
-        <p14:creationId xmlns:p14="http://schemas.microsoft.com/office/powerpoint/2010/main" val="2277786039"/>
+        <p14:creationId xmlns:p14="http://schemas.microsoft.com/office/powerpoint/2010/main" val="3428325305"/>
       </p:ext>
     </p:extLst>
   </p:cSld>
@@ -1666,13 +1530,7 @@
       </p:grpSpPr>
       <p:sp>
         <p:nvSpPr>
-          <p:cNvPr id="2" name="Title 1">
-            <a:extLst>
-              <a:ext uri="{FF2B5EF4-FFF2-40B4-BE49-F238E27FC236}">
-                <a16:creationId xmlns:a16="http://schemas.microsoft.com/office/drawing/2014/main" id="{4FF61FC0-4F56-67B1-FD38-5C770211678A}"/>
-              </a:ext>
-            </a:extLst>
-          </p:cNvPr>
+          <p:cNvPr id="2" name="Title 1"/>
           <p:cNvSpPr>
             <a:spLocks noGrp="1"/>
           </p:cNvSpPr>
@@ -1689,18 +1547,13 @@
               <a:rPr lang="en-US"/>
               <a:t>Click to edit Master title style</a:t>
             </a:r>
-          </a:p>
-        </p:txBody>
-      </p:sp>
-      <p:sp>
-        <p:nvSpPr>
-          <p:cNvPr id="3" name="Content Placeholder 2">
-            <a:extLst>
-              <a:ext uri="{FF2B5EF4-FFF2-40B4-BE49-F238E27FC236}">
-                <a16:creationId xmlns:a16="http://schemas.microsoft.com/office/drawing/2014/main" id="{0A01ADE5-9407-5BD2-E00B-8E7FBFF6DE11}"/>
-              </a:ext>
-            </a:extLst>
-          </p:cNvPr>
+            <a:endParaRPr lang="en-US" dirty="0"/>
+          </a:p>
+        </p:txBody>
+      </p:sp>
+      <p:sp>
+        <p:nvSpPr>
+          <p:cNvPr id="3" name="Content Placeholder 2"/>
           <p:cNvSpPr>
             <a:spLocks noGrp="1"/>
           </p:cNvSpPr>
@@ -1710,8 +1563,8 @@
         </p:nvSpPr>
         <p:spPr>
           <a:xfrm>
-            <a:off x="838200" y="1825625"/>
-            <a:ext cx="5181600" cy="4351338"/>
+            <a:off x="817245" y="1460500"/>
+            <a:ext cx="5052060" cy="3481070"/>
           </a:xfrm>
         </p:spPr>
         <p:txBody>
@@ -1751,18 +1604,13 @@
               <a:rPr lang="en-US"/>
               <a:t>Fifth level</a:t>
             </a:r>
-          </a:p>
-        </p:txBody>
-      </p:sp>
-      <p:sp>
-        <p:nvSpPr>
-          <p:cNvPr id="4" name="Content Placeholder 3">
-            <a:extLst>
-              <a:ext uri="{FF2B5EF4-FFF2-40B4-BE49-F238E27FC236}">
-                <a16:creationId xmlns:a16="http://schemas.microsoft.com/office/drawing/2014/main" id="{77C31C85-845C-E334-D491-F7071170C4E9}"/>
-              </a:ext>
-            </a:extLst>
-          </p:cNvPr>
+            <a:endParaRPr lang="en-US" dirty="0"/>
+          </a:p>
+        </p:txBody>
+      </p:sp>
+      <p:sp>
+        <p:nvSpPr>
+          <p:cNvPr id="4" name="Content Placeholder 3"/>
           <p:cNvSpPr>
             <a:spLocks noGrp="1"/>
           </p:cNvSpPr>
@@ -1772,8 +1620,8 @@
         </p:nvSpPr>
         <p:spPr>
           <a:xfrm>
-            <a:off x="6172200" y="1825625"/>
-            <a:ext cx="5181600" cy="4351338"/>
+            <a:off x="6017895" y="1460500"/>
+            <a:ext cx="5052060" cy="3481070"/>
           </a:xfrm>
         </p:spPr>
         <p:txBody>
@@ -1813,18 +1661,13 @@
               <a:rPr lang="en-US"/>
               <a:t>Fifth level</a:t>
             </a:r>
-          </a:p>
-        </p:txBody>
-      </p:sp>
-      <p:sp>
-        <p:nvSpPr>
-          <p:cNvPr id="5" name="Date Placeholder 4">
-            <a:extLst>
-              <a:ext uri="{FF2B5EF4-FFF2-40B4-BE49-F238E27FC236}">
-                <a16:creationId xmlns:a16="http://schemas.microsoft.com/office/drawing/2014/main" id="{A5EA3E2E-FFCC-E561-6410-0F5CAB838538}"/>
-              </a:ext>
-            </a:extLst>
-          </p:cNvPr>
+            <a:endParaRPr lang="en-US" dirty="0"/>
+          </a:p>
+        </p:txBody>
+      </p:sp>
+      <p:sp>
+        <p:nvSpPr>
+          <p:cNvPr id="5" name="Date Placeholder 4"/>
           <p:cNvSpPr>
             <a:spLocks noGrp="1"/>
           </p:cNvSpPr>
@@ -1839,7 +1682,7 @@
           <a:p>
             <a:fld id="{F5074301-D816-A348-AA4A-431BEC99E41A}" type="datetimeFigureOut">
               <a:rPr lang="en-US" smtClean="0"/>
-              <a:t>7/13/23</a:t>
+              <a:t>11/28/23</a:t>
             </a:fld>
             <a:endParaRPr lang="en-US"/>
           </a:p>
@@ -1847,13 +1690,7 @@
       </p:sp>
       <p:sp>
         <p:nvSpPr>
-          <p:cNvPr id="6" name="Footer Placeholder 5">
-            <a:extLst>
-              <a:ext uri="{FF2B5EF4-FFF2-40B4-BE49-F238E27FC236}">
-                <a16:creationId xmlns:a16="http://schemas.microsoft.com/office/drawing/2014/main" id="{5B1683ED-70F0-552C-7A1B-71C35A0E52C3}"/>
-              </a:ext>
-            </a:extLst>
-          </p:cNvPr>
+          <p:cNvPr id="6" name="Footer Placeholder 5"/>
           <p:cNvSpPr>
             <a:spLocks noGrp="1"/>
           </p:cNvSpPr>
@@ -1872,13 +1709,7 @@
       </p:sp>
       <p:sp>
         <p:nvSpPr>
-          <p:cNvPr id="7" name="Slide Number Placeholder 6">
-            <a:extLst>
-              <a:ext uri="{FF2B5EF4-FFF2-40B4-BE49-F238E27FC236}">
-                <a16:creationId xmlns:a16="http://schemas.microsoft.com/office/drawing/2014/main" id="{AD2D42E3-9C6D-A972-D690-FC65FBC81854}"/>
-              </a:ext>
-            </a:extLst>
-          </p:cNvPr>
+          <p:cNvPr id="7" name="Slide Number Placeholder 6"/>
           <p:cNvSpPr>
             <a:spLocks noGrp="1"/>
           </p:cNvSpPr>
@@ -1902,7 +1733,7 @@
     </p:spTree>
     <p:extLst>
       <p:ext uri="{BB962C8B-B14F-4D97-AF65-F5344CB8AC3E}">
-        <p14:creationId xmlns:p14="http://schemas.microsoft.com/office/powerpoint/2010/main" val="3998489057"/>
+        <p14:creationId xmlns:p14="http://schemas.microsoft.com/office/powerpoint/2010/main" val="321940052"/>
       </p:ext>
     </p:extLst>
   </p:cSld>
@@ -1931,13 +1762,7 @@
       </p:grpSpPr>
       <p:sp>
         <p:nvSpPr>
-          <p:cNvPr id="2" name="Title 1">
-            <a:extLst>
-              <a:ext uri="{FF2B5EF4-FFF2-40B4-BE49-F238E27FC236}">
-                <a16:creationId xmlns:a16="http://schemas.microsoft.com/office/drawing/2014/main" id="{09C21C94-1BA2-A2FC-0FD4-35E5E21C9DAC}"/>
-              </a:ext>
-            </a:extLst>
-          </p:cNvPr>
+          <p:cNvPr id="2" name="Title 1"/>
           <p:cNvSpPr>
             <a:spLocks noGrp="1"/>
           </p:cNvSpPr>
@@ -1947,8 +1772,8 @@
         </p:nvSpPr>
         <p:spPr>
           <a:xfrm>
-            <a:off x="839788" y="365125"/>
-            <a:ext cx="10515600" cy="1325563"/>
+            <a:off x="818793" y="292101"/>
+            <a:ext cx="10252710" cy="1060450"/>
           </a:xfrm>
         </p:spPr>
         <p:txBody>
@@ -1959,18 +1784,13 @@
               <a:rPr lang="en-US"/>
               <a:t>Click to edit Master title style</a:t>
             </a:r>
-          </a:p>
-        </p:txBody>
-      </p:sp>
-      <p:sp>
-        <p:nvSpPr>
-          <p:cNvPr id="3" name="Text Placeholder 2">
-            <a:extLst>
-              <a:ext uri="{FF2B5EF4-FFF2-40B4-BE49-F238E27FC236}">
-                <a16:creationId xmlns:a16="http://schemas.microsoft.com/office/drawing/2014/main" id="{DF3DF199-F656-10D3-B5BE-4BA3B74778B6}"/>
-              </a:ext>
-            </a:extLst>
-          </p:cNvPr>
+            <a:endParaRPr lang="en-US" dirty="0"/>
+          </a:p>
+        </p:txBody>
+      </p:sp>
+      <p:sp>
+        <p:nvSpPr>
+          <p:cNvPr id="3" name="Text Placeholder 2"/>
           <p:cNvSpPr>
             <a:spLocks noGrp="1"/>
           </p:cNvSpPr>
@@ -1980,8 +1800,8 @@
         </p:nvSpPr>
         <p:spPr>
           <a:xfrm>
-            <a:off x="839788" y="1681163"/>
-            <a:ext cx="5157787" cy="823912"/>
+            <a:off x="818794" y="1344930"/>
+            <a:ext cx="5028842" cy="659130"/>
           </a:xfrm>
         </p:spPr>
         <p:txBody>
@@ -1989,39 +1809,39 @@
           <a:lstStyle>
             <a:lvl1pPr marL="0" indent="0">
               <a:buNone/>
-              <a:defRPr sz="2400" b="1"/>
+              <a:defRPr sz="1920" b="1"/>
             </a:lvl1pPr>
-            <a:lvl2pPr marL="457200" indent="0">
-              <a:buNone/>
-              <a:defRPr sz="2000" b="1"/>
-            </a:lvl2pPr>
-            <a:lvl3pPr marL="914400" indent="0">
-              <a:buNone/>
-              <a:defRPr sz="1800" b="1"/>
-            </a:lvl3pPr>
-            <a:lvl4pPr marL="1371600" indent="0">
+            <a:lvl2pPr marL="365760" indent="0">
               <a:buNone/>
               <a:defRPr sz="1600" b="1"/>
+            </a:lvl2pPr>
+            <a:lvl3pPr marL="731520" indent="0">
+              <a:buNone/>
+              <a:defRPr sz="1440" b="1"/>
+            </a:lvl3pPr>
+            <a:lvl4pPr marL="1097280" indent="0">
+              <a:buNone/>
+              <a:defRPr sz="1280" b="1"/>
             </a:lvl4pPr>
-            <a:lvl5pPr marL="1828800" indent="0">
+            <a:lvl5pPr marL="1463040" indent="0">
               <a:buNone/>
-              <a:defRPr sz="1600" b="1"/>
+              <a:defRPr sz="1280" b="1"/>
             </a:lvl5pPr>
-            <a:lvl6pPr marL="2286000" indent="0">
+            <a:lvl6pPr marL="1828800" indent="0">
               <a:buNone/>
-              <a:defRPr sz="1600" b="1"/>
+              <a:defRPr sz="1280" b="1"/>
             </a:lvl6pPr>
-            <a:lvl7pPr marL="2743200" indent="0">
+            <a:lvl7pPr marL="2194560" indent="0">
               <a:buNone/>
-              <a:defRPr sz="1600" b="1"/>
+              <a:defRPr sz="1280" b="1"/>
             </a:lvl7pPr>
-            <a:lvl8pPr marL="3200400" indent="0">
+            <a:lvl8pPr marL="2560320" indent="0">
               <a:buNone/>
-              <a:defRPr sz="1600" b="1"/>
+              <a:defRPr sz="1280" b="1"/>
             </a:lvl8pPr>
-            <a:lvl9pPr marL="3657600" indent="0">
+            <a:lvl9pPr marL="2926080" indent="0">
               <a:buNone/>
-              <a:defRPr sz="1600" b="1"/>
+              <a:defRPr sz="1280" b="1"/>
             </a:lvl9pPr>
           </a:lstStyle>
           <a:p>
@@ -2035,13 +1855,7 @@
       </p:sp>
       <p:sp>
         <p:nvSpPr>
-          <p:cNvPr id="4" name="Content Placeholder 3">
-            <a:extLst>
-              <a:ext uri="{FF2B5EF4-FFF2-40B4-BE49-F238E27FC236}">
-                <a16:creationId xmlns:a16="http://schemas.microsoft.com/office/drawing/2014/main" id="{7FCFEA25-5934-8232-2A34-DBF16EA3293D}"/>
-              </a:ext>
-            </a:extLst>
-          </p:cNvPr>
+          <p:cNvPr id="4" name="Content Placeholder 3"/>
           <p:cNvSpPr>
             <a:spLocks noGrp="1"/>
           </p:cNvSpPr>
@@ -2051,8 +1865,8 @@
         </p:nvSpPr>
         <p:spPr>
           <a:xfrm>
-            <a:off x="839788" y="2505075"/>
-            <a:ext cx="5157787" cy="3684588"/>
+            <a:off x="818794" y="2004060"/>
+            <a:ext cx="5028842" cy="2947670"/>
           </a:xfrm>
         </p:spPr>
         <p:txBody>
@@ -2092,18 +1906,13 @@
               <a:rPr lang="en-US"/>
               <a:t>Fifth level</a:t>
             </a:r>
-          </a:p>
-        </p:txBody>
-      </p:sp>
-      <p:sp>
-        <p:nvSpPr>
-          <p:cNvPr id="5" name="Text Placeholder 4">
-            <a:extLst>
-              <a:ext uri="{FF2B5EF4-FFF2-40B4-BE49-F238E27FC236}">
-                <a16:creationId xmlns:a16="http://schemas.microsoft.com/office/drawing/2014/main" id="{B6AEB111-AB93-830E-FA4F-C382B705FA09}"/>
-              </a:ext>
-            </a:extLst>
-          </p:cNvPr>
+            <a:endParaRPr lang="en-US" dirty="0"/>
+          </a:p>
+        </p:txBody>
+      </p:sp>
+      <p:sp>
+        <p:nvSpPr>
+          <p:cNvPr id="5" name="Text Placeholder 4"/>
           <p:cNvSpPr>
             <a:spLocks noGrp="1"/>
           </p:cNvSpPr>
@@ -2113,8 +1922,8 @@
         </p:nvSpPr>
         <p:spPr>
           <a:xfrm>
-            <a:off x="6172200" y="1681163"/>
-            <a:ext cx="5183188" cy="823912"/>
+            <a:off x="6017895" y="1344930"/>
+            <a:ext cx="5053608" cy="659130"/>
           </a:xfrm>
         </p:spPr>
         <p:txBody>
@@ -2122,39 +1931,39 @@
           <a:lstStyle>
             <a:lvl1pPr marL="0" indent="0">
               <a:buNone/>
-              <a:defRPr sz="2400" b="1"/>
+              <a:defRPr sz="1920" b="1"/>
             </a:lvl1pPr>
-            <a:lvl2pPr marL="457200" indent="0">
-              <a:buNone/>
-              <a:defRPr sz="2000" b="1"/>
-            </a:lvl2pPr>
-            <a:lvl3pPr marL="914400" indent="0">
-              <a:buNone/>
-              <a:defRPr sz="1800" b="1"/>
-            </a:lvl3pPr>
-            <a:lvl4pPr marL="1371600" indent="0">
+            <a:lvl2pPr marL="365760" indent="0">
               <a:buNone/>
               <a:defRPr sz="1600" b="1"/>
+            </a:lvl2pPr>
+            <a:lvl3pPr marL="731520" indent="0">
+              <a:buNone/>
+              <a:defRPr sz="1440" b="1"/>
+            </a:lvl3pPr>
+            <a:lvl4pPr marL="1097280" indent="0">
+              <a:buNone/>
+              <a:defRPr sz="1280" b="1"/>
             </a:lvl4pPr>
-            <a:lvl5pPr marL="1828800" indent="0">
+            <a:lvl5pPr marL="1463040" indent="0">
               <a:buNone/>
-              <a:defRPr sz="1600" b="1"/>
+              <a:defRPr sz="1280" b="1"/>
             </a:lvl5pPr>
-            <a:lvl6pPr marL="2286000" indent="0">
+            <a:lvl6pPr marL="1828800" indent="0">
               <a:buNone/>
-              <a:defRPr sz="1600" b="1"/>
+              <a:defRPr sz="1280" b="1"/>
             </a:lvl6pPr>
-            <a:lvl7pPr marL="2743200" indent="0">
+            <a:lvl7pPr marL="2194560" indent="0">
               <a:buNone/>
-              <a:defRPr sz="1600" b="1"/>
+              <a:defRPr sz="1280" b="1"/>
             </a:lvl7pPr>
-            <a:lvl8pPr marL="3200400" indent="0">
+            <a:lvl8pPr marL="2560320" indent="0">
               <a:buNone/>
-              <a:defRPr sz="1600" b="1"/>
+              <a:defRPr sz="1280" b="1"/>
             </a:lvl8pPr>
-            <a:lvl9pPr marL="3657600" indent="0">
+            <a:lvl9pPr marL="2926080" indent="0">
               <a:buNone/>
-              <a:defRPr sz="1600" b="1"/>
+              <a:defRPr sz="1280" b="1"/>
             </a:lvl9pPr>
           </a:lstStyle>
           <a:p>
@@ -2168,13 +1977,7 @@
       </p:sp>
       <p:sp>
         <p:nvSpPr>
-          <p:cNvPr id="6" name="Content Placeholder 5">
-            <a:extLst>
-              <a:ext uri="{FF2B5EF4-FFF2-40B4-BE49-F238E27FC236}">
-                <a16:creationId xmlns:a16="http://schemas.microsoft.com/office/drawing/2014/main" id="{358A9131-E60C-BEE5-8FE0-5B2B51014A49}"/>
-              </a:ext>
-            </a:extLst>
-          </p:cNvPr>
+          <p:cNvPr id="6" name="Content Placeholder 5"/>
           <p:cNvSpPr>
             <a:spLocks noGrp="1"/>
           </p:cNvSpPr>
@@ -2184,8 +1987,8 @@
         </p:nvSpPr>
         <p:spPr>
           <a:xfrm>
-            <a:off x="6172200" y="2505075"/>
-            <a:ext cx="5183188" cy="3684588"/>
+            <a:off x="6017895" y="2004060"/>
+            <a:ext cx="5053608" cy="2947670"/>
           </a:xfrm>
         </p:spPr>
         <p:txBody>
@@ -2225,18 +2028,13 @@
               <a:rPr lang="en-US"/>
               <a:t>Fifth level</a:t>
             </a:r>
-          </a:p>
-        </p:txBody>
-      </p:sp>
-      <p:sp>
-        <p:nvSpPr>
-          <p:cNvPr id="7" name="Date Placeholder 6">
-            <a:extLst>
-              <a:ext uri="{FF2B5EF4-FFF2-40B4-BE49-F238E27FC236}">
-                <a16:creationId xmlns:a16="http://schemas.microsoft.com/office/drawing/2014/main" id="{AA522DAE-7C9A-8D14-7841-5403095F7C19}"/>
-              </a:ext>
-            </a:extLst>
-          </p:cNvPr>
+            <a:endParaRPr lang="en-US" dirty="0"/>
+          </a:p>
+        </p:txBody>
+      </p:sp>
+      <p:sp>
+        <p:nvSpPr>
+          <p:cNvPr id="7" name="Date Placeholder 6"/>
           <p:cNvSpPr>
             <a:spLocks noGrp="1"/>
           </p:cNvSpPr>
@@ -2251,7 +2049,7 @@
           <a:p>
             <a:fld id="{F5074301-D816-A348-AA4A-431BEC99E41A}" type="datetimeFigureOut">
               <a:rPr lang="en-US" smtClean="0"/>
-              <a:t>7/13/23</a:t>
+              <a:t>11/28/23</a:t>
             </a:fld>
             <a:endParaRPr lang="en-US"/>
           </a:p>
@@ -2259,13 +2057,7 @@
       </p:sp>
       <p:sp>
         <p:nvSpPr>
-          <p:cNvPr id="8" name="Footer Placeholder 7">
-            <a:extLst>
-              <a:ext uri="{FF2B5EF4-FFF2-40B4-BE49-F238E27FC236}">
-                <a16:creationId xmlns:a16="http://schemas.microsoft.com/office/drawing/2014/main" id="{8B3A2FB3-BAA9-FDD2-0DE7-23B9B7C2B068}"/>
-              </a:ext>
-            </a:extLst>
-          </p:cNvPr>
+          <p:cNvPr id="8" name="Footer Placeholder 7"/>
           <p:cNvSpPr>
             <a:spLocks noGrp="1"/>
           </p:cNvSpPr>
@@ -2284,13 +2076,7 @@
       </p:sp>
       <p:sp>
         <p:nvSpPr>
-          <p:cNvPr id="9" name="Slide Number Placeholder 8">
-            <a:extLst>
-              <a:ext uri="{FF2B5EF4-FFF2-40B4-BE49-F238E27FC236}">
-                <a16:creationId xmlns:a16="http://schemas.microsoft.com/office/drawing/2014/main" id="{50E48151-8E82-81C7-FF1B-D43248F1D04D}"/>
-              </a:ext>
-            </a:extLst>
-          </p:cNvPr>
+          <p:cNvPr id="9" name="Slide Number Placeholder 8"/>
           <p:cNvSpPr>
             <a:spLocks noGrp="1"/>
           </p:cNvSpPr>
@@ -2314,7 +2100,7 @@
     </p:spTree>
     <p:extLst>
       <p:ext uri="{BB962C8B-B14F-4D97-AF65-F5344CB8AC3E}">
-        <p14:creationId xmlns:p14="http://schemas.microsoft.com/office/powerpoint/2010/main" val="2547882272"/>
+        <p14:creationId xmlns:p14="http://schemas.microsoft.com/office/powerpoint/2010/main" val="4019134052"/>
       </p:ext>
     </p:extLst>
   </p:cSld>
@@ -2343,13 +2129,7 @@
       </p:grpSpPr>
       <p:sp>
         <p:nvSpPr>
-          <p:cNvPr id="2" name="Title 1">
-            <a:extLst>
-              <a:ext uri="{FF2B5EF4-FFF2-40B4-BE49-F238E27FC236}">
-                <a16:creationId xmlns:a16="http://schemas.microsoft.com/office/drawing/2014/main" id="{2C7D5B2C-D027-E77E-6A28-FC9B8AEE2E66}"/>
-              </a:ext>
-            </a:extLst>
-          </p:cNvPr>
+          <p:cNvPr id="2" name="Title 1"/>
           <p:cNvSpPr>
             <a:spLocks noGrp="1"/>
           </p:cNvSpPr>
@@ -2366,18 +2146,13 @@
               <a:rPr lang="en-US"/>
               <a:t>Click to edit Master title style</a:t>
             </a:r>
-          </a:p>
-        </p:txBody>
-      </p:sp>
-      <p:sp>
-        <p:nvSpPr>
-          <p:cNvPr id="3" name="Date Placeholder 2">
-            <a:extLst>
-              <a:ext uri="{FF2B5EF4-FFF2-40B4-BE49-F238E27FC236}">
-                <a16:creationId xmlns:a16="http://schemas.microsoft.com/office/drawing/2014/main" id="{4E2920A8-C900-5978-540D-96A7B3B79015}"/>
-              </a:ext>
-            </a:extLst>
-          </p:cNvPr>
+            <a:endParaRPr lang="en-US" dirty="0"/>
+          </a:p>
+        </p:txBody>
+      </p:sp>
+      <p:sp>
+        <p:nvSpPr>
+          <p:cNvPr id="3" name="Date Placeholder 2"/>
           <p:cNvSpPr>
             <a:spLocks noGrp="1"/>
           </p:cNvSpPr>
@@ -2392,7 +2167,7 @@
           <a:p>
             <a:fld id="{F5074301-D816-A348-AA4A-431BEC99E41A}" type="datetimeFigureOut">
               <a:rPr lang="en-US" smtClean="0"/>
-              <a:t>7/13/23</a:t>
+              <a:t>11/28/23</a:t>
             </a:fld>
             <a:endParaRPr lang="en-US"/>
           </a:p>
@@ -2400,13 +2175,7 @@
       </p:sp>
       <p:sp>
         <p:nvSpPr>
-          <p:cNvPr id="4" name="Footer Placeholder 3">
-            <a:extLst>
-              <a:ext uri="{FF2B5EF4-FFF2-40B4-BE49-F238E27FC236}">
-                <a16:creationId xmlns:a16="http://schemas.microsoft.com/office/drawing/2014/main" id="{09B7FD2C-08F1-0B64-F260-B762E00C4598}"/>
-              </a:ext>
-            </a:extLst>
-          </p:cNvPr>
+          <p:cNvPr id="4" name="Footer Placeholder 3"/>
           <p:cNvSpPr>
             <a:spLocks noGrp="1"/>
           </p:cNvSpPr>
@@ -2425,13 +2194,7 @@
       </p:sp>
       <p:sp>
         <p:nvSpPr>
-          <p:cNvPr id="5" name="Slide Number Placeholder 4">
-            <a:extLst>
-              <a:ext uri="{FF2B5EF4-FFF2-40B4-BE49-F238E27FC236}">
-                <a16:creationId xmlns:a16="http://schemas.microsoft.com/office/drawing/2014/main" id="{2A4CF258-BD68-99CD-87B1-08596C623EA1}"/>
-              </a:ext>
-            </a:extLst>
-          </p:cNvPr>
+          <p:cNvPr id="5" name="Slide Number Placeholder 4"/>
           <p:cNvSpPr>
             <a:spLocks noGrp="1"/>
           </p:cNvSpPr>
@@ -2455,7 +2218,7 @@
     </p:spTree>
     <p:extLst>
       <p:ext uri="{BB962C8B-B14F-4D97-AF65-F5344CB8AC3E}">
-        <p14:creationId xmlns:p14="http://schemas.microsoft.com/office/powerpoint/2010/main" val="1407959855"/>
+        <p14:creationId xmlns:p14="http://schemas.microsoft.com/office/powerpoint/2010/main" val="2654679137"/>
       </p:ext>
     </p:extLst>
   </p:cSld>
@@ -2484,13 +2247,7 @@
       </p:grpSpPr>
       <p:sp>
         <p:nvSpPr>
-          <p:cNvPr id="2" name="Date Placeholder 1">
-            <a:extLst>
-              <a:ext uri="{FF2B5EF4-FFF2-40B4-BE49-F238E27FC236}">
-                <a16:creationId xmlns:a16="http://schemas.microsoft.com/office/drawing/2014/main" id="{69E26EBF-0755-B6F7-92E3-CAD06A588E92}"/>
-              </a:ext>
-            </a:extLst>
-          </p:cNvPr>
+          <p:cNvPr id="2" name="Date Placeholder 1"/>
           <p:cNvSpPr>
             <a:spLocks noGrp="1"/>
           </p:cNvSpPr>
@@ -2505,7 +2262,7 @@
           <a:p>
             <a:fld id="{F5074301-D816-A348-AA4A-431BEC99E41A}" type="datetimeFigureOut">
               <a:rPr lang="en-US" smtClean="0"/>
-              <a:t>7/13/23</a:t>
+              <a:t>11/28/23</a:t>
             </a:fld>
             <a:endParaRPr lang="en-US"/>
           </a:p>
@@ -2513,13 +2270,7 @@
       </p:sp>
       <p:sp>
         <p:nvSpPr>
-          <p:cNvPr id="3" name="Footer Placeholder 2">
-            <a:extLst>
-              <a:ext uri="{FF2B5EF4-FFF2-40B4-BE49-F238E27FC236}">
-                <a16:creationId xmlns:a16="http://schemas.microsoft.com/office/drawing/2014/main" id="{8927CE00-DA34-781F-1B62-D0D76522854C}"/>
-              </a:ext>
-            </a:extLst>
-          </p:cNvPr>
+          <p:cNvPr id="3" name="Footer Placeholder 2"/>
           <p:cNvSpPr>
             <a:spLocks noGrp="1"/>
           </p:cNvSpPr>
@@ -2538,13 +2289,7 @@
       </p:sp>
       <p:sp>
         <p:nvSpPr>
-          <p:cNvPr id="4" name="Slide Number Placeholder 3">
-            <a:extLst>
-              <a:ext uri="{FF2B5EF4-FFF2-40B4-BE49-F238E27FC236}">
-                <a16:creationId xmlns:a16="http://schemas.microsoft.com/office/drawing/2014/main" id="{8C9B0C17-15A9-2336-3686-87B13FBA8126}"/>
-              </a:ext>
-            </a:extLst>
-          </p:cNvPr>
+          <p:cNvPr id="4" name="Slide Number Placeholder 3"/>
           <p:cNvSpPr>
             <a:spLocks noGrp="1"/>
           </p:cNvSpPr>
@@ -2568,7 +2313,7 @@
     </p:spTree>
     <p:extLst>
       <p:ext uri="{BB962C8B-B14F-4D97-AF65-F5344CB8AC3E}">
-        <p14:creationId xmlns:p14="http://schemas.microsoft.com/office/powerpoint/2010/main" val="193929123"/>
+        <p14:creationId xmlns:p14="http://schemas.microsoft.com/office/powerpoint/2010/main" val="805914376"/>
       </p:ext>
     </p:extLst>
   </p:cSld>
@@ -2597,13 +2342,7 @@
       </p:grpSpPr>
       <p:sp>
         <p:nvSpPr>
-          <p:cNvPr id="2" name="Title 1">
-            <a:extLst>
-              <a:ext uri="{FF2B5EF4-FFF2-40B4-BE49-F238E27FC236}">
-                <a16:creationId xmlns:a16="http://schemas.microsoft.com/office/drawing/2014/main" id="{C366F360-6EA9-E642-3022-2DF72B71471D}"/>
-              </a:ext>
-            </a:extLst>
-          </p:cNvPr>
+          <p:cNvPr id="2" name="Title 1"/>
           <p:cNvSpPr>
             <a:spLocks noGrp="1"/>
           </p:cNvSpPr>
@@ -2613,15 +2352,15 @@
         </p:nvSpPr>
         <p:spPr>
           <a:xfrm>
-            <a:off x="839788" y="457200"/>
-            <a:ext cx="3932237" cy="1600200"/>
+            <a:off x="818794" y="365760"/>
+            <a:ext cx="3833931" cy="1280160"/>
           </a:xfrm>
         </p:spPr>
         <p:txBody>
           <a:bodyPr anchor="b"/>
           <a:lstStyle>
             <a:lvl1pPr>
-              <a:defRPr sz="3200"/>
+              <a:defRPr sz="2560"/>
             </a:lvl1pPr>
           </a:lstStyle>
           <a:p>
@@ -2629,18 +2368,13 @@
               <a:rPr lang="en-US"/>
               <a:t>Click to edit Master title style</a:t>
             </a:r>
-          </a:p>
-        </p:txBody>
-      </p:sp>
-      <p:sp>
-        <p:nvSpPr>
-          <p:cNvPr id="3" name="Content Placeholder 2">
-            <a:extLst>
-              <a:ext uri="{FF2B5EF4-FFF2-40B4-BE49-F238E27FC236}">
-                <a16:creationId xmlns:a16="http://schemas.microsoft.com/office/drawing/2014/main" id="{6DAEAD8B-C043-E1D0-A83E-DAFE11CBAC83}"/>
-              </a:ext>
-            </a:extLst>
-          </p:cNvPr>
+            <a:endParaRPr lang="en-US" dirty="0"/>
+          </a:p>
+        </p:txBody>
+      </p:sp>
+      <p:sp>
+        <p:nvSpPr>
+          <p:cNvPr id="3" name="Content Placeholder 2"/>
           <p:cNvSpPr>
             <a:spLocks noGrp="1"/>
           </p:cNvSpPr>
@@ -2650,39 +2384,39 @@
         </p:nvSpPr>
         <p:spPr>
           <a:xfrm>
-            <a:off x="5183188" y="987425"/>
-            <a:ext cx="6172200" cy="4873625"/>
+            <a:off x="5053608" y="789940"/>
+            <a:ext cx="6017895" cy="3898900"/>
           </a:xfrm>
         </p:spPr>
         <p:txBody>
           <a:bodyPr/>
           <a:lstStyle>
             <a:lvl1pPr>
-              <a:defRPr sz="3200"/>
+              <a:defRPr sz="2560"/>
             </a:lvl1pPr>
             <a:lvl2pPr>
-              <a:defRPr sz="2800"/>
+              <a:defRPr sz="2240"/>
             </a:lvl2pPr>
             <a:lvl3pPr>
-              <a:defRPr sz="2400"/>
+              <a:defRPr sz="1920"/>
             </a:lvl3pPr>
             <a:lvl4pPr>
-              <a:defRPr sz="2000"/>
+              <a:defRPr sz="1600"/>
             </a:lvl4pPr>
             <a:lvl5pPr>
-              <a:defRPr sz="2000"/>
+              <a:defRPr sz="1600"/>
             </a:lvl5pPr>
             <a:lvl6pPr>
-              <a:defRPr sz="2000"/>
+              <a:defRPr sz="1600"/>
             </a:lvl6pPr>
             <a:lvl7pPr>
-              <a:defRPr sz="2000"/>
+              <a:defRPr sz="1600"/>
             </a:lvl7pPr>
             <a:lvl8pPr>
-              <a:defRPr sz="2000"/>
+              <a:defRPr sz="1600"/>
             </a:lvl8pPr>
             <a:lvl9pPr>
-              <a:defRPr sz="2000"/>
+              <a:defRPr sz="1600"/>
             </a:lvl9pPr>
           </a:lstStyle>
           <a:p>
@@ -2719,18 +2453,13 @@
               <a:rPr lang="en-US"/>
               <a:t>Fifth level</a:t>
             </a:r>
-          </a:p>
-        </p:txBody>
-      </p:sp>
-      <p:sp>
-        <p:nvSpPr>
-          <p:cNvPr id="4" name="Text Placeholder 3">
-            <a:extLst>
-              <a:ext uri="{FF2B5EF4-FFF2-40B4-BE49-F238E27FC236}">
-                <a16:creationId xmlns:a16="http://schemas.microsoft.com/office/drawing/2014/main" id="{E7F8D371-4DB4-9089-F503-BD894E5651F9}"/>
-              </a:ext>
-            </a:extLst>
-          </p:cNvPr>
+            <a:endParaRPr lang="en-US" dirty="0"/>
+          </a:p>
+        </p:txBody>
+      </p:sp>
+      <p:sp>
+        <p:nvSpPr>
+          <p:cNvPr id="4" name="Text Placeholder 3"/>
           <p:cNvSpPr>
             <a:spLocks noGrp="1"/>
           </p:cNvSpPr>
@@ -2740,8 +2469,8 @@
         </p:nvSpPr>
         <p:spPr>
           <a:xfrm>
-            <a:off x="839788" y="2057400"/>
-            <a:ext cx="3932237" cy="3811588"/>
+            <a:off x="818794" y="1645920"/>
+            <a:ext cx="3833931" cy="3049270"/>
           </a:xfrm>
         </p:spPr>
         <p:txBody>
@@ -2749,39 +2478,39 @@
           <a:lstStyle>
             <a:lvl1pPr marL="0" indent="0">
               <a:buNone/>
-              <a:defRPr sz="1600"/>
+              <a:defRPr sz="1280"/>
             </a:lvl1pPr>
-            <a:lvl2pPr marL="457200" indent="0">
+            <a:lvl2pPr marL="365760" indent="0">
               <a:buNone/>
-              <a:defRPr sz="1400"/>
+              <a:defRPr sz="1120"/>
             </a:lvl2pPr>
-            <a:lvl3pPr marL="914400" indent="0">
+            <a:lvl3pPr marL="731520" indent="0">
               <a:buNone/>
-              <a:defRPr sz="1200"/>
+              <a:defRPr sz="960"/>
             </a:lvl3pPr>
-            <a:lvl4pPr marL="1371600" indent="0">
+            <a:lvl4pPr marL="1097280" indent="0">
               <a:buNone/>
-              <a:defRPr sz="1000"/>
+              <a:defRPr sz="800"/>
             </a:lvl4pPr>
-            <a:lvl5pPr marL="1828800" indent="0">
+            <a:lvl5pPr marL="1463040" indent="0">
               <a:buNone/>
-              <a:defRPr sz="1000"/>
+              <a:defRPr sz="800"/>
             </a:lvl5pPr>
-            <a:lvl6pPr marL="2286000" indent="0">
+            <a:lvl6pPr marL="1828800" indent="0">
               <a:buNone/>
-              <a:defRPr sz="1000"/>
+              <a:defRPr sz="800"/>
             </a:lvl6pPr>
-            <a:lvl7pPr marL="2743200" indent="0">
+            <a:lvl7pPr marL="2194560" indent="0">
               <a:buNone/>
-              <a:defRPr sz="1000"/>
+              <a:defRPr sz="800"/>
             </a:lvl7pPr>
-            <a:lvl8pPr marL="3200400" indent="0">
+            <a:lvl8pPr marL="2560320" indent="0">
               <a:buNone/>
-              <a:defRPr sz="1000"/>
+              <a:defRPr sz="800"/>
             </a:lvl8pPr>
-            <a:lvl9pPr marL="3657600" indent="0">
+            <a:lvl9pPr marL="2926080" indent="0">
               <a:buNone/>
-              <a:defRPr sz="1000"/>
+              <a:defRPr sz="800"/>
             </a:lvl9pPr>
           </a:lstStyle>
           <a:p>
@@ -2795,13 +2524,7 @@
       </p:sp>
       <p:sp>
         <p:nvSpPr>
-          <p:cNvPr id="5" name="Date Placeholder 4">
-            <a:extLst>
-              <a:ext uri="{FF2B5EF4-FFF2-40B4-BE49-F238E27FC236}">
-                <a16:creationId xmlns:a16="http://schemas.microsoft.com/office/drawing/2014/main" id="{1FD99E29-EC96-D7B8-5921-D78BEF58F4D6}"/>
-              </a:ext>
-            </a:extLst>
-          </p:cNvPr>
+          <p:cNvPr id="5" name="Date Placeholder 4"/>
           <p:cNvSpPr>
             <a:spLocks noGrp="1"/>
           </p:cNvSpPr>
@@ -2816,7 +2539,7 @@
           <a:p>
             <a:fld id="{F5074301-D816-A348-AA4A-431BEC99E41A}" type="datetimeFigureOut">
               <a:rPr lang="en-US" smtClean="0"/>
-              <a:t>7/13/23</a:t>
+              <a:t>11/28/23</a:t>
             </a:fld>
             <a:endParaRPr lang="en-US"/>
           </a:p>
@@ -2824,13 +2547,7 @@
       </p:sp>
       <p:sp>
         <p:nvSpPr>
-          <p:cNvPr id="6" name="Footer Placeholder 5">
-            <a:extLst>
-              <a:ext uri="{FF2B5EF4-FFF2-40B4-BE49-F238E27FC236}">
-                <a16:creationId xmlns:a16="http://schemas.microsoft.com/office/drawing/2014/main" id="{BDE9F694-AA27-12AF-0F17-2C0D0C741B0C}"/>
-              </a:ext>
-            </a:extLst>
-          </p:cNvPr>
+          <p:cNvPr id="6" name="Footer Placeholder 5"/>
           <p:cNvSpPr>
             <a:spLocks noGrp="1"/>
           </p:cNvSpPr>
@@ -2849,13 +2566,7 @@
       </p:sp>
       <p:sp>
         <p:nvSpPr>
-          <p:cNvPr id="7" name="Slide Number Placeholder 6">
-            <a:extLst>
-              <a:ext uri="{FF2B5EF4-FFF2-40B4-BE49-F238E27FC236}">
-                <a16:creationId xmlns:a16="http://schemas.microsoft.com/office/drawing/2014/main" id="{99540700-7FC9-EB9F-812B-CB01C3708612}"/>
-              </a:ext>
-            </a:extLst>
-          </p:cNvPr>
+          <p:cNvPr id="7" name="Slide Number Placeholder 6"/>
           <p:cNvSpPr>
             <a:spLocks noGrp="1"/>
           </p:cNvSpPr>
@@ -2879,7 +2590,7 @@
     </p:spTree>
     <p:extLst>
       <p:ext uri="{BB962C8B-B14F-4D97-AF65-F5344CB8AC3E}">
-        <p14:creationId xmlns:p14="http://schemas.microsoft.com/office/powerpoint/2010/main" val="752678851"/>
+        <p14:creationId xmlns:p14="http://schemas.microsoft.com/office/powerpoint/2010/main" val="4247965555"/>
       </p:ext>
     </p:extLst>
   </p:cSld>
@@ -2908,13 +2619,7 @@
       </p:grpSpPr>
       <p:sp>
         <p:nvSpPr>
-          <p:cNvPr id="2" name="Title 1">
-            <a:extLst>
-              <a:ext uri="{FF2B5EF4-FFF2-40B4-BE49-F238E27FC236}">
-                <a16:creationId xmlns:a16="http://schemas.microsoft.com/office/drawing/2014/main" id="{6D609D86-5629-7B21-7CA1-8F481F41FDE0}"/>
-              </a:ext>
-            </a:extLst>
-          </p:cNvPr>
+          <p:cNvPr id="2" name="Title 1"/>
           <p:cNvSpPr>
             <a:spLocks noGrp="1"/>
           </p:cNvSpPr>
@@ -2924,15 +2629,15 @@
         </p:nvSpPr>
         <p:spPr>
           <a:xfrm>
-            <a:off x="839788" y="457200"/>
-            <a:ext cx="3932237" cy="1600200"/>
+            <a:off x="818794" y="365760"/>
+            <a:ext cx="3833931" cy="1280160"/>
           </a:xfrm>
         </p:spPr>
         <p:txBody>
           <a:bodyPr anchor="b"/>
           <a:lstStyle>
             <a:lvl1pPr>
-              <a:defRPr sz="3200"/>
+              <a:defRPr sz="2560"/>
             </a:lvl1pPr>
           </a:lstStyle>
           <a:p>
@@ -2940,20 +2645,15 @@
               <a:rPr lang="en-US"/>
               <a:t>Click to edit Master title style</a:t>
             </a:r>
-          </a:p>
-        </p:txBody>
-      </p:sp>
-      <p:sp>
-        <p:nvSpPr>
-          <p:cNvPr id="3" name="Picture Placeholder 2">
-            <a:extLst>
-              <a:ext uri="{FF2B5EF4-FFF2-40B4-BE49-F238E27FC236}">
-                <a16:creationId xmlns:a16="http://schemas.microsoft.com/office/drawing/2014/main" id="{174B6453-4513-939E-9909-6287A2861BA7}"/>
-              </a:ext>
-            </a:extLst>
-          </p:cNvPr>
+            <a:endParaRPr lang="en-US" dirty="0"/>
+          </a:p>
+        </p:txBody>
+      </p:sp>
+      <p:sp>
+        <p:nvSpPr>
+          <p:cNvPr id="3" name="Picture Placeholder 2"/>
           <p:cNvSpPr>
-            <a:spLocks noGrp="1"/>
+            <a:spLocks noGrp="1" noChangeAspect="1"/>
           </p:cNvSpPr>
           <p:nvPr>
             <p:ph type="pic" idx="1"/>
@@ -2961,64 +2661,62 @@
         </p:nvSpPr>
         <p:spPr>
           <a:xfrm>
-            <a:off x="5183188" y="987425"/>
-            <a:ext cx="6172200" cy="4873625"/>
-          </a:xfrm>
-        </p:spPr>
-        <p:txBody>
-          <a:bodyPr/>
+            <a:off x="5053608" y="789940"/>
+            <a:ext cx="6017895" cy="3898900"/>
+          </a:xfrm>
+        </p:spPr>
+        <p:txBody>
+          <a:bodyPr anchor="t"/>
           <a:lstStyle>
             <a:lvl1pPr marL="0" indent="0">
               <a:buNone/>
-              <a:defRPr sz="3200"/>
+              <a:defRPr sz="2560"/>
             </a:lvl1pPr>
-            <a:lvl2pPr marL="457200" indent="0">
+            <a:lvl2pPr marL="365760" indent="0">
               <a:buNone/>
-              <a:defRPr sz="2800"/>
+              <a:defRPr sz="2240"/>
             </a:lvl2pPr>
-            <a:lvl3pPr marL="914400" indent="0">
+            <a:lvl3pPr marL="731520" indent="0">
               <a:buNone/>
-              <a:defRPr sz="2400"/>
+              <a:defRPr sz="1920"/>
             </a:lvl3pPr>
-            <a:lvl4pPr marL="1371600" indent="0">
+            <a:lvl4pPr marL="1097280" indent="0">
               <a:buNone/>
-              <a:defRPr sz="2000"/>
+              <a:defRPr sz="1600"/>
             </a:lvl4pPr>
-            <a:lvl5pPr marL="1828800" indent="0">
+            <a:lvl5pPr marL="1463040" indent="0">
               <a:buNone/>
-              <a:defRPr sz="2000"/>
+              <a:defRPr sz="1600"/>
             </a:lvl5pPr>
-            <a:lvl6pPr marL="2286000" indent="0">
+            <a:lvl6pPr marL="1828800" indent="0">
               <a:buNone/>
-              <a:defRPr sz="2000"/>
+              <a:defRPr sz="1600"/>
             </a:lvl6pPr>
-            <a:lvl7pPr marL="2743200" indent="0">
+            <a:lvl7pPr marL="2194560" indent="0">
               <a:buNone/>
-              <a:defRPr sz="2000"/>
+              <a:defRPr sz="1600"/>
             </a:lvl7pPr>
-            <a:lvl8pPr marL="3200400" indent="0">
+            <a:lvl8pPr marL="2560320" indent="0">
               <a:buNone/>
-              <a:defRPr sz="2000"/>
+              <a:defRPr sz="1600"/>
             </a:lvl8pPr>
-            <a:lvl9pPr marL="3657600" indent="0">
+            <a:lvl9pPr marL="2926080" indent="0">
               <a:buNone/>
-              <a:defRPr sz="2000"/>
+              <a:defRPr sz="1600"/>
             </a:lvl9pPr>
           </a:lstStyle>
           <a:p>
-            <a:endParaRPr lang="en-US"/>
-          </a:p>
-        </p:txBody>
-      </p:sp>
-      <p:sp>
-        <p:nvSpPr>
-          <p:cNvPr id="4" name="Text Placeholder 3">
-            <a:extLst>
-              <a:ext uri="{FF2B5EF4-FFF2-40B4-BE49-F238E27FC236}">
-                <a16:creationId xmlns:a16="http://schemas.microsoft.com/office/drawing/2014/main" id="{4996DD3A-828D-0370-61D9-A4581AA0AD4C}"/>
-              </a:ext>
-            </a:extLst>
-          </p:cNvPr>
+            <a:r>
+              <a:rPr lang="en-US"/>
+              <a:t>Click icon to add picture</a:t>
+            </a:r>
+            <a:endParaRPr lang="en-US" dirty="0"/>
+          </a:p>
+        </p:txBody>
+      </p:sp>
+      <p:sp>
+        <p:nvSpPr>
+          <p:cNvPr id="4" name="Text Placeholder 3"/>
           <p:cNvSpPr>
             <a:spLocks noGrp="1"/>
           </p:cNvSpPr>
@@ -3028,8 +2726,8 @@
         </p:nvSpPr>
         <p:spPr>
           <a:xfrm>
-            <a:off x="839788" y="2057400"/>
-            <a:ext cx="3932237" cy="3811588"/>
+            <a:off x="818794" y="1645920"/>
+            <a:ext cx="3833931" cy="3049270"/>
           </a:xfrm>
         </p:spPr>
         <p:txBody>
@@ -3037,39 +2735,39 @@
           <a:lstStyle>
             <a:lvl1pPr marL="0" indent="0">
               <a:buNone/>
-              <a:defRPr sz="1600"/>
+              <a:defRPr sz="1280"/>
             </a:lvl1pPr>
-            <a:lvl2pPr marL="457200" indent="0">
+            <a:lvl2pPr marL="365760" indent="0">
               <a:buNone/>
-              <a:defRPr sz="1400"/>
+              <a:defRPr sz="1120"/>
             </a:lvl2pPr>
-            <a:lvl3pPr marL="914400" indent="0">
+            <a:lvl3pPr marL="731520" indent="0">
               <a:buNone/>
-              <a:defRPr sz="1200"/>
+              <a:defRPr sz="960"/>
             </a:lvl3pPr>
-            <a:lvl4pPr marL="1371600" indent="0">
+            <a:lvl4pPr marL="1097280" indent="0">
               <a:buNone/>
-              <a:defRPr sz="1000"/>
+              <a:defRPr sz="800"/>
             </a:lvl4pPr>
-            <a:lvl5pPr marL="1828800" indent="0">
+            <a:lvl5pPr marL="1463040" indent="0">
               <a:buNone/>
-              <a:defRPr sz="1000"/>
+              <a:defRPr sz="800"/>
             </a:lvl5pPr>
-            <a:lvl6pPr marL="2286000" indent="0">
+            <a:lvl6pPr marL="1828800" indent="0">
               <a:buNone/>
-              <a:defRPr sz="1000"/>
+              <a:defRPr sz="800"/>
             </a:lvl6pPr>
-            <a:lvl7pPr marL="2743200" indent="0">
+            <a:lvl7pPr marL="2194560" indent="0">
               <a:buNone/>
-              <a:defRPr sz="1000"/>
+              <a:defRPr sz="800"/>
             </a:lvl7pPr>
-            <a:lvl8pPr marL="3200400" indent="0">
+            <a:lvl8pPr marL="2560320" indent="0">
               <a:buNone/>
-              <a:defRPr sz="1000"/>
+              <a:defRPr sz="800"/>
             </a:lvl8pPr>
-            <a:lvl9pPr marL="3657600" indent="0">
+            <a:lvl9pPr marL="2926080" indent="0">
               <a:buNone/>
-              <a:defRPr sz="1000"/>
+              <a:defRPr sz="800"/>
             </a:lvl9pPr>
           </a:lstStyle>
           <a:p>
@@ -3083,13 +2781,7 @@
       </p:sp>
       <p:sp>
         <p:nvSpPr>
-          <p:cNvPr id="5" name="Date Placeholder 4">
-            <a:extLst>
-              <a:ext uri="{FF2B5EF4-FFF2-40B4-BE49-F238E27FC236}">
-                <a16:creationId xmlns:a16="http://schemas.microsoft.com/office/drawing/2014/main" id="{A6D026E4-933F-FB01-B6D6-820BF7506F6A}"/>
-              </a:ext>
-            </a:extLst>
-          </p:cNvPr>
+          <p:cNvPr id="5" name="Date Placeholder 4"/>
           <p:cNvSpPr>
             <a:spLocks noGrp="1"/>
           </p:cNvSpPr>
@@ -3104,7 +2796,7 @@
           <a:p>
             <a:fld id="{F5074301-D816-A348-AA4A-431BEC99E41A}" type="datetimeFigureOut">
               <a:rPr lang="en-US" smtClean="0"/>
-              <a:t>7/13/23</a:t>
+              <a:t>11/28/23</a:t>
             </a:fld>
             <a:endParaRPr lang="en-US"/>
           </a:p>
@@ -3112,13 +2804,7 @@
       </p:sp>
       <p:sp>
         <p:nvSpPr>
-          <p:cNvPr id="6" name="Footer Placeholder 5">
-            <a:extLst>
-              <a:ext uri="{FF2B5EF4-FFF2-40B4-BE49-F238E27FC236}">
-                <a16:creationId xmlns:a16="http://schemas.microsoft.com/office/drawing/2014/main" id="{921D40F9-7285-DED0-993C-532F5FE2BECB}"/>
-              </a:ext>
-            </a:extLst>
-          </p:cNvPr>
+          <p:cNvPr id="6" name="Footer Placeholder 5"/>
           <p:cNvSpPr>
             <a:spLocks noGrp="1"/>
           </p:cNvSpPr>
@@ -3137,13 +2823,7 @@
       </p:sp>
       <p:sp>
         <p:nvSpPr>
-          <p:cNvPr id="7" name="Slide Number Placeholder 6">
-            <a:extLst>
-              <a:ext uri="{FF2B5EF4-FFF2-40B4-BE49-F238E27FC236}">
-                <a16:creationId xmlns:a16="http://schemas.microsoft.com/office/drawing/2014/main" id="{F14D0F06-49DE-B04C-E223-AAF11AB31A5F}"/>
-              </a:ext>
-            </a:extLst>
-          </p:cNvPr>
+          <p:cNvPr id="7" name="Slide Number Placeholder 6"/>
           <p:cNvSpPr>
             <a:spLocks noGrp="1"/>
           </p:cNvSpPr>
@@ -3167,7 +2847,7 @@
     </p:spTree>
     <p:extLst>
       <p:ext uri="{BB962C8B-B14F-4D97-AF65-F5344CB8AC3E}">
-        <p14:creationId xmlns:p14="http://schemas.microsoft.com/office/powerpoint/2010/main" val="3061249665"/>
+        <p14:creationId xmlns:p14="http://schemas.microsoft.com/office/powerpoint/2010/main" val="468997477"/>
       </p:ext>
     </p:extLst>
   </p:cSld>
@@ -3201,13 +2881,7 @@
       </p:grpSpPr>
       <p:sp>
         <p:nvSpPr>
-          <p:cNvPr id="2" name="Title Placeholder 1">
-            <a:extLst>
-              <a:ext uri="{FF2B5EF4-FFF2-40B4-BE49-F238E27FC236}">
-                <a16:creationId xmlns:a16="http://schemas.microsoft.com/office/drawing/2014/main" id="{5FC27456-34CD-3FB3-2A1C-4C239F6922FE}"/>
-              </a:ext>
-            </a:extLst>
-          </p:cNvPr>
+          <p:cNvPr id="2" name="Title Placeholder 1"/>
           <p:cNvSpPr>
             <a:spLocks noGrp="1"/>
           </p:cNvSpPr>
@@ -3217,8 +2891,8 @@
         </p:nvSpPr>
         <p:spPr>
           <a:xfrm>
-            <a:off x="838200" y="365125"/>
-            <a:ext cx="10515600" cy="1325563"/>
+            <a:off x="817245" y="292101"/>
+            <a:ext cx="10252710" cy="1060450"/>
           </a:xfrm>
           <a:prstGeom prst="rect">
             <a:avLst/>
@@ -3234,18 +2908,13 @@
               <a:rPr lang="en-US"/>
               <a:t>Click to edit Master title style</a:t>
             </a:r>
-          </a:p>
-        </p:txBody>
-      </p:sp>
-      <p:sp>
-        <p:nvSpPr>
-          <p:cNvPr id="3" name="Text Placeholder 2">
-            <a:extLst>
-              <a:ext uri="{FF2B5EF4-FFF2-40B4-BE49-F238E27FC236}">
-                <a16:creationId xmlns:a16="http://schemas.microsoft.com/office/drawing/2014/main" id="{4DBE9502-63D2-CF3F-7141-03A37A2CAC91}"/>
-              </a:ext>
-            </a:extLst>
-          </p:cNvPr>
+            <a:endParaRPr lang="en-US" dirty="0"/>
+          </a:p>
+        </p:txBody>
+      </p:sp>
+      <p:sp>
+        <p:nvSpPr>
+          <p:cNvPr id="3" name="Text Placeholder 2"/>
           <p:cNvSpPr>
             <a:spLocks noGrp="1"/>
           </p:cNvSpPr>
@@ -3255,8 +2924,8 @@
         </p:nvSpPr>
         <p:spPr>
           <a:xfrm>
-            <a:off x="838200" y="1825625"/>
-            <a:ext cx="10515600" cy="4351338"/>
+            <a:off x="817245" y="1460500"/>
+            <a:ext cx="10252710" cy="3481070"/>
           </a:xfrm>
           <a:prstGeom prst="rect">
             <a:avLst/>
@@ -3301,18 +2970,13 @@
               <a:rPr lang="en-US"/>
               <a:t>Fifth level</a:t>
             </a:r>
-          </a:p>
-        </p:txBody>
-      </p:sp>
-      <p:sp>
-        <p:nvSpPr>
-          <p:cNvPr id="4" name="Date Placeholder 3">
-            <a:extLst>
-              <a:ext uri="{FF2B5EF4-FFF2-40B4-BE49-F238E27FC236}">
-                <a16:creationId xmlns:a16="http://schemas.microsoft.com/office/drawing/2014/main" id="{1883210D-6277-FFD7-E2C5-0070F5FC5AC6}"/>
-              </a:ext>
-            </a:extLst>
-          </p:cNvPr>
+            <a:endParaRPr lang="en-US" dirty="0"/>
+          </a:p>
+        </p:txBody>
+      </p:sp>
+      <p:sp>
+        <p:nvSpPr>
+          <p:cNvPr id="4" name="Date Placeholder 3"/>
           <p:cNvSpPr>
             <a:spLocks noGrp="1"/>
           </p:cNvSpPr>
@@ -3322,8 +2986,8 @@
         </p:nvSpPr>
         <p:spPr>
           <a:xfrm>
-            <a:off x="838200" y="6356350"/>
-            <a:ext cx="2743200" cy="365125"/>
+            <a:off x="817245" y="5085080"/>
+            <a:ext cx="2674620" cy="292100"/>
           </a:xfrm>
           <a:prstGeom prst="rect">
             <a:avLst/>
@@ -3333,7 +2997,7 @@
           <a:bodyPr vert="horz" lIns="91440" tIns="45720" rIns="91440" bIns="45720" rtlCol="0" anchor="ctr"/>
           <a:lstStyle>
             <a:lvl1pPr algn="l">
-              <a:defRPr sz="1200">
+              <a:defRPr sz="960">
                 <a:solidFill>
                   <a:schemeClr val="tx1">
                     <a:tint val="75000"/>
@@ -3345,7 +3009,7 @@
           <a:p>
             <a:fld id="{F5074301-D816-A348-AA4A-431BEC99E41A}" type="datetimeFigureOut">
               <a:rPr lang="en-US" smtClean="0"/>
-              <a:t>7/13/23</a:t>
+              <a:t>11/28/23</a:t>
             </a:fld>
             <a:endParaRPr lang="en-US"/>
           </a:p>
@@ -3353,13 +3017,7 @@
       </p:sp>
       <p:sp>
         <p:nvSpPr>
-          <p:cNvPr id="5" name="Footer Placeholder 4">
-            <a:extLst>
-              <a:ext uri="{FF2B5EF4-FFF2-40B4-BE49-F238E27FC236}">
-                <a16:creationId xmlns:a16="http://schemas.microsoft.com/office/drawing/2014/main" id="{AADE3413-3390-E022-192E-2B4E104E50CE}"/>
-              </a:ext>
-            </a:extLst>
-          </p:cNvPr>
+          <p:cNvPr id="5" name="Footer Placeholder 4"/>
           <p:cNvSpPr>
             <a:spLocks noGrp="1"/>
           </p:cNvSpPr>
@@ -3369,8 +3027,8 @@
         </p:nvSpPr>
         <p:spPr>
           <a:xfrm>
-            <a:off x="4038600" y="6356350"/>
-            <a:ext cx="4114800" cy="365125"/>
+            <a:off x="3937635" y="5085080"/>
+            <a:ext cx="4011930" cy="292100"/>
           </a:xfrm>
           <a:prstGeom prst="rect">
             <a:avLst/>
@@ -3380,7 +3038,7 @@
           <a:bodyPr vert="horz" lIns="91440" tIns="45720" rIns="91440" bIns="45720" rtlCol="0" anchor="ctr"/>
           <a:lstStyle>
             <a:lvl1pPr algn="ctr">
-              <a:defRPr sz="1200">
+              <a:defRPr sz="960">
                 <a:solidFill>
                   <a:schemeClr val="tx1">
                     <a:tint val="75000"/>
@@ -3396,13 +3054,7 @@
       </p:sp>
       <p:sp>
         <p:nvSpPr>
-          <p:cNvPr id="6" name="Slide Number Placeholder 5">
-            <a:extLst>
-              <a:ext uri="{FF2B5EF4-FFF2-40B4-BE49-F238E27FC236}">
-                <a16:creationId xmlns:a16="http://schemas.microsoft.com/office/drawing/2014/main" id="{2093F462-A3D5-E888-9A87-3E90BC4068BE}"/>
-              </a:ext>
-            </a:extLst>
-          </p:cNvPr>
+          <p:cNvPr id="6" name="Slide Number Placeholder 5"/>
           <p:cNvSpPr>
             <a:spLocks noGrp="1"/>
           </p:cNvSpPr>
@@ -3412,8 +3064,8 @@
         </p:nvSpPr>
         <p:spPr>
           <a:xfrm>
-            <a:off x="8610600" y="6356350"/>
-            <a:ext cx="2743200" cy="365125"/>
+            <a:off x="8395335" y="5085080"/>
+            <a:ext cx="2674620" cy="292100"/>
           </a:xfrm>
           <a:prstGeom prst="rect">
             <a:avLst/>
@@ -3423,7 +3075,7 @@
           <a:bodyPr vert="horz" lIns="91440" tIns="45720" rIns="91440" bIns="45720" rtlCol="0" anchor="ctr"/>
           <a:lstStyle>
             <a:lvl1pPr algn="r">
-              <a:defRPr sz="1200">
+              <a:defRPr sz="960">
                 <a:solidFill>
                   <a:schemeClr val="tx1">
                     <a:tint val="75000"/>
@@ -3444,27 +3096,27 @@
     </p:spTree>
     <p:extLst>
       <p:ext uri="{BB962C8B-B14F-4D97-AF65-F5344CB8AC3E}">
-        <p14:creationId xmlns:p14="http://schemas.microsoft.com/office/powerpoint/2010/main" val="276965199"/>
+        <p14:creationId xmlns:p14="http://schemas.microsoft.com/office/powerpoint/2010/main" val="2552472510"/>
       </p:ext>
     </p:extLst>
   </p:cSld>
   <p:clrMap bg1="lt1" tx1="dk1" bg2="lt2" tx2="dk2" accent1="accent1" accent2="accent2" accent3="accent3" accent4="accent4" accent5="accent5" accent6="accent6" hlink="hlink" folHlink="folHlink"/>
   <p:sldLayoutIdLst>
-    <p:sldLayoutId id="2147483649" r:id="rId1"/>
-    <p:sldLayoutId id="2147483650" r:id="rId2"/>
-    <p:sldLayoutId id="2147483651" r:id="rId3"/>
-    <p:sldLayoutId id="2147483652" r:id="rId4"/>
-    <p:sldLayoutId id="2147483653" r:id="rId5"/>
-    <p:sldLayoutId id="2147483654" r:id="rId6"/>
-    <p:sldLayoutId id="2147483655" r:id="rId7"/>
-    <p:sldLayoutId id="2147483656" r:id="rId8"/>
-    <p:sldLayoutId id="2147483657" r:id="rId9"/>
-    <p:sldLayoutId id="2147483658" r:id="rId10"/>
-    <p:sldLayoutId id="2147483659" r:id="rId11"/>
+    <p:sldLayoutId id="2147483793" r:id="rId1"/>
+    <p:sldLayoutId id="2147483794" r:id="rId2"/>
+    <p:sldLayoutId id="2147483795" r:id="rId3"/>
+    <p:sldLayoutId id="2147483796" r:id="rId4"/>
+    <p:sldLayoutId id="2147483797" r:id="rId5"/>
+    <p:sldLayoutId id="2147483798" r:id="rId6"/>
+    <p:sldLayoutId id="2147483799" r:id="rId7"/>
+    <p:sldLayoutId id="2147483800" r:id="rId8"/>
+    <p:sldLayoutId id="2147483801" r:id="rId9"/>
+    <p:sldLayoutId id="2147483802" r:id="rId10"/>
+    <p:sldLayoutId id="2147483803" r:id="rId11"/>
   </p:sldLayoutIdLst>
   <p:txStyles>
     <p:titleStyle>
-      <a:lvl1pPr algn="l" defTabSz="914400" rtl="0" eaLnBrk="1" latinLnBrk="0" hangingPunct="1">
+      <a:lvl1pPr algn="l" defTabSz="731520" rtl="0" eaLnBrk="1" latinLnBrk="0" hangingPunct="1">
         <a:lnSpc>
           <a:spcPct val="90000"/>
         </a:lnSpc>
@@ -3472,7 +3124,7 @@
           <a:spcPct val="0"/>
         </a:spcBef>
         <a:buNone/>
-        <a:defRPr sz="4400" kern="1200">
+        <a:defRPr sz="3520" kern="1200">
           <a:solidFill>
             <a:schemeClr val="tx1"/>
           </a:solidFill>
@@ -3483,16 +3135,16 @@
       </a:lvl1pPr>
     </p:titleStyle>
     <p:bodyStyle>
-      <a:lvl1pPr marL="228600" indent="-228600" algn="l" defTabSz="914400" rtl="0" eaLnBrk="1" latinLnBrk="0" hangingPunct="1">
+      <a:lvl1pPr marL="182880" indent="-182880" algn="l" defTabSz="731520" rtl="0" eaLnBrk="1" latinLnBrk="0" hangingPunct="1">
         <a:lnSpc>
           <a:spcPct val="90000"/>
         </a:lnSpc>
         <a:spcBef>
-          <a:spcPts val="1000"/>
+          <a:spcPts val="800"/>
         </a:spcBef>
         <a:buFont typeface="Arial" panose="020B0604020202020204" pitchFamily="34" charset="0"/>
         <a:buChar char="•"/>
-        <a:defRPr sz="2800" kern="1200">
+        <a:defRPr sz="2240" kern="1200">
           <a:solidFill>
             <a:schemeClr val="tx1"/>
           </a:solidFill>
@@ -3501,16 +3153,16 @@
           <a:cs typeface="+mn-cs"/>
         </a:defRPr>
       </a:lvl1pPr>
-      <a:lvl2pPr marL="685800" indent="-228600" algn="l" defTabSz="914400" rtl="0" eaLnBrk="1" latinLnBrk="0" hangingPunct="1">
+      <a:lvl2pPr marL="548640" indent="-182880" algn="l" defTabSz="731520" rtl="0" eaLnBrk="1" latinLnBrk="0" hangingPunct="1">
         <a:lnSpc>
           <a:spcPct val="90000"/>
         </a:lnSpc>
         <a:spcBef>
-          <a:spcPts val="500"/>
+          <a:spcPts val="400"/>
         </a:spcBef>
         <a:buFont typeface="Arial" panose="020B0604020202020204" pitchFamily="34" charset="0"/>
         <a:buChar char="•"/>
-        <a:defRPr sz="2400" kern="1200">
+        <a:defRPr sz="1920" kern="1200">
           <a:solidFill>
             <a:schemeClr val="tx1"/>
           </a:solidFill>
@@ -3519,16 +3171,16 @@
           <a:cs typeface="+mn-cs"/>
         </a:defRPr>
       </a:lvl2pPr>
-      <a:lvl3pPr marL="1143000" indent="-228600" algn="l" defTabSz="914400" rtl="0" eaLnBrk="1" latinLnBrk="0" hangingPunct="1">
+      <a:lvl3pPr marL="914400" indent="-182880" algn="l" defTabSz="731520" rtl="0" eaLnBrk="1" latinLnBrk="0" hangingPunct="1">
         <a:lnSpc>
           <a:spcPct val="90000"/>
         </a:lnSpc>
         <a:spcBef>
-          <a:spcPts val="500"/>
+          <a:spcPts val="400"/>
         </a:spcBef>
         <a:buFont typeface="Arial" panose="020B0604020202020204" pitchFamily="34" charset="0"/>
         <a:buChar char="•"/>
-        <a:defRPr sz="2000" kern="1200">
+        <a:defRPr sz="1600" kern="1200">
           <a:solidFill>
             <a:schemeClr val="tx1"/>
           </a:solidFill>
@@ -3537,16 +3189,16 @@
           <a:cs typeface="+mn-cs"/>
         </a:defRPr>
       </a:lvl3pPr>
-      <a:lvl4pPr marL="1600200" indent="-228600" algn="l" defTabSz="914400" rtl="0" eaLnBrk="1" latinLnBrk="0" hangingPunct="1">
+      <a:lvl4pPr marL="1280160" indent="-182880" algn="l" defTabSz="731520" rtl="0" eaLnBrk="1" latinLnBrk="0" hangingPunct="1">
         <a:lnSpc>
           <a:spcPct val="90000"/>
         </a:lnSpc>
         <a:spcBef>
-          <a:spcPts val="500"/>
+          <a:spcPts val="400"/>
         </a:spcBef>
         <a:buFont typeface="Arial" panose="020B0604020202020204" pitchFamily="34" charset="0"/>
         <a:buChar char="•"/>
-        <a:defRPr sz="1800" kern="1200">
+        <a:defRPr sz="1440" kern="1200">
           <a:solidFill>
             <a:schemeClr val="tx1"/>
           </a:solidFill>
@@ -3555,16 +3207,16 @@
           <a:cs typeface="+mn-cs"/>
         </a:defRPr>
       </a:lvl4pPr>
-      <a:lvl5pPr marL="2057400" indent="-228600" algn="l" defTabSz="914400" rtl="0" eaLnBrk="1" latinLnBrk="0" hangingPunct="1">
+      <a:lvl5pPr marL="1645920" indent="-182880" algn="l" defTabSz="731520" rtl="0" eaLnBrk="1" latinLnBrk="0" hangingPunct="1">
         <a:lnSpc>
           <a:spcPct val="90000"/>
         </a:lnSpc>
         <a:spcBef>
-          <a:spcPts val="500"/>
+          <a:spcPts val="400"/>
         </a:spcBef>
         <a:buFont typeface="Arial" panose="020B0604020202020204" pitchFamily="34" charset="0"/>
         <a:buChar char="•"/>
-        <a:defRPr sz="1800" kern="1200">
+        <a:defRPr sz="1440" kern="1200">
           <a:solidFill>
             <a:schemeClr val="tx1"/>
           </a:solidFill>
@@ -3573,16 +3225,16 @@
           <a:cs typeface="+mn-cs"/>
         </a:defRPr>
       </a:lvl5pPr>
-      <a:lvl6pPr marL="2514600" indent="-228600" algn="l" defTabSz="914400" rtl="0" eaLnBrk="1" latinLnBrk="0" hangingPunct="1">
+      <a:lvl6pPr marL="2011680" indent="-182880" algn="l" defTabSz="731520" rtl="0" eaLnBrk="1" latinLnBrk="0" hangingPunct="1">
         <a:lnSpc>
           <a:spcPct val="90000"/>
         </a:lnSpc>
         <a:spcBef>
-          <a:spcPts val="500"/>
+          <a:spcPts val="400"/>
         </a:spcBef>
         <a:buFont typeface="Arial" panose="020B0604020202020204" pitchFamily="34" charset="0"/>
         <a:buChar char="•"/>
-        <a:defRPr sz="1800" kern="1200">
+        <a:defRPr sz="1440" kern="1200">
           <a:solidFill>
             <a:schemeClr val="tx1"/>
           </a:solidFill>
@@ -3591,16 +3243,16 @@
           <a:cs typeface="+mn-cs"/>
         </a:defRPr>
       </a:lvl6pPr>
-      <a:lvl7pPr marL="2971800" indent="-228600" algn="l" defTabSz="914400" rtl="0" eaLnBrk="1" latinLnBrk="0" hangingPunct="1">
+      <a:lvl7pPr marL="2377440" indent="-182880" algn="l" defTabSz="731520" rtl="0" eaLnBrk="1" latinLnBrk="0" hangingPunct="1">
         <a:lnSpc>
           <a:spcPct val="90000"/>
         </a:lnSpc>
         <a:spcBef>
-          <a:spcPts val="500"/>
+          <a:spcPts val="400"/>
         </a:spcBef>
         <a:buFont typeface="Arial" panose="020B0604020202020204" pitchFamily="34" charset="0"/>
         <a:buChar char="•"/>
-        <a:defRPr sz="1800" kern="1200">
+        <a:defRPr sz="1440" kern="1200">
           <a:solidFill>
             <a:schemeClr val="tx1"/>
           </a:solidFill>
@@ -3609,16 +3261,16 @@
           <a:cs typeface="+mn-cs"/>
         </a:defRPr>
       </a:lvl7pPr>
-      <a:lvl8pPr marL="3429000" indent="-228600" algn="l" defTabSz="914400" rtl="0" eaLnBrk="1" latinLnBrk="0" hangingPunct="1">
+      <a:lvl8pPr marL="2743200" indent="-182880" algn="l" defTabSz="731520" rtl="0" eaLnBrk="1" latinLnBrk="0" hangingPunct="1">
         <a:lnSpc>
           <a:spcPct val="90000"/>
         </a:lnSpc>
         <a:spcBef>
-          <a:spcPts val="500"/>
+          <a:spcPts val="400"/>
         </a:spcBef>
         <a:buFont typeface="Arial" panose="020B0604020202020204" pitchFamily="34" charset="0"/>
         <a:buChar char="•"/>
-        <a:defRPr sz="1800" kern="1200">
+        <a:defRPr sz="1440" kern="1200">
           <a:solidFill>
             <a:schemeClr val="tx1"/>
           </a:solidFill>
@@ -3627,16 +3279,16 @@
           <a:cs typeface="+mn-cs"/>
         </a:defRPr>
       </a:lvl8pPr>
-      <a:lvl9pPr marL="3886200" indent="-228600" algn="l" defTabSz="914400" rtl="0" eaLnBrk="1" latinLnBrk="0" hangingPunct="1">
+      <a:lvl9pPr marL="3108960" indent="-182880" algn="l" defTabSz="731520" rtl="0" eaLnBrk="1" latinLnBrk="0" hangingPunct="1">
         <a:lnSpc>
           <a:spcPct val="90000"/>
         </a:lnSpc>
         <a:spcBef>
-          <a:spcPts val="500"/>
+          <a:spcPts val="400"/>
         </a:spcBef>
         <a:buFont typeface="Arial" panose="020B0604020202020204" pitchFamily="34" charset="0"/>
         <a:buChar char="•"/>
-        <a:defRPr sz="1800" kern="1200">
+        <a:defRPr sz="1440" kern="1200">
           <a:solidFill>
             <a:schemeClr val="tx1"/>
           </a:solidFill>
@@ -3648,10 +3300,10 @@
     </p:bodyStyle>
     <p:otherStyle>
       <a:defPPr>
-        <a:defRPr lang="en-DE"/>
+        <a:defRPr lang="en-US"/>
       </a:defPPr>
-      <a:lvl1pPr marL="0" algn="l" defTabSz="914400" rtl="0" eaLnBrk="1" latinLnBrk="0" hangingPunct="1">
-        <a:defRPr sz="1800" kern="1200">
+      <a:lvl1pPr marL="0" algn="l" defTabSz="731520" rtl="0" eaLnBrk="1" latinLnBrk="0" hangingPunct="1">
+        <a:defRPr sz="1440" kern="1200">
           <a:solidFill>
             <a:schemeClr val="tx1"/>
           </a:solidFill>
@@ -3660,8 +3312,8 @@
           <a:cs typeface="+mn-cs"/>
         </a:defRPr>
       </a:lvl1pPr>
-      <a:lvl2pPr marL="457200" algn="l" defTabSz="914400" rtl="0" eaLnBrk="1" latinLnBrk="0" hangingPunct="1">
-        <a:defRPr sz="1800" kern="1200">
+      <a:lvl2pPr marL="365760" algn="l" defTabSz="731520" rtl="0" eaLnBrk="1" latinLnBrk="0" hangingPunct="1">
+        <a:defRPr sz="1440" kern="1200">
           <a:solidFill>
             <a:schemeClr val="tx1"/>
           </a:solidFill>
@@ -3670,8 +3322,8 @@
           <a:cs typeface="+mn-cs"/>
         </a:defRPr>
       </a:lvl2pPr>
-      <a:lvl3pPr marL="914400" algn="l" defTabSz="914400" rtl="0" eaLnBrk="1" latinLnBrk="0" hangingPunct="1">
-        <a:defRPr sz="1800" kern="1200">
+      <a:lvl3pPr marL="731520" algn="l" defTabSz="731520" rtl="0" eaLnBrk="1" latinLnBrk="0" hangingPunct="1">
+        <a:defRPr sz="1440" kern="1200">
           <a:solidFill>
             <a:schemeClr val="tx1"/>
           </a:solidFill>
@@ -3680,8 +3332,8 @@
           <a:cs typeface="+mn-cs"/>
         </a:defRPr>
       </a:lvl3pPr>
-      <a:lvl4pPr marL="1371600" algn="l" defTabSz="914400" rtl="0" eaLnBrk="1" latinLnBrk="0" hangingPunct="1">
-        <a:defRPr sz="1800" kern="1200">
+      <a:lvl4pPr marL="1097280" algn="l" defTabSz="731520" rtl="0" eaLnBrk="1" latinLnBrk="0" hangingPunct="1">
+        <a:defRPr sz="1440" kern="1200">
           <a:solidFill>
             <a:schemeClr val="tx1"/>
           </a:solidFill>
@@ -3690,8 +3342,8 @@
           <a:cs typeface="+mn-cs"/>
         </a:defRPr>
       </a:lvl4pPr>
-      <a:lvl5pPr marL="1828800" algn="l" defTabSz="914400" rtl="0" eaLnBrk="1" latinLnBrk="0" hangingPunct="1">
-        <a:defRPr sz="1800" kern="1200">
+      <a:lvl5pPr marL="1463040" algn="l" defTabSz="731520" rtl="0" eaLnBrk="1" latinLnBrk="0" hangingPunct="1">
+        <a:defRPr sz="1440" kern="1200">
           <a:solidFill>
             <a:schemeClr val="tx1"/>
           </a:solidFill>
@@ -3700,8 +3352,8 @@
           <a:cs typeface="+mn-cs"/>
         </a:defRPr>
       </a:lvl5pPr>
-      <a:lvl6pPr marL="2286000" algn="l" defTabSz="914400" rtl="0" eaLnBrk="1" latinLnBrk="0" hangingPunct="1">
-        <a:defRPr sz="1800" kern="1200">
+      <a:lvl6pPr marL="1828800" algn="l" defTabSz="731520" rtl="0" eaLnBrk="1" latinLnBrk="0" hangingPunct="1">
+        <a:defRPr sz="1440" kern="1200">
           <a:solidFill>
             <a:schemeClr val="tx1"/>
           </a:solidFill>
@@ -3710,8 +3362,8 @@
           <a:cs typeface="+mn-cs"/>
         </a:defRPr>
       </a:lvl6pPr>
-      <a:lvl7pPr marL="2743200" algn="l" defTabSz="914400" rtl="0" eaLnBrk="1" latinLnBrk="0" hangingPunct="1">
-        <a:defRPr sz="1800" kern="1200">
+      <a:lvl7pPr marL="2194560" algn="l" defTabSz="731520" rtl="0" eaLnBrk="1" latinLnBrk="0" hangingPunct="1">
+        <a:defRPr sz="1440" kern="1200">
           <a:solidFill>
             <a:schemeClr val="tx1"/>
           </a:solidFill>
@@ -3720,8 +3372,8 @@
           <a:cs typeface="+mn-cs"/>
         </a:defRPr>
       </a:lvl7pPr>
-      <a:lvl8pPr marL="3200400" algn="l" defTabSz="914400" rtl="0" eaLnBrk="1" latinLnBrk="0" hangingPunct="1">
-        <a:defRPr sz="1800" kern="1200">
+      <a:lvl8pPr marL="2560320" algn="l" defTabSz="731520" rtl="0" eaLnBrk="1" latinLnBrk="0" hangingPunct="1">
+        <a:defRPr sz="1440" kern="1200">
           <a:solidFill>
             <a:schemeClr val="tx1"/>
           </a:solidFill>
@@ -3730,8 +3382,8 @@
           <a:cs typeface="+mn-cs"/>
         </a:defRPr>
       </a:lvl8pPr>
-      <a:lvl9pPr marL="3657600" algn="l" defTabSz="914400" rtl="0" eaLnBrk="1" latinLnBrk="0" hangingPunct="1">
-        <a:defRPr sz="1800" kern="1200">
+      <a:lvl9pPr marL="2926080" algn="l" defTabSz="731520" rtl="0" eaLnBrk="1" latinLnBrk="0" hangingPunct="1">
+        <a:defRPr sz="1440" kern="1200">
           <a:solidFill>
             <a:schemeClr val="tx1"/>
           </a:solidFill>
@@ -3776,8 +3428,8 @@
         </p:nvSpPr>
         <p:spPr>
           <a:xfrm>
-            <a:off x="191996" y="416694"/>
-            <a:ext cx="3061452" cy="6085221"/>
+            <a:off x="25685" y="16422"/>
+            <a:ext cx="3061452" cy="5453578"/>
           </a:xfrm>
           <a:prstGeom prst="rect">
             <a:avLst/>
@@ -3834,8 +3486,8 @@
         </p:nvSpPr>
         <p:spPr>
           <a:xfrm>
-            <a:off x="342649" y="836558"/>
-            <a:ext cx="2409634" cy="307777"/>
+            <a:off x="406927" y="11928"/>
+            <a:ext cx="2427268" cy="307777"/>
           </a:xfrm>
           <a:prstGeom prst="rect">
             <a:avLst/>
@@ -3873,8 +3525,8 @@
         </p:nvSpPr>
         <p:spPr>
           <a:xfrm>
-            <a:off x="3738746" y="676896"/>
-            <a:ext cx="1443024" cy="307777"/>
+            <a:off x="3572434" y="220359"/>
+            <a:ext cx="1402948" cy="307777"/>
           </a:xfrm>
           <a:prstGeom prst="rect">
             <a:avLst/>
@@ -3912,8 +3564,8 @@
         </p:nvSpPr>
         <p:spPr>
           <a:xfrm>
-            <a:off x="9377546" y="676896"/>
-            <a:ext cx="830677" cy="307777"/>
+            <a:off x="9211248" y="220359"/>
+            <a:ext cx="809837" cy="307777"/>
           </a:xfrm>
           <a:prstGeom prst="rect">
             <a:avLst/>
@@ -3951,8 +3603,8 @@
         </p:nvSpPr>
         <p:spPr>
           <a:xfrm>
-            <a:off x="3431967" y="416695"/>
-            <a:ext cx="4785757" cy="4992047"/>
+            <a:off x="3265668" y="16422"/>
+            <a:ext cx="4785757" cy="5453578"/>
           </a:xfrm>
           <a:prstGeom prst="rect">
             <a:avLst/>
@@ -4007,8 +3659,8 @@
         </p:nvSpPr>
         <p:spPr>
           <a:xfrm>
-            <a:off x="3580409" y="1596252"/>
-            <a:ext cx="2080190" cy="3676394"/>
+            <a:off x="3414109" y="394237"/>
+            <a:ext cx="2080191" cy="4146826"/>
           </a:xfrm>
           <a:prstGeom prst="rect">
             <a:avLst/>
@@ -4063,8 +3715,8 @@
         </p:nvSpPr>
         <p:spPr>
           <a:xfrm>
-            <a:off x="8423840" y="416694"/>
-            <a:ext cx="3602256" cy="6085222"/>
+            <a:off x="8257529" y="16418"/>
+            <a:ext cx="3602256" cy="5453581"/>
           </a:xfrm>
           <a:prstGeom prst="rect">
             <a:avLst/>
@@ -4099,11 +3751,14 @@
           <a:lstStyle/>
           <a:p>
             <a:pPr algn="ctr"/>
-            <a:endParaRPr lang="en-US">
-              <a:latin typeface="Amazon Ember Light" panose="020B0403020204020204" pitchFamily="34" charset="0"/>
-              <a:ea typeface="Amazon Ember Light" panose="020B0403020204020204" pitchFamily="34" charset="0"/>
-              <a:cs typeface="Amazon Ember Light" panose="020B0403020204020204" pitchFamily="34" charset="0"/>
-            </a:endParaRPr>
+            <a:r>
+              <a:rPr lang="en-US" dirty="0">
+                <a:latin typeface="Amazon Ember Light" panose="020B0403020204020204" pitchFamily="34" charset="0"/>
+                <a:ea typeface="Amazon Ember Light" panose="020B0403020204020204" pitchFamily="34" charset="0"/>
+                <a:cs typeface="Amazon Ember Light" panose="020B0403020204020204" pitchFamily="34" charset="0"/>
+              </a:rPr>
+              <a:t>A</a:t>
+            </a:r>
           </a:p>
         </p:txBody>
       </p:sp>
@@ -4121,8 +3776,8 @@
         </p:nvSpPr>
         <p:spPr>
           <a:xfrm>
-            <a:off x="5969929" y="2099954"/>
-            <a:ext cx="2107439" cy="3172691"/>
+            <a:off x="5803635" y="2027457"/>
+            <a:ext cx="2107439" cy="2880554"/>
           </a:xfrm>
           <a:prstGeom prst="rect">
             <a:avLst/>
@@ -4155,7 +3810,7 @@
           <a:lstStyle/>
           <a:p>
             <a:pPr algn="ctr"/>
-            <a:endParaRPr lang="en-US">
+            <a:endParaRPr lang="en-US" dirty="0">
               <a:latin typeface="Amazon Ember Light" panose="020B0403020204020204" pitchFamily="34" charset="0"/>
               <a:ea typeface="Amazon Ember Light" panose="020B0403020204020204" pitchFamily="34" charset="0"/>
               <a:cs typeface="Amazon Ember Light" panose="020B0403020204020204" pitchFamily="34" charset="0"/>
@@ -4177,8 +3832,8 @@
         </p:nvSpPr>
         <p:spPr>
           <a:xfrm>
-            <a:off x="307924" y="3206502"/>
-            <a:ext cx="2805662" cy="873329"/>
+            <a:off x="146063" y="2839132"/>
+            <a:ext cx="2805663" cy="806850"/>
           </a:xfrm>
           <a:prstGeom prst="rect">
             <a:avLst/>
@@ -4238,8 +3893,8 @@
         </p:nvSpPr>
         <p:spPr>
           <a:xfrm>
-            <a:off x="3546821" y="621115"/>
-            <a:ext cx="2323072" cy="523220"/>
+            <a:off x="4738719" y="-564"/>
+            <a:ext cx="2323072" cy="307777"/>
           </a:xfrm>
           <a:prstGeom prst="rect">
             <a:avLst/>
@@ -4251,16 +3906,6 @@
             <a:spAutoFit/>
           </a:bodyPr>
           <a:lstStyle/>
-          <a:p>
-            <a:r>
-              <a:rPr lang="en-US" sz="1400" dirty="0">
-                <a:latin typeface="Amazon Ember Light" panose="020B0403020204020204" pitchFamily="34" charset="0"/>
-                <a:ea typeface="Amazon Ember Light" panose="020B0403020204020204" pitchFamily="34" charset="0"/>
-                <a:cs typeface="Amazon Ember Light" panose="020B0403020204020204" pitchFamily="34" charset="0"/>
-              </a:rPr>
-              <a:t>Chapter:</a:t>
-            </a:r>
-          </a:p>
           <a:p>
             <a:r>
               <a:rPr lang="en-US" sz="1400" dirty="0">
@@ -4287,8 +3932,8 @@
         </p:nvSpPr>
         <p:spPr>
           <a:xfrm>
-            <a:off x="307924" y="4164118"/>
-            <a:ext cx="2805662" cy="2121723"/>
+            <a:off x="141620" y="3679197"/>
+            <a:ext cx="2805663" cy="1754254"/>
           </a:xfrm>
           <a:prstGeom prst="rect">
             <a:avLst/>
@@ -4328,17 +3973,7 @@
                 <a:ea typeface="Amazon Ember Light" panose="020B0403020204020204" pitchFamily="34" charset="0"/>
                 <a:cs typeface="Amazon Ember Light" panose="020B0403020204020204" pitchFamily="34" charset="0"/>
               </a:rPr>
-              <a:t>Root Cause Analysis &amp;</a:t>
-            </a:r>
-          </a:p>
-          <a:p>
-            <a:r>
-              <a:rPr lang="en-US" sz="1400" dirty="0">
-                <a:latin typeface="Amazon Ember Light" panose="020B0403020204020204" pitchFamily="34" charset="0"/>
-                <a:ea typeface="Amazon Ember Light" panose="020B0403020204020204" pitchFamily="34" charset="0"/>
-                <a:cs typeface="Amazon Ember Light" panose="020B0403020204020204" pitchFamily="34" charset="0"/>
-              </a:rPr>
-              <a:t>Explanations</a:t>
+              <a:t>Root Cause Analysis &amp; Explanations</a:t>
             </a:r>
           </a:p>
         </p:txBody>
@@ -4357,8 +3992,8 @@
         </p:nvSpPr>
         <p:spPr>
           <a:xfrm>
-            <a:off x="6122623" y="2238199"/>
-            <a:ext cx="2316177" cy="830997"/>
+            <a:off x="5821734" y="2037466"/>
+            <a:ext cx="2073704" cy="646331"/>
           </a:xfrm>
           <a:prstGeom prst="rect">
             <a:avLst/>
@@ -4376,36 +4011,21 @@
                 <a:solidFill>
                   <a:schemeClr val="bg1"/>
                 </a:solidFill>
-                <a:effectLst/>
-                <a:latin typeface="Amazon Ember Light" panose="020B0403020204020204" pitchFamily="34" charset="0"/>
-                <a:ea typeface="Amazon Ember Light" panose="020B0403020204020204" pitchFamily="34" charset="0"/>
-                <a:cs typeface="Amazon Ember Light" panose="020B0403020204020204" pitchFamily="34" charset="0"/>
-              </a:rPr>
-              <a:t>Section:</a:t>
-            </a:r>
-          </a:p>
-          <a:p>
-            <a:r>
-              <a:rPr lang="en-US" sz="1200" dirty="0">
-                <a:solidFill>
-                  <a:schemeClr val="bg1"/>
-                </a:solidFill>
-                <a:effectLst/>
                 <a:latin typeface="Amazon Ember" panose="020B0603020204020204" pitchFamily="34" charset="0"/>
                 <a:ea typeface="Amazon Ember" panose="020B0603020204020204" pitchFamily="34" charset="0"/>
                 <a:cs typeface="Amazon Ember" panose="020B0603020204020204" pitchFamily="34" charset="0"/>
               </a:rPr>
-              <a:t>Modeling cause-effect relationships with causal mechanisms</a:t>
-            </a:r>
-          </a:p>
-        </p:txBody>
-      </p:sp>
-      <p:sp>
-        <p:nvSpPr>
-          <p:cNvPr id="18" name="Rectangle 17">
+              <a:t>Model cause-effect relationships with causal mechanisms</a:t>
+            </a:r>
+          </a:p>
+        </p:txBody>
+      </p:sp>
+      <p:sp>
+        <p:nvSpPr>
+          <p:cNvPr id="21" name="Rectangle 20">
             <a:extLst>
               <a:ext uri="{FF2B5EF4-FFF2-40B4-BE49-F238E27FC236}">
-                <a16:creationId xmlns:a16="http://schemas.microsoft.com/office/drawing/2014/main" id="{38684CD2-2D2E-8797-D6B4-DD5DAE4F361C}"/>
+                <a16:creationId xmlns:a16="http://schemas.microsoft.com/office/drawing/2014/main" id="{51C235F1-2C20-3DF2-482F-AA02603AEB3B}"/>
               </a:ext>
             </a:extLst>
           </p:cNvPr>
@@ -4414,14 +4034,14 @@
         </p:nvSpPr>
         <p:spPr>
           <a:xfrm>
-            <a:off x="819396" y="1596252"/>
-            <a:ext cx="2185060" cy="1343300"/>
+            <a:off x="667512" y="4170733"/>
+            <a:ext cx="2185060" cy="320040"/>
           </a:xfrm>
           <a:prstGeom prst="rect">
             <a:avLst/>
           </a:prstGeom>
           <a:solidFill>
-            <a:srgbClr val="F48E8F"/>
+            <a:srgbClr val="E57677"/>
           </a:solidFill>
           <a:ln>
             <a:noFill/>
@@ -4454,17 +4074,99 @@
                 <a:ea typeface="Amazon Ember Light" panose="020B0403020204020204" pitchFamily="34" charset="0"/>
                 <a:cs typeface="Amazon Ember Light" panose="020B0403020204020204" pitchFamily="34" charset="0"/>
               </a:rPr>
-              <a:t>Effect Estimation</a:t>
-            </a:r>
-          </a:p>
-        </p:txBody>
-      </p:sp>
-      <p:sp>
-        <p:nvSpPr>
-          <p:cNvPr id="21" name="Rectangle 20">
+              <a:t>Anomaly Attribution</a:t>
+            </a:r>
+          </a:p>
+        </p:txBody>
+      </p:sp>
+      <p:sp>
+        <p:nvSpPr>
+          <p:cNvPr id="24" name="TextBox 23">
             <a:extLst>
               <a:ext uri="{FF2B5EF4-FFF2-40B4-BE49-F238E27FC236}">
-                <a16:creationId xmlns:a16="http://schemas.microsoft.com/office/drawing/2014/main" id="{51C235F1-2C20-3DF2-482F-AA02603AEB3B}"/>
+                <a16:creationId xmlns:a16="http://schemas.microsoft.com/office/drawing/2014/main" id="{4222863A-5740-47BD-C150-A4190AF432BB}"/>
+              </a:ext>
+            </a:extLst>
+          </p:cNvPr>
+          <p:cNvSpPr txBox="1"/>
+          <p:nvPr/>
+        </p:nvSpPr>
+        <p:spPr>
+          <a:xfrm>
+            <a:off x="3402618" y="446154"/>
+            <a:ext cx="2074062" cy="276999"/>
+          </a:xfrm>
+          <a:prstGeom prst="rect">
+            <a:avLst/>
+          </a:prstGeom>
+          <a:noFill/>
+        </p:spPr>
+        <p:txBody>
+          <a:bodyPr wrap="square" rtlCol="0">
+            <a:spAutoFit/>
+          </a:bodyPr>
+          <a:lstStyle/>
+          <a:p>
+            <a:pPr algn="ctr"/>
+            <a:r>
+              <a:rPr lang="en-US" sz="1200" dirty="0">
+                <a:solidFill>
+                  <a:schemeClr val="bg1"/>
+                </a:solidFill>
+                <a:latin typeface="Amazon Ember" panose="020B0603020204020204" pitchFamily="34" charset="0"/>
+                <a:ea typeface="Amazon Ember" panose="020B0603020204020204" pitchFamily="34" charset="0"/>
+                <a:cs typeface="Amazon Ember" panose="020B0603020204020204" pitchFamily="34" charset="0"/>
+              </a:rPr>
+              <a:t>Define Causal Graph</a:t>
+            </a:r>
+          </a:p>
+        </p:txBody>
+      </p:sp>
+      <p:sp>
+        <p:nvSpPr>
+          <p:cNvPr id="27" name="TextBox 26">
+            <a:extLst>
+              <a:ext uri="{FF2B5EF4-FFF2-40B4-BE49-F238E27FC236}">
+                <a16:creationId xmlns:a16="http://schemas.microsoft.com/office/drawing/2014/main" id="{84831721-EEAE-6B88-470A-204A14D0E293}"/>
+              </a:ext>
+            </a:extLst>
+          </p:cNvPr>
+          <p:cNvSpPr txBox="1"/>
+          <p:nvPr/>
+        </p:nvSpPr>
+        <p:spPr>
+          <a:xfrm>
+            <a:off x="8966315" y="-13056"/>
+            <a:ext cx="2177199" cy="307777"/>
+          </a:xfrm>
+          <a:prstGeom prst="rect">
+            <a:avLst/>
+          </a:prstGeom>
+          <a:noFill/>
+        </p:spPr>
+        <p:txBody>
+          <a:bodyPr wrap="none" rtlCol="0">
+            <a:spAutoFit/>
+          </a:bodyPr>
+          <a:lstStyle/>
+          <a:p>
+            <a:r>
+              <a:rPr lang="en-US" sz="1400" dirty="0">
+                <a:latin typeface="Amazon Ember" panose="020B0603020204020204" pitchFamily="34" charset="0"/>
+                <a:ea typeface="Amazon Ember" panose="020B0603020204020204" pitchFamily="34" charset="0"/>
+                <a:cs typeface="Amazon Ember" panose="020B0603020204020204" pitchFamily="34" charset="0"/>
+              </a:rPr>
+              <a:t>Performing Causal Tasks</a:t>
+            </a:r>
+          </a:p>
+        </p:txBody>
+      </p:sp>
+      <p:sp>
+        <p:nvSpPr>
+          <p:cNvPr id="28" name="Rectangle 27">
+            <a:extLst>
+              <a:ext uri="{FF2B5EF4-FFF2-40B4-BE49-F238E27FC236}">
+                <a16:creationId xmlns:a16="http://schemas.microsoft.com/office/drawing/2014/main" id="{D8DD3873-FDD9-EDDB-C6F7-9C9E04E6B9B3}"/>
               </a:ext>
             </a:extLst>
           </p:cNvPr>
@@ -4473,14 +4175,14 @@
         </p:nvSpPr>
         <p:spPr>
           <a:xfrm>
-            <a:off x="819396" y="5022406"/>
-            <a:ext cx="2185060" cy="319444"/>
+            <a:off x="667512" y="4590481"/>
+            <a:ext cx="2185060" cy="320040"/>
           </a:xfrm>
           <a:prstGeom prst="rect">
             <a:avLst/>
           </a:prstGeom>
           <a:solidFill>
-            <a:srgbClr val="E57677"/>
+            <a:srgbClr val="F795EA"/>
           </a:solidFill>
           <a:ln>
             <a:noFill/>
@@ -4513,170 +4215,7 @@
                 <a:ea typeface="Amazon Ember Light" panose="020B0403020204020204" pitchFamily="34" charset="0"/>
                 <a:cs typeface="Amazon Ember Light" panose="020B0403020204020204" pitchFamily="34" charset="0"/>
               </a:rPr>
-              <a:t>Anomaly Attribution</a:t>
-            </a:r>
-          </a:p>
-        </p:txBody>
-      </p:sp>
-      <p:sp>
-        <p:nvSpPr>
-          <p:cNvPr id="24" name="TextBox 23">
-            <a:extLst>
-              <a:ext uri="{FF2B5EF4-FFF2-40B4-BE49-F238E27FC236}">
-                <a16:creationId xmlns:a16="http://schemas.microsoft.com/office/drawing/2014/main" id="{4222863A-5740-47BD-C150-A4190AF432BB}"/>
-              </a:ext>
-            </a:extLst>
-          </p:cNvPr>
-          <p:cNvSpPr txBox="1"/>
-          <p:nvPr/>
-        </p:nvSpPr>
-        <p:spPr>
-          <a:xfrm>
-            <a:off x="3719309" y="1749640"/>
-            <a:ext cx="1742349" cy="646331"/>
-          </a:xfrm>
-          <a:prstGeom prst="rect">
-            <a:avLst/>
-          </a:prstGeom>
-          <a:noFill/>
-        </p:spPr>
-        <p:txBody>
-          <a:bodyPr wrap="square" rtlCol="0">
-            <a:spAutoFit/>
-          </a:bodyPr>
-          <a:lstStyle/>
-          <a:p>
-            <a:r>
-              <a:rPr lang="en-US" sz="1200" dirty="0">
-                <a:solidFill>
-                  <a:schemeClr val="bg1"/>
-                </a:solidFill>
-                <a:latin typeface="Amazon Ember Light" panose="020B0403020204020204" pitchFamily="34" charset="0"/>
-                <a:ea typeface="Amazon Ember Light" panose="020B0403020204020204" pitchFamily="34" charset="0"/>
-                <a:cs typeface="Amazon Ember Light" panose="020B0403020204020204" pitchFamily="34" charset="0"/>
-              </a:rPr>
-              <a:t>Section:</a:t>
-            </a:r>
-          </a:p>
-          <a:p>
-            <a:r>
-              <a:rPr lang="en-US" sz="1200" dirty="0">
-                <a:solidFill>
-                  <a:schemeClr val="bg1"/>
-                </a:solidFill>
-                <a:latin typeface="Amazon Ember" panose="020B0603020204020204" pitchFamily="34" charset="0"/>
-                <a:ea typeface="Amazon Ember" panose="020B0603020204020204" pitchFamily="34" charset="0"/>
-                <a:cs typeface="Amazon Ember" panose="020B0603020204020204" pitchFamily="34" charset="0"/>
-              </a:rPr>
-              <a:t>Modeling causal graph</a:t>
-            </a:r>
-          </a:p>
-        </p:txBody>
-      </p:sp>
-      <p:sp>
-        <p:nvSpPr>
-          <p:cNvPr id="27" name="TextBox 26">
-            <a:extLst>
-              <a:ext uri="{FF2B5EF4-FFF2-40B4-BE49-F238E27FC236}">
-                <a16:creationId xmlns:a16="http://schemas.microsoft.com/office/drawing/2014/main" id="{84831721-EEAE-6B88-470A-204A14D0E293}"/>
-              </a:ext>
-            </a:extLst>
-          </p:cNvPr>
-          <p:cNvSpPr txBox="1"/>
-          <p:nvPr/>
-        </p:nvSpPr>
-        <p:spPr>
-          <a:xfrm>
-            <a:off x="8569619" y="621115"/>
-            <a:ext cx="2177199" cy="523220"/>
-          </a:xfrm>
-          <a:prstGeom prst="rect">
-            <a:avLst/>
-          </a:prstGeom>
-          <a:noFill/>
-        </p:spPr>
-        <p:txBody>
-          <a:bodyPr wrap="none" rtlCol="0">
-            <a:spAutoFit/>
-          </a:bodyPr>
-          <a:lstStyle/>
-          <a:p>
-            <a:r>
-              <a:rPr lang="en-US" sz="1400" dirty="0">
-                <a:latin typeface="Amazon Ember Light" panose="020B0403020204020204" pitchFamily="34" charset="0"/>
-                <a:ea typeface="Amazon Ember Light" panose="020B0403020204020204" pitchFamily="34" charset="0"/>
-                <a:cs typeface="Amazon Ember Light" panose="020B0403020204020204" pitchFamily="34" charset="0"/>
-              </a:rPr>
-              <a:t>Chapter:</a:t>
-            </a:r>
-          </a:p>
-          <a:p>
-            <a:r>
-              <a:rPr lang="en-US" sz="1400" dirty="0">
-                <a:latin typeface="Amazon Ember" panose="020B0603020204020204" pitchFamily="34" charset="0"/>
-                <a:ea typeface="Amazon Ember" panose="020B0603020204020204" pitchFamily="34" charset="0"/>
-                <a:cs typeface="Amazon Ember" panose="020B0603020204020204" pitchFamily="34" charset="0"/>
-              </a:rPr>
-              <a:t>Performing Causal Tasks</a:t>
-            </a:r>
-          </a:p>
-        </p:txBody>
-      </p:sp>
-      <p:sp>
-        <p:nvSpPr>
-          <p:cNvPr id="28" name="Rectangle 27">
-            <a:extLst>
-              <a:ext uri="{FF2B5EF4-FFF2-40B4-BE49-F238E27FC236}">
-                <a16:creationId xmlns:a16="http://schemas.microsoft.com/office/drawing/2014/main" id="{D8DD3873-FDD9-EDDB-C6F7-9C9E04E6B9B3}"/>
-              </a:ext>
-            </a:extLst>
-          </p:cNvPr>
-          <p:cNvSpPr/>
-          <p:nvPr/>
-        </p:nvSpPr>
-        <p:spPr>
-          <a:xfrm>
-            <a:off x="819396" y="5456351"/>
-            <a:ext cx="2185060" cy="323403"/>
-          </a:xfrm>
-          <a:prstGeom prst="rect">
-            <a:avLst/>
-          </a:prstGeom>
-          <a:solidFill>
-            <a:srgbClr val="F795EA"/>
-          </a:solidFill>
-          <a:ln>
-            <a:noFill/>
-          </a:ln>
-        </p:spPr>
-        <p:style>
-          <a:lnRef idx="2">
-            <a:schemeClr val="dk1">
-              <a:shade val="50000"/>
-            </a:schemeClr>
-          </a:lnRef>
-          <a:fillRef idx="1">
-            <a:schemeClr val="dk1"/>
-          </a:fillRef>
-          <a:effectRef idx="0">
-            <a:schemeClr val="dk1"/>
-          </a:effectRef>
-          <a:fontRef idx="minor">
-            <a:schemeClr val="lt1"/>
-          </a:fontRef>
-        </p:style>
-        <p:txBody>
-          <a:bodyPr rtlCol="0" anchor="ctr"/>
-          <a:lstStyle/>
-          <a:p>
-            <a:pPr algn="ctr"/>
-            <a:r>
-              <a:rPr lang="en-US" sz="1200" dirty="0">
-                <a:latin typeface="Amazon Ember Light" panose="020B0403020204020204" pitchFamily="34" charset="0"/>
-                <a:ea typeface="Amazon Ember Light" panose="020B0403020204020204" pitchFamily="34" charset="0"/>
-                <a:cs typeface="Amazon Ember Light" panose="020B0403020204020204" pitchFamily="34" charset="0"/>
-              </a:rPr>
-              <a:t>Unit Change Attribution</a:t>
+              <a:t>Feature Relevance Attribution</a:t>
             </a:r>
           </a:p>
         </p:txBody>
@@ -4692,13 +4231,14 @@
           </p:cNvPr>
           <p:cNvCxnSpPr>
             <a:cxnSpLocks/>
+            <a:stCxn id="13" idx="3"/>
           </p:cNvCxnSpPr>
           <p:nvPr/>
         </p:nvCxnSpPr>
         <p:spPr>
           <a:xfrm>
-            <a:off x="3002053" y="5617818"/>
-            <a:ext cx="5591121" cy="0"/>
+            <a:off x="2852572" y="5170250"/>
+            <a:ext cx="7302407" cy="0"/>
           </a:xfrm>
           <a:prstGeom prst="straightConnector1">
             <a:avLst/>
@@ -4738,8 +4278,8 @@
         </p:nvCxnSpPr>
         <p:spPr>
           <a:xfrm>
-            <a:off x="5660394" y="3429793"/>
-            <a:ext cx="309535" cy="0"/>
+            <a:off x="5497388" y="3033910"/>
+            <a:ext cx="306247" cy="0"/>
           </a:xfrm>
           <a:prstGeom prst="straightConnector1">
             <a:avLst/>
@@ -4777,8 +4317,8 @@
         </p:nvSpPr>
         <p:spPr>
           <a:xfrm>
-            <a:off x="8593174" y="1596252"/>
-            <a:ext cx="3294025" cy="1343300"/>
+            <a:off x="8424234" y="777022"/>
+            <a:ext cx="1617685" cy="717353"/>
           </a:xfrm>
           <a:prstGeom prst="rect">
             <a:avLst/>
@@ -4804,18 +4344,8 @@
           </a:fontRef>
         </p:style>
         <p:txBody>
-          <a:bodyPr lIns="180000" tIns="180000" rIns="180000" bIns="180000" rtlCol="0" anchor="t"/>
-          <a:lstStyle/>
-          <a:p>
-            <a:r>
-              <a:rPr lang="en-US" sz="1200" dirty="0">
-                <a:latin typeface="Amazon Ember Light" panose="020B0403020204020204" pitchFamily="34" charset="0"/>
-                <a:ea typeface="Amazon Ember Light" panose="020B0403020204020204" pitchFamily="34" charset="0"/>
-                <a:cs typeface="Amazon Ember Light" panose="020B0403020204020204" pitchFamily="34" charset="0"/>
-              </a:rPr>
-              <a:t>Section:</a:t>
-            </a:r>
-          </a:p>
+          <a:bodyPr lIns="180000" tIns="180000" rIns="180000" bIns="180000" rtlCol="0" anchor="ctr" anchorCtr="0"/>
+          <a:lstStyle/>
           <a:p>
             <a:r>
               <a:rPr lang="en-US" sz="1200" dirty="0">
@@ -4828,73 +4358,404 @@
           </a:p>
         </p:txBody>
       </p:sp>
-      <p:sp>
-        <p:nvSpPr>
-          <p:cNvPr id="46" name="TextBox 45">
-            <a:extLst>
-              <a:ext uri="{FF2B5EF4-FFF2-40B4-BE49-F238E27FC236}">
-                <a16:creationId xmlns:a16="http://schemas.microsoft.com/office/drawing/2014/main" id="{6C0303A1-5F66-1139-30E1-7FC0E724CA8E}"/>
-              </a:ext>
-            </a:extLst>
-          </p:cNvPr>
-          <p:cNvSpPr txBox="1"/>
-          <p:nvPr/>
-        </p:nvSpPr>
-        <p:spPr>
-          <a:xfrm>
-            <a:off x="6582204" y="3757187"/>
-            <a:ext cx="1023037" cy="523220"/>
-          </a:xfrm>
-          <a:prstGeom prst="rect">
-            <a:avLst/>
-          </a:prstGeom>
-          <a:solidFill>
-            <a:schemeClr val="bg1"/>
-          </a:solidFill>
-          <a:ln>
-            <a:solidFill>
-              <a:schemeClr val="tx1"/>
-            </a:solidFill>
-          </a:ln>
-        </p:spPr>
-        <p:txBody>
-          <a:bodyPr wrap="none" rtlCol="0">
-            <a:spAutoFit/>
-          </a:bodyPr>
-          <a:lstStyle/>
-          <a:p>
-            <a:r>
-              <a:rPr lang="en-US" sz="1400" i="1" dirty="0">
+      <mc:AlternateContent xmlns:mc="http://schemas.openxmlformats.org/markup-compatibility/2006">
+        <mc:Choice xmlns:a14="http://schemas.microsoft.com/office/drawing/2010/main" Requires="a14">
+          <p:sp>
+            <p:nvSpPr>
+              <p:cNvPr id="46" name="TextBox 45">
+                <a:extLst>
+                  <a:ext uri="{FF2B5EF4-FFF2-40B4-BE49-F238E27FC236}">
+                    <a16:creationId xmlns:a16="http://schemas.microsoft.com/office/drawing/2014/main" id="{6C0303A1-5F66-1139-30E1-7FC0E724CA8E}"/>
+                  </a:ext>
+                </a:extLst>
+              </p:cNvPr>
+              <p:cNvSpPr txBox="1"/>
+              <p:nvPr/>
+            </p:nvSpPr>
+            <p:spPr>
+              <a:xfrm>
+                <a:off x="5952396" y="3877212"/>
+                <a:ext cx="1818318" cy="523220"/>
+              </a:xfrm>
+              <a:prstGeom prst="rect">
+                <a:avLst/>
+              </a:prstGeom>
+              <a:solidFill>
+                <a:schemeClr val="bg1"/>
+              </a:solidFill>
+              <a:ln>
                 <a:solidFill>
-                  <a:srgbClr val="000000"/>
+                  <a:schemeClr val="tx1"/>
                 </a:solidFill>
-                <a:latin typeface="Amazon Ember Light" panose="020B0403020204020204" pitchFamily="34" charset="0"/>
-                <a:ea typeface="Amazon Ember Light" panose="020B0403020204020204" pitchFamily="34" charset="0"/>
-                <a:cs typeface="Amazon Ember Light" panose="020B0403020204020204" pitchFamily="34" charset="0"/>
-              </a:rPr>
-              <a:t>Y := f(X, N)</a:t>
-            </a:r>
-          </a:p>
-          <a:p>
-            <a:r>
-              <a:rPr lang="en-US" sz="1400" i="1" dirty="0">
+              </a:ln>
+            </p:spPr>
+            <p:txBody>
+              <a:bodyPr wrap="square" rtlCol="0">
+                <a:spAutoFit/>
+              </a:bodyPr>
+              <a:lstStyle/>
+              <a:p>
+                <a:pPr/>
+                <a14:m>
+                  <m:oMathPara xmlns:m="http://schemas.openxmlformats.org/officeDocument/2006/math">
+                    <m:oMathParaPr>
+                      <m:jc m:val="centerGroup"/>
+                    </m:oMathParaPr>
+                    <m:oMath xmlns:m="http://schemas.openxmlformats.org/officeDocument/2006/math">
+                      <m:sSub>
+                        <m:sSubPr>
+                          <m:ctrlPr>
+                            <a:rPr lang="de-DE" sz="1400" i="1">
+                              <a:solidFill>
+                                <a:srgbClr val="000000"/>
+                              </a:solidFill>
+                              <a:latin typeface="Cambria Math" panose="02040503050406030204" pitchFamily="18" charset="0"/>
+                              <a:ea typeface="Amazon Ember Light" panose="020B0403020204020204" pitchFamily="34" charset="0"/>
+                              <a:cs typeface="Amazon Ember Light" panose="020B0403020204020204" pitchFamily="34" charset="0"/>
+                            </a:rPr>
+                          </m:ctrlPr>
+                        </m:sSubPr>
+                        <m:e>
+                          <m:r>
+                            <a:rPr lang="de-DE" sz="1400" i="1">
+                              <a:solidFill>
+                                <a:srgbClr val="000000"/>
+                              </a:solidFill>
+                              <a:latin typeface="Cambria Math" panose="02040503050406030204" pitchFamily="18" charset="0"/>
+                              <a:ea typeface="Amazon Ember Light" panose="020B0403020204020204" pitchFamily="34" charset="0"/>
+                              <a:cs typeface="Amazon Ember Light" panose="020B0403020204020204" pitchFamily="34" charset="0"/>
+                            </a:rPr>
+                            <m:t>𝑋</m:t>
+                          </m:r>
+                        </m:e>
+                        <m:sub>
+                          <m:r>
+                            <a:rPr lang="de-DE" sz="1400" i="1">
+                              <a:solidFill>
+                                <a:srgbClr val="000000"/>
+                              </a:solidFill>
+                              <a:latin typeface="Cambria Math" panose="02040503050406030204" pitchFamily="18" charset="0"/>
+                              <a:ea typeface="Amazon Ember Light" panose="020B0403020204020204" pitchFamily="34" charset="0"/>
+                              <a:cs typeface="Amazon Ember Light" panose="020B0403020204020204" pitchFamily="34" charset="0"/>
+                            </a:rPr>
+                            <m:t>𝑖</m:t>
+                          </m:r>
+                        </m:sub>
+                      </m:sSub>
+                      <m:r>
+                        <a:rPr lang="de-DE" sz="1400" i="1">
+                          <a:solidFill>
+                            <a:srgbClr val="000000"/>
+                          </a:solidFill>
+                          <a:latin typeface="Cambria Math" panose="02040503050406030204" pitchFamily="18" charset="0"/>
+                          <a:ea typeface="Amazon Ember Light" panose="020B0403020204020204" pitchFamily="34" charset="0"/>
+                          <a:cs typeface="Amazon Ember Light" panose="020B0403020204020204" pitchFamily="34" charset="0"/>
+                        </a:rPr>
+                        <m:t>≔</m:t>
+                      </m:r>
+                      <m:sSub>
+                        <m:sSubPr>
+                          <m:ctrlPr>
+                            <a:rPr lang="de-DE" sz="1400" i="1">
+                              <a:solidFill>
+                                <a:srgbClr val="000000"/>
+                              </a:solidFill>
+                              <a:latin typeface="Cambria Math" panose="02040503050406030204" pitchFamily="18" charset="0"/>
+                              <a:ea typeface="Amazon Ember Light" panose="020B0403020204020204" pitchFamily="34" charset="0"/>
+                              <a:cs typeface="Amazon Ember Light" panose="020B0403020204020204" pitchFamily="34" charset="0"/>
+                            </a:rPr>
+                          </m:ctrlPr>
+                        </m:sSubPr>
+                        <m:e>
+                          <m:r>
+                            <a:rPr lang="de-DE" sz="1400" i="1">
+                              <a:solidFill>
+                                <a:srgbClr val="000000"/>
+                              </a:solidFill>
+                              <a:latin typeface="Cambria Math" panose="02040503050406030204" pitchFamily="18" charset="0"/>
+                              <a:ea typeface="Amazon Ember Light" panose="020B0403020204020204" pitchFamily="34" charset="0"/>
+                              <a:cs typeface="Amazon Ember Light" panose="020B0403020204020204" pitchFamily="34" charset="0"/>
+                            </a:rPr>
+                            <m:t>𝑓</m:t>
+                          </m:r>
+                        </m:e>
+                        <m:sub>
+                          <m:r>
+                            <a:rPr lang="de-DE" sz="1400" i="1">
+                              <a:solidFill>
+                                <a:srgbClr val="000000"/>
+                              </a:solidFill>
+                              <a:latin typeface="Cambria Math" panose="02040503050406030204" pitchFamily="18" charset="0"/>
+                              <a:ea typeface="Amazon Ember Light" panose="020B0403020204020204" pitchFamily="34" charset="0"/>
+                              <a:cs typeface="Amazon Ember Light" panose="020B0403020204020204" pitchFamily="34" charset="0"/>
+                            </a:rPr>
+                            <m:t>𝑖</m:t>
+                          </m:r>
+                        </m:sub>
+                      </m:sSub>
+                      <m:r>
+                        <a:rPr lang="de-DE" sz="1400" i="1">
+                          <a:solidFill>
+                            <a:srgbClr val="000000"/>
+                          </a:solidFill>
+                          <a:latin typeface="Cambria Math" panose="02040503050406030204" pitchFamily="18" charset="0"/>
+                          <a:ea typeface="Amazon Ember Light" panose="020B0403020204020204" pitchFamily="34" charset="0"/>
+                          <a:cs typeface="Amazon Ember Light" panose="020B0403020204020204" pitchFamily="34" charset="0"/>
+                        </a:rPr>
+                        <m:t>(</m:t>
+                      </m:r>
+                      <m:r>
+                        <a:rPr lang="de-DE" sz="1400" i="1">
+                          <a:solidFill>
+                            <a:srgbClr val="000000"/>
+                          </a:solidFill>
+                          <a:latin typeface="Cambria Math" panose="02040503050406030204" pitchFamily="18" charset="0"/>
+                          <a:ea typeface="Amazon Ember Light" panose="020B0403020204020204" pitchFamily="34" charset="0"/>
+                          <a:cs typeface="Amazon Ember Light" panose="020B0403020204020204" pitchFamily="34" charset="0"/>
+                        </a:rPr>
+                        <m:t>𝑃</m:t>
+                      </m:r>
+                      <m:sSub>
+                        <m:sSubPr>
+                          <m:ctrlPr>
+                            <a:rPr lang="de-DE" sz="1400" i="1">
+                              <a:solidFill>
+                                <a:srgbClr val="000000"/>
+                              </a:solidFill>
+                              <a:latin typeface="Cambria Math" panose="02040503050406030204" pitchFamily="18" charset="0"/>
+                              <a:ea typeface="Amazon Ember Light" panose="020B0403020204020204" pitchFamily="34" charset="0"/>
+                              <a:cs typeface="Amazon Ember Light" panose="020B0403020204020204" pitchFamily="34" charset="0"/>
+                            </a:rPr>
+                          </m:ctrlPr>
+                        </m:sSubPr>
+                        <m:e>
+                          <m:r>
+                            <a:rPr lang="de-DE" sz="1400" i="1">
+                              <a:solidFill>
+                                <a:srgbClr val="000000"/>
+                              </a:solidFill>
+                              <a:latin typeface="Cambria Math" panose="02040503050406030204" pitchFamily="18" charset="0"/>
+                              <a:ea typeface="Amazon Ember Light" panose="020B0403020204020204" pitchFamily="34" charset="0"/>
+                              <a:cs typeface="Amazon Ember Light" panose="020B0403020204020204" pitchFamily="34" charset="0"/>
+                            </a:rPr>
+                            <m:t>𝐴</m:t>
+                          </m:r>
+                        </m:e>
+                        <m:sub>
+                          <m:r>
+                            <a:rPr lang="de-DE" sz="1400" i="1">
+                              <a:solidFill>
+                                <a:srgbClr val="000000"/>
+                              </a:solidFill>
+                              <a:latin typeface="Cambria Math" panose="02040503050406030204" pitchFamily="18" charset="0"/>
+                              <a:ea typeface="Amazon Ember Light" panose="020B0403020204020204" pitchFamily="34" charset="0"/>
+                              <a:cs typeface="Amazon Ember Light" panose="020B0403020204020204" pitchFamily="34" charset="0"/>
+                            </a:rPr>
+                            <m:t>𝑖</m:t>
+                          </m:r>
+                        </m:sub>
+                      </m:sSub>
+                      <m:r>
+                        <a:rPr lang="de-DE" sz="1400" i="1">
+                          <a:solidFill>
+                            <a:srgbClr val="000000"/>
+                          </a:solidFill>
+                          <a:latin typeface="Cambria Math" panose="02040503050406030204" pitchFamily="18" charset="0"/>
+                          <a:ea typeface="Amazon Ember Light" panose="020B0403020204020204" pitchFamily="34" charset="0"/>
+                          <a:cs typeface="Amazon Ember Light" panose="020B0403020204020204" pitchFamily="34" charset="0"/>
+                        </a:rPr>
+                        <m:t>, </m:t>
+                      </m:r>
+                      <m:sSub>
+                        <m:sSubPr>
+                          <m:ctrlPr>
+                            <a:rPr lang="de-DE" sz="1400" i="1">
+                              <a:solidFill>
+                                <a:srgbClr val="000000"/>
+                              </a:solidFill>
+                              <a:latin typeface="Cambria Math" panose="02040503050406030204" pitchFamily="18" charset="0"/>
+                              <a:ea typeface="Amazon Ember Light" panose="020B0403020204020204" pitchFamily="34" charset="0"/>
+                              <a:cs typeface="Amazon Ember Light" panose="020B0403020204020204" pitchFamily="34" charset="0"/>
+                            </a:rPr>
+                          </m:ctrlPr>
+                        </m:sSubPr>
+                        <m:e>
+                          <m:r>
+                            <a:rPr lang="de-DE" sz="1400" i="1">
+                              <a:solidFill>
+                                <a:srgbClr val="000000"/>
+                              </a:solidFill>
+                              <a:latin typeface="Cambria Math" panose="02040503050406030204" pitchFamily="18" charset="0"/>
+                              <a:ea typeface="Amazon Ember Light" panose="020B0403020204020204" pitchFamily="34" charset="0"/>
+                              <a:cs typeface="Amazon Ember Light" panose="020B0403020204020204" pitchFamily="34" charset="0"/>
+                            </a:rPr>
+                            <m:t>𝑁</m:t>
+                          </m:r>
+                        </m:e>
+                        <m:sub>
+                          <m:r>
+                            <a:rPr lang="de-DE" sz="1400" i="1">
+                              <a:solidFill>
+                                <a:srgbClr val="000000"/>
+                              </a:solidFill>
+                              <a:latin typeface="Cambria Math" panose="02040503050406030204" pitchFamily="18" charset="0"/>
+                              <a:ea typeface="Amazon Ember Light" panose="020B0403020204020204" pitchFamily="34" charset="0"/>
+                              <a:cs typeface="Amazon Ember Light" panose="020B0403020204020204" pitchFamily="34" charset="0"/>
+                            </a:rPr>
+                            <m:t>𝑖</m:t>
+                          </m:r>
+                        </m:sub>
+                      </m:sSub>
+                      <m:r>
+                        <a:rPr lang="de-DE" sz="1400" i="1">
+                          <a:solidFill>
+                            <a:srgbClr val="000000"/>
+                          </a:solidFill>
+                          <a:latin typeface="Cambria Math" panose="02040503050406030204" pitchFamily="18" charset="0"/>
+                          <a:ea typeface="Amazon Ember Light" panose="020B0403020204020204" pitchFamily="34" charset="0"/>
+                          <a:cs typeface="Amazon Ember Light" panose="020B0403020204020204" pitchFamily="34" charset="0"/>
+                        </a:rPr>
+                        <m:t>)</m:t>
+                      </m:r>
+                    </m:oMath>
+                  </m:oMathPara>
+                </a14:m>
+                <a:endParaRPr lang="en-US" sz="1400" i="1" dirty="0">
+                  <a:solidFill>
+                    <a:srgbClr val="000000"/>
+                  </a:solidFill>
+                  <a:latin typeface="Amazon Ember Light" panose="020B0403020204020204" pitchFamily="34" charset="0"/>
+                  <a:ea typeface="Amazon Ember Light" panose="020B0403020204020204" pitchFamily="34" charset="0"/>
+                  <a:cs typeface="Amazon Ember Light" panose="020B0403020204020204" pitchFamily="34" charset="0"/>
+                </a:endParaRPr>
+              </a:p>
+              <a:p>
+                <a:pPr algn="ctr"/>
+                <a14:m>
+                  <m:oMath xmlns:m="http://schemas.openxmlformats.org/officeDocument/2006/math">
+                    <m:sSub>
+                      <m:sSubPr>
+                        <m:ctrlPr>
+                          <a:rPr lang="de-DE" sz="1400" i="1">
+                            <a:solidFill>
+                              <a:srgbClr val="000000"/>
+                            </a:solidFill>
+                            <a:latin typeface="Cambria Math" panose="02040503050406030204" pitchFamily="18" charset="0"/>
+                            <a:ea typeface="Amazon Ember Light" panose="020B0403020204020204" pitchFamily="34" charset="0"/>
+                            <a:cs typeface="Amazon Ember Light" panose="020B0403020204020204" pitchFamily="34" charset="0"/>
+                          </a:rPr>
+                        </m:ctrlPr>
+                      </m:sSubPr>
+                      <m:e>
+                        <m:r>
+                          <a:rPr lang="de-DE" sz="1400" i="1">
+                            <a:solidFill>
+                              <a:srgbClr val="000000"/>
+                            </a:solidFill>
+                            <a:latin typeface="Cambria Math" panose="02040503050406030204" pitchFamily="18" charset="0"/>
+                            <a:ea typeface="Amazon Ember Light" panose="020B0403020204020204" pitchFamily="34" charset="0"/>
+                            <a:cs typeface="Amazon Ember Light" panose="020B0403020204020204" pitchFamily="34" charset="0"/>
+                          </a:rPr>
+                          <m:t>𝑁</m:t>
+                        </m:r>
+                      </m:e>
+                      <m:sub>
+                        <m:r>
+                          <a:rPr lang="de-DE" sz="1400" i="1">
+                            <a:solidFill>
+                              <a:srgbClr val="000000"/>
+                            </a:solidFill>
+                            <a:latin typeface="Cambria Math" panose="02040503050406030204" pitchFamily="18" charset="0"/>
+                            <a:ea typeface="Amazon Ember Light" panose="020B0403020204020204" pitchFamily="34" charset="0"/>
+                            <a:cs typeface="Amazon Ember Light" panose="020B0403020204020204" pitchFamily="34" charset="0"/>
+                          </a:rPr>
+                          <m:t>𝑖</m:t>
+                        </m:r>
+                      </m:sub>
+                    </m:sSub>
+                  </m:oMath>
+                </a14:m>
+                <a:r>
+                  <a:rPr lang="en-US" sz="1400" i="1" dirty="0">
+                    <a:solidFill>
+                      <a:srgbClr val="000000"/>
+                    </a:solidFill>
+                    <a:latin typeface="Amazon Ember Light" panose="020B0403020204020204" pitchFamily="34" charset="0"/>
+                    <a:ea typeface="Amazon Ember Light" panose="020B0403020204020204" pitchFamily="34" charset="0"/>
+                    <a:cs typeface="Amazon Ember Light" panose="020B0403020204020204" pitchFamily="34" charset="0"/>
+                  </a:rPr>
+                  <a:t>: </a:t>
+                </a:r>
+                <a:r>
+                  <a:rPr lang="en-US" sz="1100" i="1" dirty="0">
+                    <a:solidFill>
+                      <a:srgbClr val="000000"/>
+                    </a:solidFill>
+                    <a:latin typeface="Amazon Ember Light" panose="020B0403020204020204" pitchFamily="34" charset="0"/>
+                    <a:ea typeface="Amazon Ember Light" panose="020B0403020204020204" pitchFamily="34" charset="0"/>
+                    <a:cs typeface="Amazon Ember Light" panose="020B0403020204020204" pitchFamily="34" charset="0"/>
+                  </a:rPr>
+                  <a:t>Unobserved noise</a:t>
+                </a:r>
+                <a:endParaRPr lang="en-US" sz="1400" i="1" dirty="0">
+                  <a:latin typeface="Amazon Ember Light" panose="020B0403020204020204" pitchFamily="34" charset="0"/>
+                  <a:ea typeface="Amazon Ember Light" panose="020B0403020204020204" pitchFamily="34" charset="0"/>
+                  <a:cs typeface="Amazon Ember Light" panose="020B0403020204020204" pitchFamily="34" charset="0"/>
+                </a:endParaRPr>
+              </a:p>
+            </p:txBody>
+          </p:sp>
+        </mc:Choice>
+        <mc:Fallback>
+          <p:sp>
+            <p:nvSpPr>
+              <p:cNvPr id="46" name="TextBox 45">
+                <a:extLst>
+                  <a:ext uri="{FF2B5EF4-FFF2-40B4-BE49-F238E27FC236}">
+                    <a16:creationId xmlns:a16="http://schemas.microsoft.com/office/drawing/2014/main" id="{6C0303A1-5F66-1139-30E1-7FC0E724CA8E}"/>
+                  </a:ext>
+                </a:extLst>
+              </p:cNvPr>
+              <p:cNvSpPr txBox="1">
+                <a:spLocks noRot="1" noChangeAspect="1" noMove="1" noResize="1" noEditPoints="1" noAdjustHandles="1" noChangeArrowheads="1" noChangeShapeType="1" noTextEdit="1"/>
+              </p:cNvSpPr>
+              <p:nvPr/>
+            </p:nvSpPr>
+            <p:spPr>
+              <a:xfrm>
+                <a:off x="5952396" y="3877212"/>
+                <a:ext cx="1818318" cy="523220"/>
+              </a:xfrm>
+              <a:prstGeom prst="rect">
+                <a:avLst/>
+              </a:prstGeom>
+              <a:blipFill>
+                <a:blip r:embed="rId3"/>
+                <a:stretch>
+                  <a:fillRect b="-9091"/>
+                </a:stretch>
+              </a:blipFill>
+              <a:ln>
                 <a:solidFill>
-                  <a:srgbClr val="000000"/>
+                  <a:schemeClr val="tx1"/>
                 </a:solidFill>
-                <a:latin typeface="Amazon Ember Light" panose="020B0403020204020204" pitchFamily="34" charset="0"/>
-                <a:ea typeface="Amazon Ember Light" panose="020B0403020204020204" pitchFamily="34" charset="0"/>
-                <a:cs typeface="Amazon Ember Light" panose="020B0403020204020204" pitchFamily="34" charset="0"/>
-              </a:rPr>
-              <a:t>N: Noise</a:t>
-            </a:r>
-            <a:endParaRPr lang="en-US" sz="1400" i="1" dirty="0">
-              <a:latin typeface="Amazon Ember Light" panose="020B0403020204020204" pitchFamily="34" charset="0"/>
-              <a:ea typeface="Amazon Ember Light" panose="020B0403020204020204" pitchFamily="34" charset="0"/>
-              <a:cs typeface="Amazon Ember Light" panose="020B0403020204020204" pitchFamily="34" charset="0"/>
-            </a:endParaRPr>
-          </a:p>
-        </p:txBody>
-      </p:sp>
+              </a:ln>
+            </p:spPr>
+            <p:txBody>
+              <a:bodyPr/>
+              <a:lstStyle/>
+              <a:p>
+                <a:r>
+                  <a:rPr lang="en-US">
+                    <a:noFill/>
+                  </a:rPr>
+                  <a:t> </a:t>
+                </a:r>
+              </a:p>
+            </p:txBody>
+          </p:sp>
+        </mc:Fallback>
+      </mc:AlternateContent>
       <p:sp>
         <p:nvSpPr>
           <p:cNvPr id="3" name="Rectangle 2">
@@ -4909,8 +4770,8 @@
         </p:nvSpPr>
         <p:spPr>
           <a:xfrm>
-            <a:off x="819396" y="4633809"/>
-            <a:ext cx="2185060" cy="319444"/>
+            <a:off x="667512" y="3750985"/>
+            <a:ext cx="2185060" cy="320040"/>
           </a:xfrm>
           <a:prstGeom prst="rect">
             <a:avLst/>
@@ -4944,7 +4805,7 @@
           <a:p>
             <a:pPr algn="ctr"/>
             <a:r>
-              <a:rPr lang="en-US" sz="1150" dirty="0">
+              <a:rPr lang="en-US" sz="1151" dirty="0">
                 <a:latin typeface="Amazon Ember Light" panose="020B0403020204020204" pitchFamily="34" charset="0"/>
                 <a:ea typeface="Amazon Ember Light" panose="020B0403020204020204" pitchFamily="34" charset="0"/>
                 <a:cs typeface="Amazon Ember Light" panose="020B0403020204020204" pitchFamily="34" charset="0"/>
@@ -4956,10 +4817,10 @@
       </p:sp>
       <p:sp>
         <p:nvSpPr>
-          <p:cNvPr id="8" name="Rectangle 7">
+          <p:cNvPr id="9" name="Rectangle 8">
             <a:extLst>
               <a:ext uri="{FF2B5EF4-FFF2-40B4-BE49-F238E27FC236}">
-                <a16:creationId xmlns:a16="http://schemas.microsoft.com/office/drawing/2014/main" id="{39BC3589-E266-3AFD-464F-8C6795847DAE}"/>
+                <a16:creationId xmlns:a16="http://schemas.microsoft.com/office/drawing/2014/main" id="{BA557A8C-A1BA-5384-ACB0-A3E08C3AA909}"/>
               </a:ext>
             </a:extLst>
           </p:cNvPr>
@@ -4968,14 +4829,14 @@
         </p:nvSpPr>
         <p:spPr>
           <a:xfrm>
-            <a:off x="819396" y="4245214"/>
-            <a:ext cx="2185060" cy="319444"/>
+            <a:off x="667512" y="2871899"/>
+            <a:ext cx="2185060" cy="320040"/>
           </a:xfrm>
           <a:prstGeom prst="rect">
             <a:avLst/>
           </a:prstGeom>
           <a:solidFill>
-            <a:srgbClr val="E4774D"/>
+            <a:srgbClr val="E69054"/>
           </a:solidFill>
           <a:ln>
             <a:noFill/>
@@ -5008,17 +4869,17 @@
                 <a:ea typeface="Amazon Ember Light" panose="020B0403020204020204" pitchFamily="34" charset="0"/>
                 <a:cs typeface="Amazon Ember Light" panose="020B0403020204020204" pitchFamily="34" charset="0"/>
               </a:rPr>
-              <a:t>Quantify Causal Contributions</a:t>
-            </a:r>
-          </a:p>
-        </p:txBody>
-      </p:sp>
-      <p:sp>
-        <p:nvSpPr>
-          <p:cNvPr id="9" name="Rectangle 8">
+              <a:t>Interventions</a:t>
+            </a:r>
+          </a:p>
+        </p:txBody>
+      </p:sp>
+      <p:sp>
+        <p:nvSpPr>
+          <p:cNvPr id="12" name="Rectangle 11">
             <a:extLst>
               <a:ext uri="{FF2B5EF4-FFF2-40B4-BE49-F238E27FC236}">
-                <a16:creationId xmlns:a16="http://schemas.microsoft.com/office/drawing/2014/main" id="{BA557A8C-A1BA-5384-ACB0-A3E08C3AA909}"/>
+                <a16:creationId xmlns:a16="http://schemas.microsoft.com/office/drawing/2014/main" id="{71292264-2F2B-1891-E2BE-551057F5D8C3}"/>
               </a:ext>
             </a:extLst>
           </p:cNvPr>
@@ -5027,14 +4888,14 @@
         </p:nvSpPr>
         <p:spPr>
           <a:xfrm>
-            <a:off x="819396" y="3289449"/>
-            <a:ext cx="2185060" cy="319444"/>
+            <a:off x="667512" y="3291648"/>
+            <a:ext cx="2185060" cy="320040"/>
           </a:xfrm>
           <a:prstGeom prst="rect">
             <a:avLst/>
           </a:prstGeom>
           <a:solidFill>
-            <a:srgbClr val="E69054"/>
+            <a:srgbClr val="E79056"/>
           </a:solidFill>
           <a:ln>
             <a:noFill/>
@@ -5067,17 +4928,17 @@
                 <a:ea typeface="Amazon Ember Light" panose="020B0403020204020204" pitchFamily="34" charset="0"/>
                 <a:cs typeface="Amazon Ember Light" panose="020B0403020204020204" pitchFamily="34" charset="0"/>
               </a:rPr>
-              <a:t>Interventions</a:t>
-            </a:r>
-          </a:p>
-        </p:txBody>
-      </p:sp>
-      <p:sp>
-        <p:nvSpPr>
-          <p:cNvPr id="12" name="Rectangle 11">
+              <a:t>Counterfactuals</a:t>
+            </a:r>
+          </a:p>
+        </p:txBody>
+      </p:sp>
+      <p:sp>
+        <p:nvSpPr>
+          <p:cNvPr id="13" name="Rectangle 12">
             <a:extLst>
               <a:ext uri="{FF2B5EF4-FFF2-40B4-BE49-F238E27FC236}">
-                <a16:creationId xmlns:a16="http://schemas.microsoft.com/office/drawing/2014/main" id="{71292264-2F2B-1891-E2BE-551057F5D8C3}"/>
+                <a16:creationId xmlns:a16="http://schemas.microsoft.com/office/drawing/2014/main" id="{9C8D0B1D-2060-7BD7-6D3F-C016A06469AC}"/>
               </a:ext>
             </a:extLst>
           </p:cNvPr>
@@ -5086,14 +4947,14 @@
         </p:nvSpPr>
         <p:spPr>
           <a:xfrm>
-            <a:off x="819396" y="3687931"/>
-            <a:ext cx="2185060" cy="319444"/>
+            <a:off x="667512" y="5010230"/>
+            <a:ext cx="2185060" cy="320040"/>
           </a:xfrm>
           <a:prstGeom prst="rect">
             <a:avLst/>
           </a:prstGeom>
           <a:solidFill>
-            <a:srgbClr val="E79056"/>
+            <a:srgbClr val="F795EA"/>
           </a:solidFill>
           <a:ln>
             <a:noFill/>
@@ -5126,66 +4987,7 @@
                 <a:ea typeface="Amazon Ember Light" panose="020B0403020204020204" pitchFamily="34" charset="0"/>
                 <a:cs typeface="Amazon Ember Light" panose="020B0403020204020204" pitchFamily="34" charset="0"/>
               </a:rPr>
-              <a:t>Counterfactuals</a:t>
-            </a:r>
-          </a:p>
-        </p:txBody>
-      </p:sp>
-      <p:sp>
-        <p:nvSpPr>
-          <p:cNvPr id="13" name="Rectangle 12">
-            <a:extLst>
-              <a:ext uri="{FF2B5EF4-FFF2-40B4-BE49-F238E27FC236}">
-                <a16:creationId xmlns:a16="http://schemas.microsoft.com/office/drawing/2014/main" id="{9C8D0B1D-2060-7BD7-6D3F-C016A06469AC}"/>
-              </a:ext>
-            </a:extLst>
-          </p:cNvPr>
-          <p:cNvSpPr/>
-          <p:nvPr/>
-        </p:nvSpPr>
-        <p:spPr>
-          <a:xfrm>
-            <a:off x="819396" y="5872590"/>
-            <a:ext cx="2185060" cy="323403"/>
-          </a:xfrm>
-          <a:prstGeom prst="rect">
-            <a:avLst/>
-          </a:prstGeom>
-          <a:solidFill>
-            <a:srgbClr val="F795EA"/>
-          </a:solidFill>
-          <a:ln>
-            <a:noFill/>
-          </a:ln>
-        </p:spPr>
-        <p:style>
-          <a:lnRef idx="2">
-            <a:schemeClr val="dk1">
-              <a:shade val="50000"/>
-            </a:schemeClr>
-          </a:lnRef>
-          <a:fillRef idx="1">
-            <a:schemeClr val="dk1"/>
-          </a:fillRef>
-          <a:effectRef idx="0">
-            <a:schemeClr val="dk1"/>
-          </a:effectRef>
-          <a:fontRef idx="minor">
-            <a:schemeClr val="lt1"/>
-          </a:fontRef>
-        </p:style>
-        <p:txBody>
-          <a:bodyPr rtlCol="0" anchor="ctr"/>
-          <a:lstStyle/>
-          <a:p>
-            <a:pPr algn="ctr"/>
-            <a:r>
-              <a:rPr lang="en-US" sz="1200" dirty="0">
-                <a:latin typeface="Amazon Ember Light" panose="020B0403020204020204" pitchFamily="34" charset="0"/>
-                <a:ea typeface="Amazon Ember Light" panose="020B0403020204020204" pitchFamily="34" charset="0"/>
-                <a:cs typeface="Amazon Ember Light" panose="020B0403020204020204" pitchFamily="34" charset="0"/>
-              </a:rPr>
-              <a:t>Feature Relevance</a:t>
+              <a:t>Unit Change Attribution</a:t>
             </a:r>
           </a:p>
         </p:txBody>
@@ -5206,8 +5008,8 @@
         </p:nvCxnSpPr>
         <p:spPr>
           <a:xfrm>
-            <a:off x="3004456" y="2687582"/>
-            <a:ext cx="575953" cy="0"/>
+            <a:off x="2851181" y="2185109"/>
+            <a:ext cx="557784" cy="0"/>
           </a:xfrm>
           <a:prstGeom prst="straightConnector1">
             <a:avLst/>
@@ -5247,8 +5049,8 @@
         </p:nvCxnSpPr>
         <p:spPr>
           <a:xfrm>
-            <a:off x="8077368" y="2687582"/>
-            <a:ext cx="515806" cy="0"/>
+            <a:off x="7911072" y="2185109"/>
+            <a:ext cx="515807" cy="0"/>
           </a:xfrm>
           <a:prstGeom prst="straightConnector1">
             <a:avLst/>
@@ -5272,396 +5074,6 @@
           </a:fontRef>
         </p:style>
       </p:cxnSp>
-      <p:grpSp>
-        <p:nvGrpSpPr>
-          <p:cNvPr id="93" name="Group 92">
-            <a:extLst>
-              <a:ext uri="{FF2B5EF4-FFF2-40B4-BE49-F238E27FC236}">
-                <a16:creationId xmlns:a16="http://schemas.microsoft.com/office/drawing/2014/main" id="{C702763C-C608-1191-27A1-0ECB01A8A061}"/>
-              </a:ext>
-            </a:extLst>
-          </p:cNvPr>
-          <p:cNvGrpSpPr/>
-          <p:nvPr/>
-        </p:nvGrpSpPr>
-        <p:grpSpPr>
-          <a:xfrm>
-            <a:off x="4090802" y="2598564"/>
-            <a:ext cx="941720" cy="1409057"/>
-            <a:chOff x="4125528" y="2471242"/>
-            <a:chExt cx="941720" cy="1409057"/>
-          </a:xfrm>
-        </p:grpSpPr>
-        <p:sp>
-          <p:nvSpPr>
-            <p:cNvPr id="37" name="Oval 36">
-              <a:extLst>
-                <a:ext uri="{FF2B5EF4-FFF2-40B4-BE49-F238E27FC236}">
-                  <a16:creationId xmlns:a16="http://schemas.microsoft.com/office/drawing/2014/main" id="{274F0D88-F8AF-7445-A901-66BC494DDB41}"/>
-                </a:ext>
-              </a:extLst>
-            </p:cNvPr>
-            <p:cNvSpPr/>
-            <p:nvPr/>
-          </p:nvSpPr>
-          <p:spPr>
-            <a:xfrm>
-              <a:off x="4125528" y="3032597"/>
-              <a:ext cx="291344" cy="291344"/>
-            </a:xfrm>
-            <a:prstGeom prst="ellipse">
-              <a:avLst/>
-            </a:prstGeom>
-            <a:solidFill>
-              <a:schemeClr val="bg1"/>
-            </a:solidFill>
-            <a:ln w="15875">
-              <a:solidFill>
-                <a:schemeClr val="tx1"/>
-              </a:solidFill>
-            </a:ln>
-          </p:spPr>
-          <p:style>
-            <a:lnRef idx="2">
-              <a:schemeClr val="accent1">
-                <a:shade val="50000"/>
-              </a:schemeClr>
-            </a:lnRef>
-            <a:fillRef idx="1">
-              <a:schemeClr val="accent1"/>
-            </a:fillRef>
-            <a:effectRef idx="0">
-              <a:schemeClr val="accent1"/>
-            </a:effectRef>
-            <a:fontRef idx="minor">
-              <a:schemeClr val="lt1"/>
-            </a:fontRef>
-          </p:style>
-          <p:txBody>
-            <a:bodyPr rtlCol="0" anchor="ctr"/>
-            <a:lstStyle/>
-            <a:p>
-              <a:pPr algn="ctr"/>
-              <a:endParaRPr lang="en-US">
-                <a:latin typeface="Amazon Ember Light" panose="020B0403020204020204" pitchFamily="34" charset="0"/>
-                <a:ea typeface="Amazon Ember Light" panose="020B0403020204020204" pitchFamily="34" charset="0"/>
-                <a:cs typeface="Amazon Ember Light" panose="020B0403020204020204" pitchFamily="34" charset="0"/>
-              </a:endParaRPr>
-            </a:p>
-          </p:txBody>
-        </p:sp>
-        <p:sp>
-          <p:nvSpPr>
-            <p:cNvPr id="38" name="Oval 37">
-              <a:extLst>
-                <a:ext uri="{FF2B5EF4-FFF2-40B4-BE49-F238E27FC236}">
-                  <a16:creationId xmlns:a16="http://schemas.microsoft.com/office/drawing/2014/main" id="{F7E6BCD6-20AC-C27E-16A4-DBDAA39C0CC5}"/>
-                </a:ext>
-              </a:extLst>
-            </p:cNvPr>
-            <p:cNvSpPr/>
-            <p:nvPr/>
-          </p:nvSpPr>
-          <p:spPr>
-            <a:xfrm>
-              <a:off x="4775904" y="3032597"/>
-              <a:ext cx="291344" cy="291344"/>
-            </a:xfrm>
-            <a:prstGeom prst="ellipse">
-              <a:avLst/>
-            </a:prstGeom>
-            <a:solidFill>
-              <a:schemeClr val="bg1"/>
-            </a:solidFill>
-            <a:ln w="15875">
-              <a:solidFill>
-                <a:schemeClr val="tx1"/>
-              </a:solidFill>
-            </a:ln>
-          </p:spPr>
-          <p:style>
-            <a:lnRef idx="2">
-              <a:schemeClr val="accent1">
-                <a:shade val="50000"/>
-              </a:schemeClr>
-            </a:lnRef>
-            <a:fillRef idx="1">
-              <a:schemeClr val="accent1"/>
-            </a:fillRef>
-            <a:effectRef idx="0">
-              <a:schemeClr val="accent1"/>
-            </a:effectRef>
-            <a:fontRef idx="minor">
-              <a:schemeClr val="lt1"/>
-            </a:fontRef>
-          </p:style>
-          <p:txBody>
-            <a:bodyPr rtlCol="0" anchor="ctr"/>
-            <a:lstStyle/>
-            <a:p>
-              <a:pPr algn="ctr"/>
-              <a:endParaRPr lang="en-US">
-                <a:latin typeface="Amazon Ember Light" panose="020B0403020204020204" pitchFamily="34" charset="0"/>
-                <a:ea typeface="Amazon Ember Light" panose="020B0403020204020204" pitchFamily="34" charset="0"/>
-                <a:cs typeface="Amazon Ember Light" panose="020B0403020204020204" pitchFamily="34" charset="0"/>
-              </a:endParaRPr>
-            </a:p>
-          </p:txBody>
-        </p:sp>
-        <p:cxnSp>
-          <p:nvCxnSpPr>
-            <p:cNvPr id="40" name="Straight Arrow Connector 39">
-              <a:extLst>
-                <a:ext uri="{FF2B5EF4-FFF2-40B4-BE49-F238E27FC236}">
-                  <a16:creationId xmlns:a16="http://schemas.microsoft.com/office/drawing/2014/main" id="{ECBE4E21-D888-ED04-764B-DC9C7ABF93E4}"/>
-                </a:ext>
-              </a:extLst>
-            </p:cNvPr>
-            <p:cNvCxnSpPr>
-              <a:stCxn id="37" idx="6"/>
-              <a:endCxn id="38" idx="2"/>
-            </p:cNvCxnSpPr>
-            <p:nvPr/>
-          </p:nvCxnSpPr>
-          <p:spPr>
-            <a:xfrm>
-              <a:off x="4416872" y="3178269"/>
-              <a:ext cx="359032" cy="0"/>
-            </a:xfrm>
-            <a:prstGeom prst="straightConnector1">
-              <a:avLst/>
-            </a:prstGeom>
-            <a:ln w="15875">
-              <a:solidFill>
-                <a:schemeClr val="tx1"/>
-              </a:solidFill>
-              <a:tailEnd type="triangle"/>
-            </a:ln>
-          </p:spPr>
-          <p:style>
-            <a:lnRef idx="1">
-              <a:schemeClr val="accent1"/>
-            </a:lnRef>
-            <a:fillRef idx="0">
-              <a:schemeClr val="accent1"/>
-            </a:fillRef>
-            <a:effectRef idx="0">
-              <a:schemeClr val="accent1"/>
-            </a:effectRef>
-            <a:fontRef idx="minor">
-              <a:schemeClr val="tx1"/>
-            </a:fontRef>
-          </p:style>
-        </p:cxnSp>
-        <p:sp>
-          <p:nvSpPr>
-            <p:cNvPr id="41" name="Oval 40">
-              <a:extLst>
-                <a:ext uri="{FF2B5EF4-FFF2-40B4-BE49-F238E27FC236}">
-                  <a16:creationId xmlns:a16="http://schemas.microsoft.com/office/drawing/2014/main" id="{C095E9FB-2D9A-365A-E56B-8BD27E6E7F63}"/>
-                </a:ext>
-              </a:extLst>
-            </p:cNvPr>
-            <p:cNvSpPr/>
-            <p:nvPr/>
-          </p:nvSpPr>
-          <p:spPr>
-            <a:xfrm>
-              <a:off x="4125528" y="3588955"/>
-              <a:ext cx="291344" cy="291344"/>
-            </a:xfrm>
-            <a:prstGeom prst="ellipse">
-              <a:avLst/>
-            </a:prstGeom>
-            <a:solidFill>
-              <a:schemeClr val="bg1"/>
-            </a:solidFill>
-            <a:ln w="15875">
-              <a:solidFill>
-                <a:schemeClr val="tx1"/>
-              </a:solidFill>
-            </a:ln>
-          </p:spPr>
-          <p:style>
-            <a:lnRef idx="2">
-              <a:schemeClr val="accent1">
-                <a:shade val="50000"/>
-              </a:schemeClr>
-            </a:lnRef>
-            <a:fillRef idx="1">
-              <a:schemeClr val="accent1"/>
-            </a:fillRef>
-            <a:effectRef idx="0">
-              <a:schemeClr val="accent1"/>
-            </a:effectRef>
-            <a:fontRef idx="minor">
-              <a:schemeClr val="lt1"/>
-            </a:fontRef>
-          </p:style>
-          <p:txBody>
-            <a:bodyPr rtlCol="0" anchor="ctr"/>
-            <a:lstStyle/>
-            <a:p>
-              <a:pPr algn="ctr"/>
-              <a:endParaRPr lang="en-US">
-                <a:latin typeface="Amazon Ember Light" panose="020B0403020204020204" pitchFamily="34" charset="0"/>
-                <a:ea typeface="Amazon Ember Light" panose="020B0403020204020204" pitchFamily="34" charset="0"/>
-                <a:cs typeface="Amazon Ember Light" panose="020B0403020204020204" pitchFamily="34" charset="0"/>
-              </a:endParaRPr>
-            </a:p>
-          </p:txBody>
-        </p:sp>
-        <p:cxnSp>
-          <p:nvCxnSpPr>
-            <p:cNvPr id="42" name="Straight Arrow Connector 41">
-              <a:extLst>
-                <a:ext uri="{FF2B5EF4-FFF2-40B4-BE49-F238E27FC236}">
-                  <a16:creationId xmlns:a16="http://schemas.microsoft.com/office/drawing/2014/main" id="{90A97D50-976B-CE03-EC8B-E55287E828A0}"/>
-                </a:ext>
-              </a:extLst>
-            </p:cNvPr>
-            <p:cNvCxnSpPr>
-              <a:cxnSpLocks/>
-              <a:stCxn id="41" idx="7"/>
-              <a:endCxn id="38" idx="3"/>
-            </p:cNvCxnSpPr>
-            <p:nvPr/>
-          </p:nvCxnSpPr>
-          <p:spPr>
-            <a:xfrm flipV="1">
-              <a:off x="4374206" y="3281275"/>
-              <a:ext cx="444364" cy="350346"/>
-            </a:xfrm>
-            <a:prstGeom prst="straightConnector1">
-              <a:avLst/>
-            </a:prstGeom>
-            <a:ln w="15875">
-              <a:solidFill>
-                <a:schemeClr val="tx1"/>
-              </a:solidFill>
-              <a:tailEnd type="triangle"/>
-            </a:ln>
-          </p:spPr>
-          <p:style>
-            <a:lnRef idx="1">
-              <a:schemeClr val="accent1"/>
-            </a:lnRef>
-            <a:fillRef idx="0">
-              <a:schemeClr val="accent1"/>
-            </a:fillRef>
-            <a:effectRef idx="0">
-              <a:schemeClr val="accent1"/>
-            </a:effectRef>
-            <a:fontRef idx="minor">
-              <a:schemeClr val="tx1"/>
-            </a:fontRef>
-          </p:style>
-        </p:cxnSp>
-        <p:sp>
-          <p:nvSpPr>
-            <p:cNvPr id="39" name="Oval 38">
-              <a:extLst>
-                <a:ext uri="{FF2B5EF4-FFF2-40B4-BE49-F238E27FC236}">
-                  <a16:creationId xmlns:a16="http://schemas.microsoft.com/office/drawing/2014/main" id="{60612B07-AA28-32E3-0058-EE9FACF66F59}"/>
-                </a:ext>
-              </a:extLst>
-            </p:cNvPr>
-            <p:cNvSpPr/>
-            <p:nvPr/>
-          </p:nvSpPr>
-          <p:spPr>
-            <a:xfrm>
-              <a:off x="4125528" y="2471242"/>
-              <a:ext cx="291344" cy="291344"/>
-            </a:xfrm>
-            <a:prstGeom prst="ellipse">
-              <a:avLst/>
-            </a:prstGeom>
-            <a:solidFill>
-              <a:schemeClr val="bg1"/>
-            </a:solidFill>
-            <a:ln w="15875">
-              <a:solidFill>
-                <a:schemeClr val="tx1"/>
-              </a:solidFill>
-            </a:ln>
-          </p:spPr>
-          <p:style>
-            <a:lnRef idx="2">
-              <a:schemeClr val="accent1">
-                <a:shade val="50000"/>
-              </a:schemeClr>
-            </a:lnRef>
-            <a:fillRef idx="1">
-              <a:schemeClr val="accent1"/>
-            </a:fillRef>
-            <a:effectRef idx="0">
-              <a:schemeClr val="accent1"/>
-            </a:effectRef>
-            <a:fontRef idx="minor">
-              <a:schemeClr val="lt1"/>
-            </a:fontRef>
-          </p:style>
-          <p:txBody>
-            <a:bodyPr rtlCol="0" anchor="ctr"/>
-            <a:lstStyle/>
-            <a:p>
-              <a:pPr algn="ctr"/>
-              <a:endParaRPr lang="en-US">
-                <a:latin typeface="Amazon Ember Light" panose="020B0403020204020204" pitchFamily="34" charset="0"/>
-                <a:ea typeface="Amazon Ember Light" panose="020B0403020204020204" pitchFamily="34" charset="0"/>
-                <a:cs typeface="Amazon Ember Light" panose="020B0403020204020204" pitchFamily="34" charset="0"/>
-              </a:endParaRPr>
-            </a:p>
-          </p:txBody>
-        </p:sp>
-        <p:cxnSp>
-          <p:nvCxnSpPr>
-            <p:cNvPr id="43" name="Straight Arrow Connector 42">
-              <a:extLst>
-                <a:ext uri="{FF2B5EF4-FFF2-40B4-BE49-F238E27FC236}">
-                  <a16:creationId xmlns:a16="http://schemas.microsoft.com/office/drawing/2014/main" id="{D806F934-F62A-4D4E-5287-CF11F075BCF6}"/>
-                </a:ext>
-              </a:extLst>
-            </p:cNvPr>
-            <p:cNvCxnSpPr>
-              <a:cxnSpLocks/>
-              <a:stCxn id="39" idx="5"/>
-              <a:endCxn id="38" idx="1"/>
-            </p:cNvCxnSpPr>
-            <p:nvPr/>
-          </p:nvCxnSpPr>
-          <p:spPr>
-            <a:xfrm>
-              <a:off x="4374206" y="2719920"/>
-              <a:ext cx="444364" cy="355343"/>
-            </a:xfrm>
-            <a:prstGeom prst="straightConnector1">
-              <a:avLst/>
-            </a:prstGeom>
-            <a:ln w="15875">
-              <a:solidFill>
-                <a:schemeClr val="tx1"/>
-              </a:solidFill>
-              <a:tailEnd type="triangle"/>
-            </a:ln>
-          </p:spPr>
-          <p:style>
-            <a:lnRef idx="1">
-              <a:schemeClr val="accent1"/>
-            </a:lnRef>
-            <a:fillRef idx="0">
-              <a:schemeClr val="accent1"/>
-            </a:fillRef>
-            <a:effectRef idx="0">
-              <a:schemeClr val="accent1"/>
-            </a:effectRef>
-            <a:fontRef idx="minor">
-              <a:schemeClr val="tx1"/>
-            </a:fontRef>
-          </p:style>
-        </p:cxnSp>
-      </p:grpSp>
       <p:cxnSp>
         <p:nvCxnSpPr>
           <p:cNvPr id="25" name="Straight Arrow Connector 24">
@@ -5678,8 +5090,8 @@
         </p:nvCxnSpPr>
         <p:spPr>
           <a:xfrm>
-            <a:off x="5660394" y="1864251"/>
-            <a:ext cx="2932780" cy="0"/>
+            <a:off x="5494100" y="899533"/>
+            <a:ext cx="309528" cy="0"/>
           </a:xfrm>
           <a:prstGeom prst="straightConnector1">
             <a:avLst/>
@@ -5718,9 +5130,9 @@
           <p:nvPr/>
         </p:nvCxnSpPr>
         <p:spPr>
-          <a:xfrm>
-            <a:off x="3004456" y="1864251"/>
-            <a:ext cx="575953" cy="0"/>
+          <a:xfrm flipV="1">
+            <a:off x="2851181" y="899533"/>
+            <a:ext cx="557784" cy="2282"/>
           </a:xfrm>
           <a:prstGeom prst="straightConnector1">
             <a:avLst/>
@@ -5760,8 +5172,8 @@
         </p:nvCxnSpPr>
         <p:spPr>
           <a:xfrm>
-            <a:off x="3004456" y="3844674"/>
-            <a:ext cx="575953" cy="0"/>
+            <a:off x="2851181" y="3451668"/>
+            <a:ext cx="557784" cy="0"/>
           </a:xfrm>
           <a:prstGeom prst="straightConnector1">
             <a:avLst/>
@@ -5801,8 +5213,8 @@
         </p:nvCxnSpPr>
         <p:spPr>
           <a:xfrm>
-            <a:off x="3004456" y="3429000"/>
-            <a:ext cx="575953" cy="0"/>
+            <a:off x="2851181" y="3031919"/>
+            <a:ext cx="557784" cy="0"/>
           </a:xfrm>
           <a:prstGeom prst="straightConnector1">
             <a:avLst/>
@@ -5842,8 +5254,8 @@
         </p:nvCxnSpPr>
         <p:spPr>
           <a:xfrm>
-            <a:off x="3002476" y="4396624"/>
-            <a:ext cx="575953" cy="0"/>
+            <a:off x="2851181" y="3911005"/>
+            <a:ext cx="557784" cy="0"/>
           </a:xfrm>
           <a:prstGeom prst="straightConnector1">
             <a:avLst/>
@@ -5883,49 +5295,8 @@
         </p:nvCxnSpPr>
         <p:spPr>
           <a:xfrm>
-            <a:off x="3000496" y="4786529"/>
-            <a:ext cx="575953" cy="0"/>
-          </a:xfrm>
-          <a:prstGeom prst="straightConnector1">
-            <a:avLst/>
-          </a:prstGeom>
-          <a:ln>
-            <a:tailEnd type="triangle"/>
-          </a:ln>
-        </p:spPr>
-        <p:style>
-          <a:lnRef idx="3">
-            <a:schemeClr val="accent2"/>
-          </a:lnRef>
-          <a:fillRef idx="0">
-            <a:schemeClr val="accent2"/>
-          </a:fillRef>
-          <a:effectRef idx="2">
-            <a:schemeClr val="accent2"/>
-          </a:effectRef>
-          <a:fontRef idx="minor">
-            <a:schemeClr val="tx1"/>
-          </a:fontRef>
-        </p:style>
-      </p:cxnSp>
-      <p:cxnSp>
-        <p:nvCxnSpPr>
-          <p:cNvPr id="59" name="Straight Arrow Connector 58">
-            <a:extLst>
-              <a:ext uri="{FF2B5EF4-FFF2-40B4-BE49-F238E27FC236}">
-                <a16:creationId xmlns:a16="http://schemas.microsoft.com/office/drawing/2014/main" id="{BF36843D-F02D-4CF9-50CA-E49F280083A8}"/>
-              </a:ext>
-            </a:extLst>
-          </p:cNvPr>
-          <p:cNvCxnSpPr>
-            <a:cxnSpLocks/>
-          </p:cNvCxnSpPr>
-          <p:nvPr/>
-        </p:nvCxnSpPr>
-        <p:spPr>
-          <a:xfrm>
-            <a:off x="2998516" y="5176434"/>
-            <a:ext cx="575953" cy="0"/>
+            <a:off x="2851181" y="4330754"/>
+            <a:ext cx="557784" cy="0"/>
           </a:xfrm>
           <a:prstGeom prst="straightConnector1">
             <a:avLst/>
@@ -5965,8 +5336,8 @@
         </p:nvCxnSpPr>
         <p:spPr>
           <a:xfrm>
-            <a:off x="5660394" y="3816108"/>
-            <a:ext cx="309535" cy="0"/>
+            <a:off x="5494093" y="3451668"/>
+            <a:ext cx="302296" cy="0"/>
           </a:xfrm>
           <a:prstGeom prst="straightConnector1">
             <a:avLst/>
@@ -6006,7 +5377,7 @@
         </p:nvCxnSpPr>
         <p:spPr>
           <a:xfrm>
-            <a:off x="5660394" y="4364468"/>
+            <a:off x="5494100" y="3911005"/>
             <a:ext cx="309535" cy="0"/>
           </a:xfrm>
           <a:prstGeom prst="straightConnector1">
@@ -6047,7 +5418,7 @@
         </p:nvCxnSpPr>
         <p:spPr>
           <a:xfrm>
-            <a:off x="5660394" y="4750783"/>
+            <a:off x="5494100" y="4328763"/>
             <a:ext cx="309535" cy="0"/>
           </a:xfrm>
           <a:prstGeom prst="straightConnector1">
@@ -6083,13 +5454,14 @@
           </p:cNvPr>
           <p:cNvCxnSpPr>
             <a:cxnSpLocks/>
+            <a:stCxn id="28" idx="3"/>
           </p:cNvCxnSpPr>
           <p:nvPr/>
         </p:nvCxnSpPr>
         <p:spPr>
           <a:xfrm>
-            <a:off x="5660394" y="5137098"/>
-            <a:ext cx="309535" cy="0"/>
+            <a:off x="2852572" y="4750501"/>
+            <a:ext cx="2945564" cy="2"/>
           </a:xfrm>
           <a:prstGeom prst="straightConnector1">
             <a:avLst/>
@@ -6129,49 +5501,8 @@
         </p:nvCxnSpPr>
         <p:spPr>
           <a:xfrm>
-            <a:off x="5660394" y="2689063"/>
+            <a:off x="5494100" y="2186590"/>
             <a:ext cx="309535" cy="0"/>
-          </a:xfrm>
-          <a:prstGeom prst="straightConnector1">
-            <a:avLst/>
-          </a:prstGeom>
-          <a:ln>
-            <a:tailEnd type="triangle"/>
-          </a:ln>
-        </p:spPr>
-        <p:style>
-          <a:lnRef idx="3">
-            <a:schemeClr val="accent2"/>
-          </a:lnRef>
-          <a:fillRef idx="0">
-            <a:schemeClr val="accent2"/>
-          </a:fillRef>
-          <a:effectRef idx="2">
-            <a:schemeClr val="accent2"/>
-          </a:effectRef>
-          <a:fontRef idx="minor">
-            <a:schemeClr val="tx1"/>
-          </a:fontRef>
-        </p:style>
-      </p:cxnSp>
-      <p:cxnSp>
-        <p:nvCxnSpPr>
-          <p:cNvPr id="75" name="Straight Arrow Connector 74">
-            <a:extLst>
-              <a:ext uri="{FF2B5EF4-FFF2-40B4-BE49-F238E27FC236}">
-                <a16:creationId xmlns:a16="http://schemas.microsoft.com/office/drawing/2014/main" id="{31F4A837-4E42-6042-5001-7EC4E0D6326C}"/>
-              </a:ext>
-            </a:extLst>
-          </p:cNvPr>
-          <p:cNvCxnSpPr>
-            <a:cxnSpLocks/>
-          </p:cNvCxnSpPr>
-          <p:nvPr/>
-        </p:nvCxnSpPr>
-        <p:spPr>
-          <a:xfrm>
-            <a:off x="2992407" y="6024863"/>
-            <a:ext cx="5612342" cy="0"/>
           </a:xfrm>
           <a:prstGeom prst="straightConnector1">
             <a:avLst/>
@@ -6211,8 +5542,8 @@
         </p:nvCxnSpPr>
         <p:spPr>
           <a:xfrm>
-            <a:off x="8093006" y="3431718"/>
-            <a:ext cx="500168" cy="0"/>
+            <a:off x="7911072" y="3031919"/>
+            <a:ext cx="499385" cy="0"/>
           </a:xfrm>
           <a:prstGeom prst="straightConnector1">
             <a:avLst/>
@@ -6252,8 +5583,8 @@
         </p:nvCxnSpPr>
         <p:spPr>
           <a:xfrm>
-            <a:off x="8093006" y="3818033"/>
-            <a:ext cx="500168" cy="0"/>
+            <a:off x="7926694" y="3451483"/>
+            <a:ext cx="483756" cy="0"/>
           </a:xfrm>
           <a:prstGeom prst="straightConnector1">
             <a:avLst/>
@@ -6293,8 +5624,8 @@
         </p:nvCxnSpPr>
         <p:spPr>
           <a:xfrm>
-            <a:off x="8093006" y="4366393"/>
-            <a:ext cx="500168" cy="0"/>
+            <a:off x="7911072" y="3911005"/>
+            <a:ext cx="515797" cy="0"/>
           </a:xfrm>
           <a:prstGeom prst="straightConnector1">
             <a:avLst/>
@@ -6318,6 +5649,67 @@
           </a:fontRef>
         </p:style>
       </p:cxnSp>
+      <p:sp>
+        <p:nvSpPr>
+          <p:cNvPr id="7" name="Rectangle 6">
+            <a:extLst>
+              <a:ext uri="{FF2B5EF4-FFF2-40B4-BE49-F238E27FC236}">
+                <a16:creationId xmlns:a16="http://schemas.microsoft.com/office/drawing/2014/main" id="{85B08399-56DA-BE6E-F267-BEDE7A87E676}"/>
+              </a:ext>
+            </a:extLst>
+          </p:cNvPr>
+          <p:cNvSpPr/>
+          <p:nvPr/>
+        </p:nvSpPr>
+        <p:spPr>
+          <a:xfrm>
+            <a:off x="141619" y="738633"/>
+            <a:ext cx="2805663" cy="803004"/>
+          </a:xfrm>
+          <a:prstGeom prst="rect">
+            <a:avLst/>
+          </a:prstGeom>
+          <a:solidFill>
+            <a:schemeClr val="tx1">
+              <a:alpha val="23962"/>
+            </a:schemeClr>
+          </a:solidFill>
+          <a:ln>
+            <a:noFill/>
+          </a:ln>
+        </p:spPr>
+        <p:style>
+          <a:lnRef idx="2">
+            <a:schemeClr val="accent1">
+              <a:shade val="50000"/>
+            </a:schemeClr>
+          </a:lnRef>
+          <a:fillRef idx="1">
+            <a:schemeClr val="accent1"/>
+          </a:fillRef>
+          <a:effectRef idx="0">
+            <a:schemeClr val="accent1"/>
+          </a:effectRef>
+          <a:fontRef idx="minor">
+            <a:schemeClr val="lt1"/>
+          </a:fontRef>
+        </p:style>
+        <p:txBody>
+          <a:bodyPr vert="vert270" rtlCol="0" anchor="t"/>
+          <a:lstStyle/>
+          <a:p>
+            <a:pPr algn="ctr"/>
+            <a:r>
+              <a:rPr lang="en-US" sz="1200" dirty="0">
+                <a:latin typeface="Amazon Ember Light" panose="020B0403020204020204" pitchFamily="34" charset="0"/>
+                <a:ea typeface="Amazon Ember Light" panose="020B0403020204020204" pitchFamily="34" charset="0"/>
+                <a:cs typeface="Amazon Ember Light" panose="020B0403020204020204" pitchFamily="34" charset="0"/>
+              </a:rPr>
+              <a:t>Effect estimation</a:t>
+            </a:r>
+          </a:p>
+        </p:txBody>
+      </p:sp>
       <p:cxnSp>
         <p:nvCxnSpPr>
           <p:cNvPr id="81" name="Straight Arrow Connector 80">
@@ -6334,8 +5726,8 @@
         </p:nvCxnSpPr>
         <p:spPr>
           <a:xfrm>
-            <a:off x="8093006" y="4752708"/>
-            <a:ext cx="500168" cy="0"/>
+            <a:off x="7911072" y="4328763"/>
+            <a:ext cx="515797" cy="0"/>
           </a:xfrm>
           <a:prstGeom prst="straightConnector1">
             <a:avLst/>
@@ -6375,8 +5767,8 @@
         </p:nvCxnSpPr>
         <p:spPr>
           <a:xfrm>
-            <a:off x="8093006" y="5139023"/>
-            <a:ext cx="500168" cy="0"/>
+            <a:off x="7911072" y="4750503"/>
+            <a:ext cx="2243907" cy="1499"/>
           </a:xfrm>
           <a:prstGeom prst="straightConnector1">
             <a:avLst/>
@@ -6414,8 +5806,8 @@
         </p:nvSpPr>
         <p:spPr>
           <a:xfrm>
-            <a:off x="8593174" y="3140482"/>
-            <a:ext cx="3294025" cy="939136"/>
+            <a:off x="10154979" y="2866965"/>
+            <a:ext cx="1565925" cy="744725"/>
           </a:xfrm>
           <a:prstGeom prst="rect">
             <a:avLst/>
@@ -6441,22 +5833,11 @@
           </a:fontRef>
         </p:style>
         <p:txBody>
-          <a:bodyPr lIns="180000" tIns="180000" rIns="180000" bIns="180000" rtlCol="0" anchor="t"/>
+          <a:bodyPr lIns="180000" tIns="180000" rIns="180000" bIns="180000" rtlCol="0" anchor="ctr" anchorCtr="0"/>
           <a:lstStyle/>
           <a:p>
             <a:r>
               <a:rPr lang="en-US" sz="1200" dirty="0">
-                <a:latin typeface="Amazon Ember Light" panose="020B0403020204020204" pitchFamily="34" charset="0"/>
-                <a:ea typeface="Amazon Ember Light" panose="020B0403020204020204" pitchFamily="34" charset="0"/>
-                <a:cs typeface="Amazon Ember Light" panose="020B0403020204020204" pitchFamily="34" charset="0"/>
-              </a:rPr>
-              <a:t>Section:</a:t>
-            </a:r>
-          </a:p>
-          <a:p>
-            <a:r>
-              <a:rPr lang="en-US" sz="1200" dirty="0">
-                <a:effectLst/>
                 <a:latin typeface="Amazon Ember" panose="020B0603020204020204" pitchFamily="34" charset="0"/>
                 <a:ea typeface="Amazon Ember" panose="020B0603020204020204" pitchFamily="34" charset="0"/>
                 <a:cs typeface="Amazon Ember" panose="020B0603020204020204" pitchFamily="34" charset="0"/>
@@ -6480,8 +5861,8 @@
         </p:nvSpPr>
         <p:spPr>
           <a:xfrm>
-            <a:off x="8593174" y="4164118"/>
-            <a:ext cx="3294025" cy="2121723"/>
+            <a:off x="10154979" y="3750993"/>
+            <a:ext cx="1565925" cy="1575296"/>
           </a:xfrm>
           <a:prstGeom prst="rect">
             <a:avLst/>
@@ -6507,32 +5888,2285 @@
           </a:fontRef>
         </p:style>
         <p:txBody>
-          <a:bodyPr lIns="180000" tIns="180000" rIns="180000" bIns="180000" rtlCol="0" anchor="t"/>
-          <a:lstStyle/>
-          <a:p>
+          <a:bodyPr lIns="180000" tIns="180000" rIns="180000" bIns="180000" rtlCol="0" anchor="ctr" anchorCtr="0"/>
+          <a:lstStyle/>
+          <a:p>
+            <a:pPr algn="l"/>
+            <a:r>
+              <a:rPr lang="en-US" sz="1200" dirty="0">
+                <a:latin typeface="Amazon Ember" panose="020B0603020204020204" pitchFamily="34" charset="0"/>
+                <a:ea typeface="Amazon Ember" panose="020B0603020204020204" pitchFamily="34" charset="0"/>
+                <a:cs typeface="Amazon Ember" panose="020B0603020204020204" pitchFamily="34" charset="0"/>
+              </a:rPr>
+              <a:t>Root-Causing and Explaining Observed Effects</a:t>
+            </a:r>
+          </a:p>
+        </p:txBody>
+      </p:sp>
+      <p:sp>
+        <p:nvSpPr>
+          <p:cNvPr id="2" name="Rectangle 1">
+            <a:extLst>
+              <a:ext uri="{FF2B5EF4-FFF2-40B4-BE49-F238E27FC236}">
+                <a16:creationId xmlns:a16="http://schemas.microsoft.com/office/drawing/2014/main" id="{2FDC1706-29E1-0532-213B-230B51CBC694}"/>
+              </a:ext>
+            </a:extLst>
+          </p:cNvPr>
+          <p:cNvSpPr/>
+          <p:nvPr/>
+        </p:nvSpPr>
+        <p:spPr>
+          <a:xfrm>
+            <a:off x="10145840" y="777022"/>
+            <a:ext cx="1612545" cy="1162456"/>
+          </a:xfrm>
+          <a:prstGeom prst="rect">
+            <a:avLst/>
+          </a:prstGeom>
+          <a:solidFill>
+            <a:schemeClr val="tx1">
+              <a:alpha val="50000"/>
+            </a:schemeClr>
+          </a:solidFill>
+          <a:ln>
+            <a:noFill/>
+          </a:ln>
+        </p:spPr>
+        <p:style>
+          <a:lnRef idx="2">
+            <a:schemeClr val="accent1">
+              <a:shade val="50000"/>
+            </a:schemeClr>
+          </a:lnRef>
+          <a:fillRef idx="1">
+            <a:schemeClr val="accent1"/>
+          </a:fillRef>
+          <a:effectRef idx="0">
+            <a:schemeClr val="accent1"/>
+          </a:effectRef>
+          <a:fontRef idx="minor">
+            <a:schemeClr val="lt1"/>
+          </a:fontRef>
+        </p:style>
+        <p:txBody>
+          <a:bodyPr lIns="180000" tIns="180000" rIns="180000" bIns="180000" rtlCol="0" anchor="ctr" anchorCtr="0"/>
+          <a:lstStyle/>
+          <a:p>
+            <a:r>
+              <a:rPr lang="en-US" sz="1100" dirty="0">
+                <a:latin typeface="Amazon Ember Light" panose="020B0403020204020204" pitchFamily="34" charset="0"/>
+                <a:ea typeface="Amazon Ember Light" panose="020B0403020204020204" pitchFamily="34" charset="0"/>
+                <a:cs typeface="Amazon Ember Light" panose="020B0403020204020204" pitchFamily="34" charset="0"/>
+              </a:rPr>
+              <a:t>Recommended</a:t>
+            </a:r>
             <a:r>
               <a:rPr lang="en-US" sz="1200" dirty="0">
                 <a:latin typeface="Amazon Ember Light" panose="020B0403020204020204" pitchFamily="34" charset="0"/>
                 <a:ea typeface="Amazon Ember Light" panose="020B0403020204020204" pitchFamily="34" charset="0"/>
                 <a:cs typeface="Amazon Ember Light" panose="020B0403020204020204" pitchFamily="34" charset="0"/>
               </a:rPr>
-              <a:t>Section:</a:t>
-            </a:r>
-          </a:p>
-          <a:p>
-            <a:pPr algn="l"/>
+              <a:t>:</a:t>
+            </a:r>
+          </a:p>
+          <a:p>
             <a:r>
               <a:rPr lang="en-US" sz="1200" dirty="0">
-                <a:effectLst/>
                 <a:latin typeface="Amazon Ember" panose="020B0603020204020204" pitchFamily="34" charset="0"/>
                 <a:ea typeface="Amazon Ember" panose="020B0603020204020204" pitchFamily="34" charset="0"/>
                 <a:cs typeface="Amazon Ember" panose="020B0603020204020204" pitchFamily="34" charset="0"/>
               </a:rPr>
-              <a:t>Root-Causing and Explaining Observed Effects</a:t>
-            </a:r>
-          </a:p>
-        </p:txBody>
-      </p:sp>
+              <a:t>Refute estimation</a:t>
+            </a:r>
+          </a:p>
+        </p:txBody>
+      </p:sp>
+      <p:sp>
+        <p:nvSpPr>
+          <p:cNvPr id="26" name="Rectangle 25">
+            <a:extLst>
+              <a:ext uri="{FF2B5EF4-FFF2-40B4-BE49-F238E27FC236}">
+                <a16:creationId xmlns:a16="http://schemas.microsoft.com/office/drawing/2014/main" id="{3121302F-8B84-A07C-1804-B5C1F8D9C79F}"/>
+              </a:ext>
+            </a:extLst>
+          </p:cNvPr>
+          <p:cNvSpPr/>
+          <p:nvPr/>
+        </p:nvSpPr>
+        <p:spPr>
+          <a:xfrm>
+            <a:off x="8419924" y="2031627"/>
+            <a:ext cx="1615049" cy="2453909"/>
+          </a:xfrm>
+          <a:prstGeom prst="rect">
+            <a:avLst/>
+          </a:prstGeom>
+          <a:solidFill>
+            <a:schemeClr val="tx1">
+              <a:alpha val="50392"/>
+            </a:schemeClr>
+          </a:solidFill>
+          <a:ln>
+            <a:noFill/>
+          </a:ln>
+        </p:spPr>
+        <p:style>
+          <a:lnRef idx="2">
+            <a:schemeClr val="accent1">
+              <a:shade val="50000"/>
+            </a:schemeClr>
+          </a:lnRef>
+          <a:fillRef idx="1">
+            <a:schemeClr val="accent1"/>
+          </a:fillRef>
+          <a:effectRef idx="0">
+            <a:schemeClr val="accent1"/>
+          </a:effectRef>
+          <a:fontRef idx="minor">
+            <a:schemeClr val="lt1"/>
+          </a:fontRef>
+        </p:style>
+        <p:txBody>
+          <a:bodyPr lIns="180000" tIns="180000" rIns="180000" bIns="180000" rtlCol="0" anchor="ctr" anchorCtr="0"/>
+          <a:lstStyle/>
+          <a:p>
+            <a:r>
+              <a:rPr lang="en-US" sz="1100" dirty="0">
+                <a:latin typeface="Amazon Ember Light" panose="020B0403020204020204" pitchFamily="34" charset="0"/>
+                <a:ea typeface="Amazon Ember Light" panose="020B0403020204020204" pitchFamily="34" charset="0"/>
+                <a:cs typeface="Amazon Ember Light" panose="020B0403020204020204" pitchFamily="34" charset="0"/>
+              </a:rPr>
+              <a:t>Recommended:</a:t>
+            </a:r>
+          </a:p>
+          <a:p>
+            <a:r>
+              <a:rPr lang="en-US" sz="1200" dirty="0">
+                <a:latin typeface="Amazon Ember" panose="020B0603020204020204" pitchFamily="34" charset="0"/>
+                <a:ea typeface="Amazon Ember" panose="020B0603020204020204" pitchFamily="34" charset="0"/>
+                <a:cs typeface="Amazon Ember" panose="020B0603020204020204" pitchFamily="34" charset="0"/>
+              </a:rPr>
+              <a:t>Evaluate mechanisms and falsify graphical causal model</a:t>
+            </a:r>
+          </a:p>
+        </p:txBody>
+      </p:sp>
+      <p:cxnSp>
+        <p:nvCxnSpPr>
+          <p:cNvPr id="30" name="Straight Arrow Connector 29">
+            <a:extLst>
+              <a:ext uri="{FF2B5EF4-FFF2-40B4-BE49-F238E27FC236}">
+                <a16:creationId xmlns:a16="http://schemas.microsoft.com/office/drawing/2014/main" id="{5E82AC2F-903A-694E-4E0D-47DF7D6AA7FF}"/>
+              </a:ext>
+            </a:extLst>
+          </p:cNvPr>
+          <p:cNvCxnSpPr>
+            <a:cxnSpLocks/>
+          </p:cNvCxnSpPr>
+          <p:nvPr/>
+        </p:nvCxnSpPr>
+        <p:spPr>
+          <a:xfrm>
+            <a:off x="10040112" y="3027755"/>
+            <a:ext cx="109728" cy="0"/>
+          </a:xfrm>
+          <a:prstGeom prst="straightConnector1">
+            <a:avLst/>
+          </a:prstGeom>
+          <a:ln>
+            <a:tailEnd type="triangle"/>
+          </a:ln>
+        </p:spPr>
+        <p:style>
+          <a:lnRef idx="3">
+            <a:schemeClr val="accent2"/>
+          </a:lnRef>
+          <a:fillRef idx="0">
+            <a:schemeClr val="accent2"/>
+          </a:fillRef>
+          <a:effectRef idx="2">
+            <a:schemeClr val="accent2"/>
+          </a:effectRef>
+          <a:fontRef idx="minor">
+            <a:schemeClr val="tx1"/>
+          </a:fontRef>
+        </p:style>
+      </p:cxnSp>
+      <p:cxnSp>
+        <p:nvCxnSpPr>
+          <p:cNvPr id="107" name="Straight Arrow Connector 106">
+            <a:extLst>
+              <a:ext uri="{FF2B5EF4-FFF2-40B4-BE49-F238E27FC236}">
+                <a16:creationId xmlns:a16="http://schemas.microsoft.com/office/drawing/2014/main" id="{D0F1186D-72A5-B278-28E3-D0134F62139A}"/>
+              </a:ext>
+            </a:extLst>
+          </p:cNvPr>
+          <p:cNvCxnSpPr>
+            <a:cxnSpLocks/>
+          </p:cNvCxnSpPr>
+          <p:nvPr/>
+        </p:nvCxnSpPr>
+        <p:spPr>
+          <a:xfrm>
+            <a:off x="2851181" y="1772672"/>
+            <a:ext cx="557784" cy="0"/>
+          </a:xfrm>
+          <a:prstGeom prst="straightConnector1">
+            <a:avLst/>
+          </a:prstGeom>
+          <a:ln>
+            <a:tailEnd type="triangle"/>
+          </a:ln>
+        </p:spPr>
+        <p:style>
+          <a:lnRef idx="3">
+            <a:schemeClr val="accent2"/>
+          </a:lnRef>
+          <a:fillRef idx="0">
+            <a:schemeClr val="accent2"/>
+          </a:fillRef>
+          <a:effectRef idx="2">
+            <a:schemeClr val="accent2"/>
+          </a:effectRef>
+          <a:fontRef idx="minor">
+            <a:schemeClr val="tx1"/>
+          </a:fontRef>
+        </p:style>
+      </p:cxnSp>
+      <p:cxnSp>
+        <p:nvCxnSpPr>
+          <p:cNvPr id="33" name="Straight Arrow Connector 32">
+            <a:extLst>
+              <a:ext uri="{FF2B5EF4-FFF2-40B4-BE49-F238E27FC236}">
+                <a16:creationId xmlns:a16="http://schemas.microsoft.com/office/drawing/2014/main" id="{E66968AC-A189-0571-8BCB-57181A26AB37}"/>
+              </a:ext>
+            </a:extLst>
+          </p:cNvPr>
+          <p:cNvCxnSpPr>
+            <a:cxnSpLocks/>
+          </p:cNvCxnSpPr>
+          <p:nvPr/>
+        </p:nvCxnSpPr>
+        <p:spPr>
+          <a:xfrm>
+            <a:off x="10040112" y="3451483"/>
+            <a:ext cx="109728" cy="0"/>
+          </a:xfrm>
+          <a:prstGeom prst="straightConnector1">
+            <a:avLst/>
+          </a:prstGeom>
+          <a:ln>
+            <a:tailEnd type="triangle"/>
+          </a:ln>
+        </p:spPr>
+        <p:style>
+          <a:lnRef idx="3">
+            <a:schemeClr val="accent2"/>
+          </a:lnRef>
+          <a:fillRef idx="0">
+            <a:schemeClr val="accent2"/>
+          </a:fillRef>
+          <a:effectRef idx="2">
+            <a:schemeClr val="accent2"/>
+          </a:effectRef>
+          <a:fontRef idx="minor">
+            <a:schemeClr val="tx1"/>
+          </a:fontRef>
+        </p:style>
+      </p:cxnSp>
+      <p:cxnSp>
+        <p:nvCxnSpPr>
+          <p:cNvPr id="34" name="Straight Arrow Connector 33">
+            <a:extLst>
+              <a:ext uri="{FF2B5EF4-FFF2-40B4-BE49-F238E27FC236}">
+                <a16:creationId xmlns:a16="http://schemas.microsoft.com/office/drawing/2014/main" id="{ABEC7D5B-9994-500C-F9D8-3BE615DA1FF1}"/>
+              </a:ext>
+            </a:extLst>
+          </p:cNvPr>
+          <p:cNvCxnSpPr>
+            <a:cxnSpLocks/>
+          </p:cNvCxnSpPr>
+          <p:nvPr/>
+        </p:nvCxnSpPr>
+        <p:spPr>
+          <a:xfrm>
+            <a:off x="10040112" y="3861996"/>
+            <a:ext cx="109728" cy="0"/>
+          </a:xfrm>
+          <a:prstGeom prst="straightConnector1">
+            <a:avLst/>
+          </a:prstGeom>
+          <a:ln>
+            <a:tailEnd type="triangle"/>
+          </a:ln>
+        </p:spPr>
+        <p:style>
+          <a:lnRef idx="3">
+            <a:schemeClr val="accent2"/>
+          </a:lnRef>
+          <a:fillRef idx="0">
+            <a:schemeClr val="accent2"/>
+          </a:fillRef>
+          <a:effectRef idx="2">
+            <a:schemeClr val="accent2"/>
+          </a:effectRef>
+          <a:fontRef idx="minor">
+            <a:schemeClr val="tx1"/>
+          </a:fontRef>
+        </p:style>
+      </p:cxnSp>
+      <p:cxnSp>
+        <p:nvCxnSpPr>
+          <p:cNvPr id="35" name="Straight Arrow Connector 34">
+            <a:extLst>
+              <a:ext uri="{FF2B5EF4-FFF2-40B4-BE49-F238E27FC236}">
+                <a16:creationId xmlns:a16="http://schemas.microsoft.com/office/drawing/2014/main" id="{0622CFED-E1E7-E1BB-B519-22B34278CBA2}"/>
+              </a:ext>
+            </a:extLst>
+          </p:cNvPr>
+          <p:cNvCxnSpPr>
+            <a:cxnSpLocks/>
+          </p:cNvCxnSpPr>
+          <p:nvPr/>
+        </p:nvCxnSpPr>
+        <p:spPr>
+          <a:xfrm>
+            <a:off x="10040112" y="4248310"/>
+            <a:ext cx="109728" cy="0"/>
+          </a:xfrm>
+          <a:prstGeom prst="straightConnector1">
+            <a:avLst/>
+          </a:prstGeom>
+          <a:ln>
+            <a:tailEnd type="triangle"/>
+          </a:ln>
+        </p:spPr>
+        <p:style>
+          <a:lnRef idx="3">
+            <a:schemeClr val="accent2"/>
+          </a:lnRef>
+          <a:fillRef idx="0">
+            <a:schemeClr val="accent2"/>
+          </a:fillRef>
+          <a:effectRef idx="2">
+            <a:schemeClr val="accent2"/>
+          </a:effectRef>
+          <a:fontRef idx="minor">
+            <a:schemeClr val="tx1"/>
+          </a:fontRef>
+        </p:style>
+      </p:cxnSp>
+      <p:cxnSp>
+        <p:nvCxnSpPr>
+          <p:cNvPr id="110" name="Straight Arrow Connector 109">
+            <a:extLst>
+              <a:ext uri="{FF2B5EF4-FFF2-40B4-BE49-F238E27FC236}">
+                <a16:creationId xmlns:a16="http://schemas.microsoft.com/office/drawing/2014/main" id="{D5E5BF6F-A8D0-0F9A-D6C1-B36B2253E30F}"/>
+              </a:ext>
+            </a:extLst>
+          </p:cNvPr>
+          <p:cNvCxnSpPr>
+            <a:cxnSpLocks/>
+          </p:cNvCxnSpPr>
+          <p:nvPr/>
+        </p:nvCxnSpPr>
+        <p:spPr>
+          <a:xfrm>
+            <a:off x="5492485" y="1321564"/>
+            <a:ext cx="311143" cy="0"/>
+          </a:xfrm>
+          <a:prstGeom prst="straightConnector1">
+            <a:avLst/>
+          </a:prstGeom>
+          <a:ln>
+            <a:tailEnd type="triangle"/>
+          </a:ln>
+        </p:spPr>
+        <p:style>
+          <a:lnRef idx="3">
+            <a:schemeClr val="accent2"/>
+          </a:lnRef>
+          <a:fillRef idx="0">
+            <a:schemeClr val="accent2"/>
+          </a:fillRef>
+          <a:effectRef idx="2">
+            <a:schemeClr val="accent2"/>
+          </a:effectRef>
+          <a:fontRef idx="minor">
+            <a:schemeClr val="tx1"/>
+          </a:fontRef>
+        </p:style>
+      </p:cxnSp>
+      <p:cxnSp>
+        <p:nvCxnSpPr>
+          <p:cNvPr id="20" name="Straight Arrow Connector 19">
+            <a:extLst>
+              <a:ext uri="{FF2B5EF4-FFF2-40B4-BE49-F238E27FC236}">
+                <a16:creationId xmlns:a16="http://schemas.microsoft.com/office/drawing/2014/main" id="{ED7F8921-9123-9606-7B1C-79DC98471B14}"/>
+              </a:ext>
+            </a:extLst>
+          </p:cNvPr>
+          <p:cNvCxnSpPr>
+            <a:cxnSpLocks/>
+          </p:cNvCxnSpPr>
+          <p:nvPr/>
+        </p:nvCxnSpPr>
+        <p:spPr>
+          <a:xfrm>
+            <a:off x="10040112" y="2189028"/>
+            <a:ext cx="109728" cy="0"/>
+          </a:xfrm>
+          <a:prstGeom prst="straightConnector1">
+            <a:avLst/>
+          </a:prstGeom>
+          <a:ln>
+            <a:tailEnd type="triangle"/>
+          </a:ln>
+        </p:spPr>
+        <p:style>
+          <a:lnRef idx="3">
+            <a:schemeClr val="accent2"/>
+          </a:lnRef>
+          <a:fillRef idx="0">
+            <a:schemeClr val="accent2"/>
+          </a:fillRef>
+          <a:effectRef idx="2">
+            <a:schemeClr val="accent2"/>
+          </a:effectRef>
+          <a:fontRef idx="minor">
+            <a:schemeClr val="tx1"/>
+          </a:fontRef>
+        </p:style>
+      </p:cxnSp>
+      <p:sp>
+        <p:nvSpPr>
+          <p:cNvPr id="49" name="Rectangle 48">
+            <a:extLst>
+              <a:ext uri="{FF2B5EF4-FFF2-40B4-BE49-F238E27FC236}">
+                <a16:creationId xmlns:a16="http://schemas.microsoft.com/office/drawing/2014/main" id="{49B8E600-29ED-F630-9839-56CC363B23B5}"/>
+              </a:ext>
+            </a:extLst>
+          </p:cNvPr>
+          <p:cNvSpPr/>
+          <p:nvPr/>
+        </p:nvSpPr>
+        <p:spPr>
+          <a:xfrm>
+            <a:off x="667512" y="396079"/>
+            <a:ext cx="2185060" cy="320040"/>
+          </a:xfrm>
+          <a:prstGeom prst="rect">
+            <a:avLst/>
+          </a:prstGeom>
+          <a:solidFill>
+            <a:schemeClr val="accent4">
+              <a:lumMod val="75000"/>
+            </a:schemeClr>
+          </a:solidFill>
+          <a:ln>
+            <a:noFill/>
+          </a:ln>
+        </p:spPr>
+        <p:style>
+          <a:lnRef idx="2">
+            <a:schemeClr val="dk1">
+              <a:shade val="50000"/>
+            </a:schemeClr>
+          </a:lnRef>
+          <a:fillRef idx="1">
+            <a:schemeClr val="dk1"/>
+          </a:fillRef>
+          <a:effectRef idx="0">
+            <a:schemeClr val="dk1"/>
+          </a:effectRef>
+          <a:fontRef idx="minor">
+            <a:schemeClr val="lt1"/>
+          </a:fontRef>
+        </p:style>
+        <p:txBody>
+          <a:bodyPr rtlCol="0" anchor="ctr"/>
+          <a:lstStyle/>
+          <a:p>
+            <a:pPr algn="ctr"/>
+            <a:r>
+              <a:rPr lang="en-US" sz="1200" dirty="0">
+                <a:latin typeface="Amazon Ember Light" panose="020B0403020204020204" pitchFamily="34" charset="0"/>
+                <a:ea typeface="Amazon Ember Light" panose="020B0403020204020204" pitchFamily="34" charset="0"/>
+                <a:cs typeface="Amazon Ember Light" panose="020B0403020204020204" pitchFamily="34" charset="0"/>
+              </a:rPr>
+              <a:t>Out-of-Distribution Prediction</a:t>
+            </a:r>
+          </a:p>
+        </p:txBody>
+      </p:sp>
+      <p:cxnSp>
+        <p:nvCxnSpPr>
+          <p:cNvPr id="50" name="Straight Arrow Connector 49">
+            <a:extLst>
+              <a:ext uri="{FF2B5EF4-FFF2-40B4-BE49-F238E27FC236}">
+                <a16:creationId xmlns:a16="http://schemas.microsoft.com/office/drawing/2014/main" id="{BFC59CBD-C742-1801-010F-1DCA0BCE2BC8}"/>
+              </a:ext>
+            </a:extLst>
+          </p:cNvPr>
+          <p:cNvCxnSpPr>
+            <a:cxnSpLocks/>
+          </p:cNvCxnSpPr>
+          <p:nvPr/>
+        </p:nvCxnSpPr>
+        <p:spPr>
+          <a:xfrm>
+            <a:off x="2851181" y="1321564"/>
+            <a:ext cx="557784" cy="0"/>
+          </a:xfrm>
+          <a:prstGeom prst="straightConnector1">
+            <a:avLst/>
+          </a:prstGeom>
+          <a:ln>
+            <a:tailEnd type="triangle"/>
+          </a:ln>
+        </p:spPr>
+        <p:style>
+          <a:lnRef idx="3">
+            <a:schemeClr val="accent2"/>
+          </a:lnRef>
+          <a:fillRef idx="0">
+            <a:schemeClr val="accent2"/>
+          </a:fillRef>
+          <a:effectRef idx="2">
+            <a:schemeClr val="accent2"/>
+          </a:effectRef>
+          <a:fontRef idx="minor">
+            <a:schemeClr val="tx1"/>
+          </a:fontRef>
+        </p:style>
+      </p:cxnSp>
+      <p:sp>
+        <p:nvSpPr>
+          <p:cNvPr id="64" name="Rectangle 63">
+            <a:extLst>
+              <a:ext uri="{FF2B5EF4-FFF2-40B4-BE49-F238E27FC236}">
+                <a16:creationId xmlns:a16="http://schemas.microsoft.com/office/drawing/2014/main" id="{EEDA033D-1D98-19EE-0DFB-63EF8A8E11E3}"/>
+              </a:ext>
+            </a:extLst>
+          </p:cNvPr>
+          <p:cNvSpPr/>
+          <p:nvPr/>
+        </p:nvSpPr>
+        <p:spPr>
+          <a:xfrm>
+            <a:off x="8424234" y="396079"/>
+            <a:ext cx="1617685" cy="320040"/>
+          </a:xfrm>
+          <a:prstGeom prst="rect">
+            <a:avLst/>
+          </a:prstGeom>
+          <a:ln>
+            <a:noFill/>
+          </a:ln>
+        </p:spPr>
+        <p:style>
+          <a:lnRef idx="2">
+            <a:schemeClr val="accent1">
+              <a:shade val="50000"/>
+            </a:schemeClr>
+          </a:lnRef>
+          <a:fillRef idx="1">
+            <a:schemeClr val="accent1"/>
+          </a:fillRef>
+          <a:effectRef idx="0">
+            <a:schemeClr val="accent1"/>
+          </a:effectRef>
+          <a:fontRef idx="minor">
+            <a:schemeClr val="lt1"/>
+          </a:fontRef>
+        </p:style>
+        <p:txBody>
+          <a:bodyPr lIns="180000" tIns="180000" rIns="180000" bIns="180000" rtlCol="0" anchor="ctr" anchorCtr="0"/>
+          <a:lstStyle/>
+          <a:p>
+            <a:r>
+              <a:rPr lang="en-US" sz="1200" dirty="0">
+                <a:latin typeface="Amazon Ember" panose="020B0603020204020204" pitchFamily="34" charset="0"/>
+                <a:ea typeface="Amazon Ember" panose="020B0603020204020204" pitchFamily="34" charset="0"/>
+                <a:cs typeface="Amazon Ember" panose="020B0603020204020204" pitchFamily="34" charset="0"/>
+              </a:rPr>
+              <a:t>Causal Prediction</a:t>
+            </a:r>
+          </a:p>
+        </p:txBody>
+      </p:sp>
+      <p:cxnSp>
+        <p:nvCxnSpPr>
+          <p:cNvPr id="114" name="Straight Arrow Connector 113">
+            <a:extLst>
+              <a:ext uri="{FF2B5EF4-FFF2-40B4-BE49-F238E27FC236}">
+                <a16:creationId xmlns:a16="http://schemas.microsoft.com/office/drawing/2014/main" id="{5279F17C-51AF-8AEA-7A5D-5264B10E394C}"/>
+              </a:ext>
+            </a:extLst>
+          </p:cNvPr>
+          <p:cNvCxnSpPr>
+            <a:cxnSpLocks/>
+          </p:cNvCxnSpPr>
+          <p:nvPr/>
+        </p:nvCxnSpPr>
+        <p:spPr>
+          <a:xfrm>
+            <a:off x="10040112" y="1772672"/>
+            <a:ext cx="109728" cy="0"/>
+          </a:xfrm>
+          <a:prstGeom prst="straightConnector1">
+            <a:avLst/>
+          </a:prstGeom>
+          <a:ln>
+            <a:tailEnd type="triangle"/>
+          </a:ln>
+        </p:spPr>
+        <p:style>
+          <a:lnRef idx="3">
+            <a:schemeClr val="accent2"/>
+          </a:lnRef>
+          <a:fillRef idx="0">
+            <a:schemeClr val="accent2"/>
+          </a:fillRef>
+          <a:effectRef idx="2">
+            <a:schemeClr val="accent2"/>
+          </a:effectRef>
+          <a:fontRef idx="minor">
+            <a:schemeClr val="tx1"/>
+          </a:fontRef>
+        </p:style>
+      </p:cxnSp>
+      <p:cxnSp>
+        <p:nvCxnSpPr>
+          <p:cNvPr id="76" name="Straight Arrow Connector 75">
+            <a:extLst>
+              <a:ext uri="{FF2B5EF4-FFF2-40B4-BE49-F238E27FC236}">
+                <a16:creationId xmlns:a16="http://schemas.microsoft.com/office/drawing/2014/main" id="{50F01B30-B0C9-4B21-6210-21FE63A4F530}"/>
+              </a:ext>
+            </a:extLst>
+          </p:cNvPr>
+          <p:cNvCxnSpPr>
+            <a:cxnSpLocks/>
+          </p:cNvCxnSpPr>
+          <p:nvPr/>
+        </p:nvCxnSpPr>
+        <p:spPr>
+          <a:xfrm flipV="1">
+            <a:off x="10040112" y="904663"/>
+            <a:ext cx="109728" cy="2282"/>
+          </a:xfrm>
+          <a:prstGeom prst="straightConnector1">
+            <a:avLst/>
+          </a:prstGeom>
+          <a:ln>
+            <a:tailEnd type="triangle"/>
+          </a:ln>
+        </p:spPr>
+        <p:style>
+          <a:lnRef idx="3">
+            <a:schemeClr val="accent2"/>
+          </a:lnRef>
+          <a:fillRef idx="0">
+            <a:schemeClr val="accent2"/>
+          </a:fillRef>
+          <a:effectRef idx="2">
+            <a:schemeClr val="accent2"/>
+          </a:effectRef>
+          <a:fontRef idx="minor">
+            <a:schemeClr val="tx1"/>
+          </a:fontRef>
+        </p:style>
+      </p:cxnSp>
+      <p:sp>
+        <p:nvSpPr>
+          <p:cNvPr id="84" name="Rectangle 83">
+            <a:extLst>
+              <a:ext uri="{FF2B5EF4-FFF2-40B4-BE49-F238E27FC236}">
+                <a16:creationId xmlns:a16="http://schemas.microsoft.com/office/drawing/2014/main" id="{03A8C156-29A0-2EB2-2498-6FFA11A673CD}"/>
+              </a:ext>
+            </a:extLst>
+          </p:cNvPr>
+          <p:cNvSpPr/>
+          <p:nvPr/>
+        </p:nvSpPr>
+        <p:spPr>
+          <a:xfrm>
+            <a:off x="143842" y="1573969"/>
+            <a:ext cx="2805663" cy="1231948"/>
+          </a:xfrm>
+          <a:prstGeom prst="rect">
+            <a:avLst/>
+          </a:prstGeom>
+          <a:solidFill>
+            <a:schemeClr val="tx1">
+              <a:alpha val="23962"/>
+            </a:schemeClr>
+          </a:solidFill>
+          <a:ln>
+            <a:noFill/>
+          </a:ln>
+        </p:spPr>
+        <p:style>
+          <a:lnRef idx="2">
+            <a:schemeClr val="accent1">
+              <a:shade val="50000"/>
+            </a:schemeClr>
+          </a:lnRef>
+          <a:fillRef idx="1">
+            <a:schemeClr val="accent1"/>
+          </a:fillRef>
+          <a:effectRef idx="0">
+            <a:schemeClr val="accent1"/>
+          </a:effectRef>
+          <a:fontRef idx="minor">
+            <a:schemeClr val="lt1"/>
+          </a:fontRef>
+        </p:style>
+        <p:txBody>
+          <a:bodyPr vert="vert270" rtlCol="0" anchor="t"/>
+          <a:lstStyle/>
+          <a:p>
+            <a:pPr algn="ctr"/>
+            <a:r>
+              <a:rPr lang="en-US" sz="1200" dirty="0">
+                <a:latin typeface="Amazon Ember Light" panose="020B0403020204020204" pitchFamily="34" charset="0"/>
+                <a:ea typeface="Amazon Ember Light" panose="020B0403020204020204" pitchFamily="34" charset="0"/>
+                <a:cs typeface="Amazon Ember Light" panose="020B0403020204020204" pitchFamily="34" charset="0"/>
+              </a:rPr>
+              <a:t>Quantify Causal Influence</a:t>
+            </a:r>
+          </a:p>
+        </p:txBody>
+      </p:sp>
+      <p:sp>
+        <p:nvSpPr>
+          <p:cNvPr id="85" name="Rectangle 84">
+            <a:extLst>
+              <a:ext uri="{FF2B5EF4-FFF2-40B4-BE49-F238E27FC236}">
+                <a16:creationId xmlns:a16="http://schemas.microsoft.com/office/drawing/2014/main" id="{E12DD87C-864E-C5A3-A214-0CBB5B0A092C}"/>
+              </a:ext>
+            </a:extLst>
+          </p:cNvPr>
+          <p:cNvSpPr/>
+          <p:nvPr/>
+        </p:nvSpPr>
+        <p:spPr>
+          <a:xfrm>
+            <a:off x="667512" y="1612652"/>
+            <a:ext cx="2185060" cy="320040"/>
+          </a:xfrm>
+          <a:prstGeom prst="rect">
+            <a:avLst/>
+          </a:prstGeom>
+          <a:solidFill>
+            <a:schemeClr val="accent6">
+              <a:lumMod val="75000"/>
+            </a:schemeClr>
+          </a:solidFill>
+          <a:ln>
+            <a:noFill/>
+          </a:ln>
+        </p:spPr>
+        <p:style>
+          <a:lnRef idx="2">
+            <a:schemeClr val="dk1">
+              <a:shade val="50000"/>
+            </a:schemeClr>
+          </a:lnRef>
+          <a:fillRef idx="1">
+            <a:schemeClr val="dk1"/>
+          </a:fillRef>
+          <a:effectRef idx="0">
+            <a:schemeClr val="dk1"/>
+          </a:effectRef>
+          <a:fontRef idx="minor">
+            <a:schemeClr val="lt1"/>
+          </a:fontRef>
+        </p:style>
+        <p:txBody>
+          <a:bodyPr rtlCol="0" anchor="ctr"/>
+          <a:lstStyle/>
+          <a:p>
+            <a:pPr algn="ctr"/>
+            <a:r>
+              <a:rPr lang="en-US" sz="1200" dirty="0">
+                <a:latin typeface="Amazon Ember Light" panose="020B0403020204020204" pitchFamily="34" charset="0"/>
+                <a:ea typeface="Amazon Ember Light" panose="020B0403020204020204" pitchFamily="34" charset="0"/>
+                <a:cs typeface="Amazon Ember Light" panose="020B0403020204020204" pitchFamily="34" charset="0"/>
+              </a:rPr>
+              <a:t>Mediation Analysis</a:t>
+            </a:r>
+          </a:p>
+        </p:txBody>
+      </p:sp>
+      <p:sp>
+        <p:nvSpPr>
+          <p:cNvPr id="86" name="Rectangle 85">
+            <a:extLst>
+              <a:ext uri="{FF2B5EF4-FFF2-40B4-BE49-F238E27FC236}">
+                <a16:creationId xmlns:a16="http://schemas.microsoft.com/office/drawing/2014/main" id="{502A139C-4A6C-BAC4-0145-119997D931B9}"/>
+              </a:ext>
+            </a:extLst>
+          </p:cNvPr>
+          <p:cNvSpPr/>
+          <p:nvPr/>
+        </p:nvSpPr>
+        <p:spPr>
+          <a:xfrm>
+            <a:off x="667512" y="2032401"/>
+            <a:ext cx="2185060" cy="320040"/>
+          </a:xfrm>
+          <a:prstGeom prst="rect">
+            <a:avLst/>
+          </a:prstGeom>
+          <a:solidFill>
+            <a:schemeClr val="accent6">
+              <a:lumMod val="75000"/>
+            </a:schemeClr>
+          </a:solidFill>
+          <a:ln>
+            <a:noFill/>
+          </a:ln>
+        </p:spPr>
+        <p:style>
+          <a:lnRef idx="2">
+            <a:schemeClr val="dk1">
+              <a:shade val="50000"/>
+            </a:schemeClr>
+          </a:lnRef>
+          <a:fillRef idx="1">
+            <a:schemeClr val="dk1"/>
+          </a:fillRef>
+          <a:effectRef idx="0">
+            <a:schemeClr val="dk1"/>
+          </a:effectRef>
+          <a:fontRef idx="minor">
+            <a:schemeClr val="lt1"/>
+          </a:fontRef>
+        </p:style>
+        <p:txBody>
+          <a:bodyPr rtlCol="0" anchor="ctr"/>
+          <a:lstStyle/>
+          <a:p>
+            <a:pPr algn="ctr"/>
+            <a:r>
+              <a:rPr lang="en-US" sz="1200" dirty="0">
+                <a:latin typeface="Amazon Ember Light" panose="020B0403020204020204" pitchFamily="34" charset="0"/>
+                <a:ea typeface="Amazon Ember Light" panose="020B0403020204020204" pitchFamily="34" charset="0"/>
+                <a:cs typeface="Amazon Ember Light" panose="020B0403020204020204" pitchFamily="34" charset="0"/>
+              </a:rPr>
+              <a:t>Direct Arrow Strength</a:t>
+            </a:r>
+          </a:p>
+        </p:txBody>
+      </p:sp>
+      <p:sp>
+        <p:nvSpPr>
+          <p:cNvPr id="87" name="Rectangle 86">
+            <a:extLst>
+              <a:ext uri="{FF2B5EF4-FFF2-40B4-BE49-F238E27FC236}">
+                <a16:creationId xmlns:a16="http://schemas.microsoft.com/office/drawing/2014/main" id="{960EE630-A3A3-0B63-0244-9A7F7E8A464B}"/>
+              </a:ext>
+            </a:extLst>
+          </p:cNvPr>
+          <p:cNvSpPr/>
+          <p:nvPr/>
+        </p:nvSpPr>
+        <p:spPr>
+          <a:xfrm>
+            <a:off x="667512" y="2452150"/>
+            <a:ext cx="2185060" cy="320040"/>
+          </a:xfrm>
+          <a:prstGeom prst="rect">
+            <a:avLst/>
+          </a:prstGeom>
+          <a:solidFill>
+            <a:schemeClr val="accent6">
+              <a:lumMod val="75000"/>
+            </a:schemeClr>
+          </a:solidFill>
+          <a:ln>
+            <a:noFill/>
+          </a:ln>
+        </p:spPr>
+        <p:style>
+          <a:lnRef idx="2">
+            <a:schemeClr val="dk1">
+              <a:shade val="50000"/>
+            </a:schemeClr>
+          </a:lnRef>
+          <a:fillRef idx="1">
+            <a:schemeClr val="dk1"/>
+          </a:fillRef>
+          <a:effectRef idx="0">
+            <a:schemeClr val="dk1"/>
+          </a:effectRef>
+          <a:fontRef idx="minor">
+            <a:schemeClr val="lt1"/>
+          </a:fontRef>
+        </p:style>
+        <p:txBody>
+          <a:bodyPr rtlCol="0" anchor="ctr"/>
+          <a:lstStyle/>
+          <a:p>
+            <a:pPr algn="ctr"/>
+            <a:r>
+              <a:rPr lang="en-US" sz="1200" dirty="0">
+                <a:latin typeface="Amazon Ember Light" panose="020B0403020204020204" pitchFamily="34" charset="0"/>
+                <a:ea typeface="Amazon Ember Light" panose="020B0403020204020204" pitchFamily="34" charset="0"/>
+                <a:cs typeface="Amazon Ember Light" panose="020B0403020204020204" pitchFamily="34" charset="0"/>
+              </a:rPr>
+              <a:t>Intrinsic Causal Influence</a:t>
+            </a:r>
+          </a:p>
+        </p:txBody>
+      </p:sp>
+      <p:sp>
+        <p:nvSpPr>
+          <p:cNvPr id="113" name="Rectangle 112">
+            <a:extLst>
+              <a:ext uri="{FF2B5EF4-FFF2-40B4-BE49-F238E27FC236}">
+                <a16:creationId xmlns:a16="http://schemas.microsoft.com/office/drawing/2014/main" id="{BED6BE6E-4141-C785-9558-08726111928F}"/>
+              </a:ext>
+            </a:extLst>
+          </p:cNvPr>
+          <p:cNvSpPr/>
+          <p:nvPr/>
+        </p:nvSpPr>
+        <p:spPr>
+          <a:xfrm>
+            <a:off x="8424233" y="1615303"/>
+            <a:ext cx="1610739" cy="320040"/>
+          </a:xfrm>
+          <a:prstGeom prst="rect">
+            <a:avLst/>
+          </a:prstGeom>
+          <a:ln>
+            <a:noFill/>
+          </a:ln>
+        </p:spPr>
+        <p:style>
+          <a:lnRef idx="2">
+            <a:schemeClr val="accent1">
+              <a:shade val="50000"/>
+            </a:schemeClr>
+          </a:lnRef>
+          <a:fillRef idx="1">
+            <a:schemeClr val="accent1"/>
+          </a:fillRef>
+          <a:effectRef idx="0">
+            <a:schemeClr val="accent1"/>
+          </a:effectRef>
+          <a:fontRef idx="minor">
+            <a:schemeClr val="lt1"/>
+          </a:fontRef>
+        </p:style>
+        <p:txBody>
+          <a:bodyPr lIns="180000" tIns="180000" rIns="180000" bIns="180000" rtlCol="0" anchor="ctr" anchorCtr="0"/>
+          <a:lstStyle/>
+          <a:p>
+            <a:r>
+              <a:rPr lang="en-US" sz="900" dirty="0">
+                <a:latin typeface="Amazon Ember" panose="020B0603020204020204" pitchFamily="34" charset="0"/>
+                <a:ea typeface="Amazon Ember" panose="020B0603020204020204" pitchFamily="34" charset="0"/>
+                <a:cs typeface="Amazon Ember" panose="020B0603020204020204" pitchFamily="34" charset="0"/>
+              </a:rPr>
+              <a:t>Quantify Natural Effect</a:t>
+            </a:r>
+          </a:p>
+        </p:txBody>
+      </p:sp>
+      <p:cxnSp>
+        <p:nvCxnSpPr>
+          <p:cNvPr id="117" name="Straight Arrow Connector 116">
+            <a:extLst>
+              <a:ext uri="{FF2B5EF4-FFF2-40B4-BE49-F238E27FC236}">
+                <a16:creationId xmlns:a16="http://schemas.microsoft.com/office/drawing/2014/main" id="{7293BE07-43B7-56A2-1659-B1DCA8EC8291}"/>
+              </a:ext>
+            </a:extLst>
+          </p:cNvPr>
+          <p:cNvCxnSpPr>
+            <a:cxnSpLocks/>
+          </p:cNvCxnSpPr>
+          <p:nvPr/>
+        </p:nvCxnSpPr>
+        <p:spPr>
+          <a:xfrm>
+            <a:off x="2851181" y="2612170"/>
+            <a:ext cx="557784" cy="0"/>
+          </a:xfrm>
+          <a:prstGeom prst="straightConnector1">
+            <a:avLst/>
+          </a:prstGeom>
+          <a:ln>
+            <a:tailEnd type="triangle"/>
+          </a:ln>
+        </p:spPr>
+        <p:style>
+          <a:lnRef idx="3">
+            <a:schemeClr val="accent2"/>
+          </a:lnRef>
+          <a:fillRef idx="0">
+            <a:schemeClr val="accent2"/>
+          </a:fillRef>
+          <a:effectRef idx="2">
+            <a:schemeClr val="accent2"/>
+          </a:effectRef>
+          <a:fontRef idx="minor">
+            <a:schemeClr val="tx1"/>
+          </a:fontRef>
+        </p:style>
+      </p:cxnSp>
+      <p:cxnSp>
+        <p:nvCxnSpPr>
+          <p:cNvPr id="122" name="Straight Arrow Connector 121">
+            <a:extLst>
+              <a:ext uri="{FF2B5EF4-FFF2-40B4-BE49-F238E27FC236}">
+                <a16:creationId xmlns:a16="http://schemas.microsoft.com/office/drawing/2014/main" id="{7AB335B8-E012-C431-CF0F-680C350DDEB7}"/>
+              </a:ext>
+            </a:extLst>
+          </p:cNvPr>
+          <p:cNvCxnSpPr>
+            <a:cxnSpLocks/>
+          </p:cNvCxnSpPr>
+          <p:nvPr/>
+        </p:nvCxnSpPr>
+        <p:spPr>
+          <a:xfrm>
+            <a:off x="5494093" y="2610486"/>
+            <a:ext cx="302296" cy="0"/>
+          </a:xfrm>
+          <a:prstGeom prst="straightConnector1">
+            <a:avLst/>
+          </a:prstGeom>
+          <a:ln>
+            <a:tailEnd type="triangle"/>
+          </a:ln>
+        </p:spPr>
+        <p:style>
+          <a:lnRef idx="3">
+            <a:schemeClr val="accent2"/>
+          </a:lnRef>
+          <a:fillRef idx="0">
+            <a:schemeClr val="accent2"/>
+          </a:fillRef>
+          <a:effectRef idx="2">
+            <a:schemeClr val="accent2"/>
+          </a:effectRef>
+          <a:fontRef idx="minor">
+            <a:schemeClr val="tx1"/>
+          </a:fontRef>
+        </p:style>
+      </p:cxnSp>
+      <p:cxnSp>
+        <p:nvCxnSpPr>
+          <p:cNvPr id="127" name="Straight Arrow Connector 126">
+            <a:extLst>
+              <a:ext uri="{FF2B5EF4-FFF2-40B4-BE49-F238E27FC236}">
+                <a16:creationId xmlns:a16="http://schemas.microsoft.com/office/drawing/2014/main" id="{746776C9-969E-5AC8-3CB9-8F880181AA34}"/>
+              </a:ext>
+            </a:extLst>
+          </p:cNvPr>
+          <p:cNvCxnSpPr>
+            <a:cxnSpLocks/>
+          </p:cNvCxnSpPr>
+          <p:nvPr/>
+        </p:nvCxnSpPr>
+        <p:spPr>
+          <a:xfrm>
+            <a:off x="7911065" y="2610486"/>
+            <a:ext cx="505764" cy="0"/>
+          </a:xfrm>
+          <a:prstGeom prst="straightConnector1">
+            <a:avLst/>
+          </a:prstGeom>
+          <a:ln>
+            <a:tailEnd type="triangle"/>
+          </a:ln>
+        </p:spPr>
+        <p:style>
+          <a:lnRef idx="3">
+            <a:schemeClr val="accent2"/>
+          </a:lnRef>
+          <a:fillRef idx="0">
+            <a:schemeClr val="accent2"/>
+          </a:fillRef>
+          <a:effectRef idx="2">
+            <a:schemeClr val="accent2"/>
+          </a:effectRef>
+          <a:fontRef idx="minor">
+            <a:schemeClr val="tx1"/>
+          </a:fontRef>
+        </p:style>
+      </p:cxnSp>
+      <p:sp>
+        <p:nvSpPr>
+          <p:cNvPr id="171" name="Rectangle 170">
+            <a:extLst>
+              <a:ext uri="{FF2B5EF4-FFF2-40B4-BE49-F238E27FC236}">
+                <a16:creationId xmlns:a16="http://schemas.microsoft.com/office/drawing/2014/main" id="{8B44AD9C-5FBA-2BC9-90E5-E7E6D8E247DD}"/>
+              </a:ext>
+            </a:extLst>
+          </p:cNvPr>
+          <p:cNvSpPr/>
+          <p:nvPr/>
+        </p:nvSpPr>
+        <p:spPr>
+          <a:xfrm>
+            <a:off x="10154979" y="2027458"/>
+            <a:ext cx="1575280" cy="744732"/>
+          </a:xfrm>
+          <a:prstGeom prst="rect">
+            <a:avLst/>
+          </a:prstGeom>
+          <a:ln>
+            <a:noFill/>
+          </a:ln>
+        </p:spPr>
+        <p:style>
+          <a:lnRef idx="2">
+            <a:schemeClr val="accent1">
+              <a:shade val="50000"/>
+            </a:schemeClr>
+          </a:lnRef>
+          <a:fillRef idx="1">
+            <a:schemeClr val="accent1"/>
+          </a:fillRef>
+          <a:effectRef idx="0">
+            <a:schemeClr val="accent1"/>
+          </a:effectRef>
+          <a:fontRef idx="minor">
+            <a:schemeClr val="lt1"/>
+          </a:fontRef>
+        </p:style>
+        <p:txBody>
+          <a:bodyPr lIns="180000" tIns="180000" rIns="180000" bIns="180000" rtlCol="0" anchor="ctr" anchorCtr="0"/>
+          <a:lstStyle/>
+          <a:p>
+            <a:r>
+              <a:rPr lang="en-US" sz="1100" dirty="0">
+                <a:latin typeface="Amazon Ember" panose="020B0603020204020204" pitchFamily="34" charset="0"/>
+                <a:ea typeface="Amazon Ember" panose="020B0603020204020204" pitchFamily="34" charset="0"/>
+                <a:cs typeface="Amazon Ember" panose="020B0603020204020204" pitchFamily="34" charset="0"/>
+              </a:rPr>
+              <a:t>Quantify Arrow Strength and Intrinsic Influences</a:t>
+            </a:r>
+          </a:p>
+        </p:txBody>
+      </p:sp>
+      <p:cxnSp>
+        <p:nvCxnSpPr>
+          <p:cNvPr id="173" name="Straight Arrow Connector 172">
+            <a:extLst>
+              <a:ext uri="{FF2B5EF4-FFF2-40B4-BE49-F238E27FC236}">
+                <a16:creationId xmlns:a16="http://schemas.microsoft.com/office/drawing/2014/main" id="{D56D9563-63FA-DA11-0374-3CDD2E9809D4}"/>
+              </a:ext>
+            </a:extLst>
+          </p:cNvPr>
+          <p:cNvCxnSpPr>
+            <a:cxnSpLocks/>
+          </p:cNvCxnSpPr>
+          <p:nvPr/>
+        </p:nvCxnSpPr>
+        <p:spPr>
+          <a:xfrm flipV="1">
+            <a:off x="10040112" y="2617416"/>
+            <a:ext cx="109728" cy="1"/>
+          </a:xfrm>
+          <a:prstGeom prst="straightConnector1">
+            <a:avLst/>
+          </a:prstGeom>
+          <a:ln>
+            <a:tailEnd type="triangle"/>
+          </a:ln>
+        </p:spPr>
+        <p:style>
+          <a:lnRef idx="3">
+            <a:schemeClr val="accent2"/>
+          </a:lnRef>
+          <a:fillRef idx="0">
+            <a:schemeClr val="accent2"/>
+          </a:fillRef>
+          <a:effectRef idx="2">
+            <a:schemeClr val="accent2"/>
+          </a:effectRef>
+          <a:fontRef idx="minor">
+            <a:schemeClr val="tx1"/>
+          </a:fontRef>
+        </p:style>
+      </p:cxnSp>
+      <mc:AlternateContent xmlns:mc="http://schemas.openxmlformats.org/markup-compatibility/2006">
+        <mc:Choice xmlns:a14="http://schemas.microsoft.com/office/drawing/2010/main" Requires="a14">
+          <p:sp>
+            <p:nvSpPr>
+              <p:cNvPr id="187" name="TextBox 186">
+                <a:extLst>
+                  <a:ext uri="{FF2B5EF4-FFF2-40B4-BE49-F238E27FC236}">
+                    <a16:creationId xmlns:a16="http://schemas.microsoft.com/office/drawing/2014/main" id="{D9DE8C0E-CE87-520F-590A-66B60C06AAB2}"/>
+                  </a:ext>
+                </a:extLst>
+              </p:cNvPr>
+              <p:cNvSpPr txBox="1"/>
+              <p:nvPr/>
+            </p:nvSpPr>
+            <p:spPr>
+              <a:xfrm>
+                <a:off x="5952396" y="2722653"/>
+                <a:ext cx="1818318" cy="615168"/>
+              </a:xfrm>
+              <a:prstGeom prst="rect">
+                <a:avLst/>
+              </a:prstGeom>
+              <a:solidFill>
+                <a:schemeClr val="bg1"/>
+              </a:solidFill>
+              <a:ln>
+                <a:solidFill>
+                  <a:schemeClr val="tx1"/>
+                </a:solidFill>
+              </a:ln>
+            </p:spPr>
+            <p:txBody>
+              <a:bodyPr wrap="square" rtlCol="0">
+                <a:spAutoFit/>
+              </a:bodyPr>
+              <a:lstStyle/>
+              <a:p>
+                <a:pPr/>
+                <a14:m>
+                  <m:oMathPara xmlns:m="http://schemas.openxmlformats.org/officeDocument/2006/math">
+                    <m:oMathParaPr>
+                      <m:jc m:val="centerGroup"/>
+                    </m:oMathParaPr>
+                    <m:oMath xmlns:m="http://schemas.openxmlformats.org/officeDocument/2006/math">
+                      <m:sSub>
+                        <m:sSubPr>
+                          <m:ctrlPr>
+                            <a:rPr lang="de-DE" sz="1400" i="1">
+                              <a:latin typeface="Cambria Math" panose="02040503050406030204" pitchFamily="18" charset="0"/>
+                              <a:ea typeface="Amazon Ember Light" panose="020B0403020204020204" pitchFamily="34" charset="0"/>
+                              <a:cs typeface="Amazon Ember Light" panose="020B0403020204020204" pitchFamily="34" charset="0"/>
+                            </a:rPr>
+                          </m:ctrlPr>
+                        </m:sSubPr>
+                        <m:e>
+                          <m:r>
+                            <a:rPr lang="de-DE" sz="1400" i="1">
+                              <a:latin typeface="Cambria Math" panose="02040503050406030204" pitchFamily="18" charset="0"/>
+                              <a:ea typeface="Amazon Ember Light" panose="020B0403020204020204" pitchFamily="34" charset="0"/>
+                              <a:cs typeface="Amazon Ember Light" panose="020B0403020204020204" pitchFamily="34" charset="0"/>
+                            </a:rPr>
+                            <m:t>𝑃</m:t>
+                          </m:r>
+                        </m:e>
+                        <m:sub>
+                          <m:sSub>
+                            <m:sSubPr>
+                              <m:ctrlPr>
+                                <a:rPr lang="de-DE" sz="1400" i="1">
+                                  <a:latin typeface="Cambria Math" panose="02040503050406030204" pitchFamily="18" charset="0"/>
+                                  <a:ea typeface="Amazon Ember Light" panose="020B0403020204020204" pitchFamily="34" charset="0"/>
+                                  <a:cs typeface="Amazon Ember Light" panose="020B0403020204020204" pitchFamily="34" charset="0"/>
+                                </a:rPr>
+                              </m:ctrlPr>
+                            </m:sSubPr>
+                            <m:e>
+                              <m:r>
+                                <a:rPr lang="de-DE" sz="1400" i="1">
+                                  <a:latin typeface="Cambria Math" panose="02040503050406030204" pitchFamily="18" charset="0"/>
+                                  <a:ea typeface="Amazon Ember Light" panose="020B0403020204020204" pitchFamily="34" charset="0"/>
+                                  <a:cs typeface="Amazon Ember Light" panose="020B0403020204020204" pitchFamily="34" charset="0"/>
+                                </a:rPr>
+                                <m:t>𝑋</m:t>
+                              </m:r>
+                            </m:e>
+                            <m:sub>
+                              <m:r>
+                                <a:rPr lang="de-DE" sz="1400" i="1">
+                                  <a:latin typeface="Cambria Math" panose="02040503050406030204" pitchFamily="18" charset="0"/>
+                                  <a:ea typeface="Amazon Ember Light" panose="020B0403020204020204" pitchFamily="34" charset="0"/>
+                                  <a:cs typeface="Amazon Ember Light" panose="020B0403020204020204" pitchFamily="34" charset="0"/>
+                                </a:rPr>
+                                <m:t>0</m:t>
+                              </m:r>
+                            </m:sub>
+                          </m:sSub>
+                          <m:r>
+                            <a:rPr lang="de-DE" sz="1400" i="1">
+                              <a:latin typeface="Cambria Math" panose="02040503050406030204" pitchFamily="18" charset="0"/>
+                              <a:ea typeface="Amazon Ember Light" panose="020B0403020204020204" pitchFamily="34" charset="0"/>
+                              <a:cs typeface="Amazon Ember Light" panose="020B0403020204020204" pitchFamily="34" charset="0"/>
+                            </a:rPr>
+                            <m:t>,…,</m:t>
+                          </m:r>
+                          <m:sSub>
+                            <m:sSubPr>
+                              <m:ctrlPr>
+                                <a:rPr lang="de-DE" sz="1400" i="1">
+                                  <a:latin typeface="Cambria Math" panose="02040503050406030204" pitchFamily="18" charset="0"/>
+                                  <a:ea typeface="Amazon Ember Light" panose="020B0403020204020204" pitchFamily="34" charset="0"/>
+                                  <a:cs typeface="Amazon Ember Light" panose="020B0403020204020204" pitchFamily="34" charset="0"/>
+                                </a:rPr>
+                              </m:ctrlPr>
+                            </m:sSubPr>
+                            <m:e>
+                              <m:r>
+                                <a:rPr lang="de-DE" sz="1400" i="1">
+                                  <a:latin typeface="Cambria Math" panose="02040503050406030204" pitchFamily="18" charset="0"/>
+                                  <a:ea typeface="Amazon Ember Light" panose="020B0403020204020204" pitchFamily="34" charset="0"/>
+                                  <a:cs typeface="Amazon Ember Light" panose="020B0403020204020204" pitchFamily="34" charset="0"/>
+                                </a:rPr>
+                                <m:t>𝑋</m:t>
+                              </m:r>
+                            </m:e>
+                            <m:sub>
+                              <m:r>
+                                <a:rPr lang="de-DE" sz="1400" i="1">
+                                  <a:latin typeface="Cambria Math" panose="02040503050406030204" pitchFamily="18" charset="0"/>
+                                  <a:ea typeface="Amazon Ember Light" panose="020B0403020204020204" pitchFamily="34" charset="0"/>
+                                  <a:cs typeface="Amazon Ember Light" panose="020B0403020204020204" pitchFamily="34" charset="0"/>
+                                </a:rPr>
+                                <m:t>𝑛</m:t>
+                              </m:r>
+                            </m:sub>
+                          </m:sSub>
+                        </m:sub>
+                      </m:sSub>
+                      <m:r>
+                        <a:rPr lang="de-DE" sz="1400" i="1">
+                          <a:latin typeface="Cambria Math" panose="02040503050406030204" pitchFamily="18" charset="0"/>
+                          <a:ea typeface="Amazon Ember Light" panose="020B0403020204020204" pitchFamily="34" charset="0"/>
+                          <a:cs typeface="Amazon Ember Light" panose="020B0403020204020204" pitchFamily="34" charset="0"/>
+                        </a:rPr>
+                        <m:t>=</m:t>
+                      </m:r>
+                      <m:nary>
+                        <m:naryPr>
+                          <m:chr m:val="∏"/>
+                          <m:supHide m:val="on"/>
+                          <m:ctrlPr>
+                            <a:rPr lang="de-DE" sz="1400" i="1">
+                              <a:latin typeface="Cambria Math" panose="02040503050406030204" pitchFamily="18" charset="0"/>
+                              <a:ea typeface="Amazon Ember Light" panose="020B0403020204020204" pitchFamily="34" charset="0"/>
+                              <a:cs typeface="Amazon Ember Light" panose="020B0403020204020204" pitchFamily="34" charset="0"/>
+                            </a:rPr>
+                          </m:ctrlPr>
+                        </m:naryPr>
+                        <m:sub>
+                          <m:r>
+                            <a:rPr lang="de-DE" sz="1400" i="1">
+                              <a:latin typeface="Cambria Math" panose="02040503050406030204" pitchFamily="18" charset="0"/>
+                              <a:ea typeface="Amazon Ember Light" panose="020B0403020204020204" pitchFamily="34" charset="0"/>
+                              <a:cs typeface="Amazon Ember Light" panose="020B0403020204020204" pitchFamily="34" charset="0"/>
+                            </a:rPr>
+                            <m:t>𝑖</m:t>
+                          </m:r>
+                        </m:sub>
+                        <m:sup/>
+                        <m:e>
+                          <m:sSub>
+                            <m:sSubPr>
+                              <m:ctrlPr>
+                                <a:rPr lang="de-DE" sz="1400" i="1">
+                                  <a:latin typeface="Cambria Math" panose="02040503050406030204" pitchFamily="18" charset="0"/>
+                                  <a:ea typeface="Amazon Ember Light" panose="020B0403020204020204" pitchFamily="34" charset="0"/>
+                                  <a:cs typeface="Amazon Ember Light" panose="020B0403020204020204" pitchFamily="34" charset="0"/>
+                                </a:rPr>
+                              </m:ctrlPr>
+                            </m:sSubPr>
+                            <m:e>
+                              <m:r>
+                                <a:rPr lang="de-DE" sz="1400" i="1">
+                                  <a:latin typeface="Cambria Math" panose="02040503050406030204" pitchFamily="18" charset="0"/>
+                                  <a:ea typeface="Amazon Ember Light" panose="020B0403020204020204" pitchFamily="34" charset="0"/>
+                                  <a:cs typeface="Amazon Ember Light" panose="020B0403020204020204" pitchFamily="34" charset="0"/>
+                                </a:rPr>
+                                <m:t>𝑃</m:t>
+                              </m:r>
+                            </m:e>
+                            <m:sub>
+                              <m:sSub>
+                                <m:sSubPr>
+                                  <m:ctrlPr>
+                                    <a:rPr lang="de-DE" sz="1400" i="1">
+                                      <a:latin typeface="Cambria Math" panose="02040503050406030204" pitchFamily="18" charset="0"/>
+                                      <a:ea typeface="Amazon Ember Light" panose="020B0403020204020204" pitchFamily="34" charset="0"/>
+                                      <a:cs typeface="Amazon Ember Light" panose="020B0403020204020204" pitchFamily="34" charset="0"/>
+                                    </a:rPr>
+                                  </m:ctrlPr>
+                                </m:sSubPr>
+                                <m:e>
+                                  <m:r>
+                                    <a:rPr lang="de-DE" sz="1400" i="1">
+                                      <a:latin typeface="Cambria Math" panose="02040503050406030204" pitchFamily="18" charset="0"/>
+                                      <a:ea typeface="Amazon Ember Light" panose="020B0403020204020204" pitchFamily="34" charset="0"/>
+                                      <a:cs typeface="Amazon Ember Light" panose="020B0403020204020204" pitchFamily="34" charset="0"/>
+                                    </a:rPr>
+                                    <m:t>𝑋</m:t>
+                                  </m:r>
+                                </m:e>
+                                <m:sub>
+                                  <m:r>
+                                    <a:rPr lang="de-DE" sz="1400" i="1">
+                                      <a:latin typeface="Cambria Math" panose="02040503050406030204" pitchFamily="18" charset="0"/>
+                                      <a:ea typeface="Amazon Ember Light" panose="020B0403020204020204" pitchFamily="34" charset="0"/>
+                                      <a:cs typeface="Amazon Ember Light" panose="020B0403020204020204" pitchFamily="34" charset="0"/>
+                                    </a:rPr>
+                                    <m:t>𝑖</m:t>
+                                  </m:r>
+                                </m:sub>
+                              </m:sSub>
+                              <m:r>
+                                <a:rPr lang="de-DE" sz="1400" i="1">
+                                  <a:latin typeface="Cambria Math" panose="02040503050406030204" pitchFamily="18" charset="0"/>
+                                  <a:ea typeface="Amazon Ember Light" panose="020B0403020204020204" pitchFamily="34" charset="0"/>
+                                  <a:cs typeface="Amazon Ember Light" panose="020B0403020204020204" pitchFamily="34" charset="0"/>
+                                </a:rPr>
+                                <m:t>|</m:t>
+                              </m:r>
+                              <m:sSub>
+                                <m:sSubPr>
+                                  <m:ctrlPr>
+                                    <a:rPr lang="de-DE" sz="1400" i="1">
+                                      <a:latin typeface="Cambria Math" panose="02040503050406030204" pitchFamily="18" charset="0"/>
+                                      <a:ea typeface="Amazon Ember Light" panose="020B0403020204020204" pitchFamily="34" charset="0"/>
+                                      <a:cs typeface="Amazon Ember Light" panose="020B0403020204020204" pitchFamily="34" charset="0"/>
+                                    </a:rPr>
+                                  </m:ctrlPr>
+                                </m:sSubPr>
+                                <m:e>
+                                  <m:r>
+                                    <a:rPr lang="de-DE" sz="1400" i="1">
+                                      <a:latin typeface="Cambria Math" panose="02040503050406030204" pitchFamily="18" charset="0"/>
+                                      <a:ea typeface="Amazon Ember Light" panose="020B0403020204020204" pitchFamily="34" charset="0"/>
+                                      <a:cs typeface="Amazon Ember Light" panose="020B0403020204020204" pitchFamily="34" charset="0"/>
+                                    </a:rPr>
+                                    <m:t>𝑃𝐴</m:t>
+                                  </m:r>
+                                </m:e>
+                                <m:sub>
+                                  <m:r>
+                                    <a:rPr lang="de-DE" sz="1400" i="1">
+                                      <a:latin typeface="Cambria Math" panose="02040503050406030204" pitchFamily="18" charset="0"/>
+                                      <a:ea typeface="Amazon Ember Light" panose="020B0403020204020204" pitchFamily="34" charset="0"/>
+                                      <a:cs typeface="Amazon Ember Light" panose="020B0403020204020204" pitchFamily="34" charset="0"/>
+                                    </a:rPr>
+                                    <m:t>𝑖</m:t>
+                                  </m:r>
+                                </m:sub>
+                              </m:sSub>
+                            </m:sub>
+                          </m:sSub>
+                        </m:e>
+                      </m:nary>
+                    </m:oMath>
+                  </m:oMathPara>
+                </a14:m>
+                <a:endParaRPr lang="en-US" sz="1400" i="1" dirty="0">
+                  <a:latin typeface="Amazon Ember Light" panose="020B0403020204020204" pitchFamily="34" charset="0"/>
+                  <a:ea typeface="Amazon Ember Light" panose="020B0403020204020204" pitchFamily="34" charset="0"/>
+                  <a:cs typeface="Amazon Ember Light" panose="020B0403020204020204" pitchFamily="34" charset="0"/>
+                </a:endParaRPr>
+              </a:p>
+            </p:txBody>
+          </p:sp>
+        </mc:Choice>
+        <mc:Fallback>
+          <p:sp>
+            <p:nvSpPr>
+              <p:cNvPr id="187" name="TextBox 186">
+                <a:extLst>
+                  <a:ext uri="{FF2B5EF4-FFF2-40B4-BE49-F238E27FC236}">
+                    <a16:creationId xmlns:a16="http://schemas.microsoft.com/office/drawing/2014/main" id="{D9DE8C0E-CE87-520F-590A-66B60C06AAB2}"/>
+                  </a:ext>
+                </a:extLst>
+              </p:cNvPr>
+              <p:cNvSpPr txBox="1">
+                <a:spLocks noRot="1" noChangeAspect="1" noMove="1" noResize="1" noEditPoints="1" noAdjustHandles="1" noChangeArrowheads="1" noChangeShapeType="1" noTextEdit="1"/>
+              </p:cNvSpPr>
+              <p:nvPr/>
+            </p:nvSpPr>
+            <p:spPr>
+              <a:xfrm>
+                <a:off x="5952396" y="2722653"/>
+                <a:ext cx="1818318" cy="615168"/>
+              </a:xfrm>
+              <a:prstGeom prst="rect">
+                <a:avLst/>
+              </a:prstGeom>
+              <a:blipFill>
+                <a:blip r:embed="rId4"/>
+                <a:stretch>
+                  <a:fillRect t="-116000" b="-166000"/>
+                </a:stretch>
+              </a:blipFill>
+              <a:ln>
+                <a:solidFill>
+                  <a:schemeClr val="tx1"/>
+                </a:solidFill>
+              </a:ln>
+            </p:spPr>
+            <p:txBody>
+              <a:bodyPr/>
+              <a:lstStyle/>
+              <a:p>
+                <a:r>
+                  <a:rPr lang="en-US">
+                    <a:noFill/>
+                  </a:rPr>
+                  <a:t> </a:t>
+                </a:r>
+              </a:p>
+            </p:txBody>
+          </p:sp>
+        </mc:Fallback>
+      </mc:AlternateContent>
+      <p:sp>
+        <p:nvSpPr>
+          <p:cNvPr id="188" name="TextBox 187">
+            <a:extLst>
+              <a:ext uri="{FF2B5EF4-FFF2-40B4-BE49-F238E27FC236}">
+                <a16:creationId xmlns:a16="http://schemas.microsoft.com/office/drawing/2014/main" id="{0D3CB77C-5A1A-A094-E60E-B0CBB108E194}"/>
+              </a:ext>
+            </a:extLst>
+          </p:cNvPr>
+          <p:cNvSpPr txBox="1"/>
+          <p:nvPr/>
+        </p:nvSpPr>
+        <p:spPr>
+          <a:xfrm>
+            <a:off x="5821734" y="3376691"/>
+            <a:ext cx="2073704" cy="461665"/>
+          </a:xfrm>
+          <a:prstGeom prst="rect">
+            <a:avLst/>
+          </a:prstGeom>
+          <a:noFill/>
+        </p:spPr>
+        <p:txBody>
+          <a:bodyPr wrap="square" rtlCol="0">
+            <a:spAutoFit/>
+          </a:bodyPr>
+          <a:lstStyle/>
+          <a:p>
+            <a:r>
+              <a:rPr lang="en-US" sz="1200" dirty="0">
+                <a:solidFill>
+                  <a:schemeClr val="bg1"/>
+                </a:solidFill>
+                <a:latin typeface="Amazon Ember" panose="020B0603020204020204" pitchFamily="34" charset="0"/>
+                <a:ea typeface="Amazon Ember" panose="020B0603020204020204" pitchFamily="34" charset="0"/>
+                <a:cs typeface="Amazon Ember" panose="020B0603020204020204" pitchFamily="34" charset="0"/>
+              </a:rPr>
+              <a:t>such as functional causal models:</a:t>
+            </a:r>
+          </a:p>
+        </p:txBody>
+      </p:sp>
+      <p:sp>
+        <p:nvSpPr>
+          <p:cNvPr id="189" name="TextBox 188">
+            <a:extLst>
+              <a:ext uri="{FF2B5EF4-FFF2-40B4-BE49-F238E27FC236}">
+                <a16:creationId xmlns:a16="http://schemas.microsoft.com/office/drawing/2014/main" id="{0A27725F-8F61-0491-D2B6-A2E5A5A872BF}"/>
+              </a:ext>
+            </a:extLst>
+          </p:cNvPr>
+          <p:cNvSpPr txBox="1"/>
+          <p:nvPr/>
+        </p:nvSpPr>
+        <p:spPr>
+          <a:xfrm>
+            <a:off x="5803628" y="4439303"/>
+            <a:ext cx="2073704" cy="461665"/>
+          </a:xfrm>
+          <a:prstGeom prst="rect">
+            <a:avLst/>
+          </a:prstGeom>
+          <a:noFill/>
+        </p:spPr>
+        <p:txBody>
+          <a:bodyPr wrap="square" rtlCol="0">
+            <a:spAutoFit/>
+          </a:bodyPr>
+          <a:lstStyle/>
+          <a:p>
+            <a:r>
+              <a:rPr lang="en-US" sz="1200" dirty="0">
+                <a:solidFill>
+                  <a:schemeClr val="bg1"/>
+                </a:solidFill>
+                <a:latin typeface="Amazon Ember" panose="020B0603020204020204" pitchFamily="34" charset="0"/>
+                <a:ea typeface="Amazon Ember" panose="020B0603020204020204" pitchFamily="34" charset="0"/>
+                <a:cs typeface="Amazon Ember" panose="020B0603020204020204" pitchFamily="34" charset="0"/>
+              </a:rPr>
+              <a:t>Together with a graph, this defines a GCM.</a:t>
+            </a:r>
+          </a:p>
+        </p:txBody>
+      </p:sp>
+      <p:sp>
+        <p:nvSpPr>
+          <p:cNvPr id="18" name="Rectangle 17">
+            <a:extLst>
+              <a:ext uri="{FF2B5EF4-FFF2-40B4-BE49-F238E27FC236}">
+                <a16:creationId xmlns:a16="http://schemas.microsoft.com/office/drawing/2014/main" id="{38684CD2-2D2E-8797-D6B4-DD5DAE4F361C}"/>
+              </a:ext>
+            </a:extLst>
+          </p:cNvPr>
+          <p:cNvSpPr/>
+          <p:nvPr/>
+        </p:nvSpPr>
+        <p:spPr>
+          <a:xfrm>
+            <a:off x="667512" y="777257"/>
+            <a:ext cx="2185060" cy="320040"/>
+          </a:xfrm>
+          <a:prstGeom prst="rect">
+            <a:avLst/>
+          </a:prstGeom>
+          <a:solidFill>
+            <a:srgbClr val="F48E8F"/>
+          </a:solidFill>
+          <a:ln>
+            <a:noFill/>
+          </a:ln>
+        </p:spPr>
+        <p:style>
+          <a:lnRef idx="2">
+            <a:schemeClr val="dk1">
+              <a:shade val="50000"/>
+            </a:schemeClr>
+          </a:lnRef>
+          <a:fillRef idx="1">
+            <a:schemeClr val="dk1"/>
+          </a:fillRef>
+          <a:effectRef idx="0">
+            <a:schemeClr val="dk1"/>
+          </a:effectRef>
+          <a:fontRef idx="minor">
+            <a:schemeClr val="lt1"/>
+          </a:fontRef>
+        </p:style>
+        <p:txBody>
+          <a:bodyPr rtlCol="0" anchor="ctr"/>
+          <a:lstStyle/>
+          <a:p>
+            <a:pPr algn="ctr"/>
+            <a:r>
+              <a:rPr lang="en-US" sz="1200" dirty="0">
+                <a:latin typeface="Amazon Ember Light" panose="020B0403020204020204" pitchFamily="34" charset="0"/>
+                <a:ea typeface="Amazon Ember Light" panose="020B0403020204020204" pitchFamily="34" charset="0"/>
+                <a:cs typeface="Amazon Ember Light" panose="020B0403020204020204" pitchFamily="34" charset="0"/>
+              </a:rPr>
+              <a:t>Average Causal Effect</a:t>
+            </a:r>
+          </a:p>
+        </p:txBody>
+      </p:sp>
+      <p:sp>
+        <p:nvSpPr>
+          <p:cNvPr id="8" name="Rectangle 7">
+            <a:extLst>
+              <a:ext uri="{FF2B5EF4-FFF2-40B4-BE49-F238E27FC236}">
+                <a16:creationId xmlns:a16="http://schemas.microsoft.com/office/drawing/2014/main" id="{0E22FF41-7FAF-2EEE-BB8D-F4B68210D76C}"/>
+              </a:ext>
+            </a:extLst>
+          </p:cNvPr>
+          <p:cNvSpPr/>
+          <p:nvPr/>
+        </p:nvSpPr>
+        <p:spPr>
+          <a:xfrm>
+            <a:off x="667512" y="1175289"/>
+            <a:ext cx="2185060" cy="320040"/>
+          </a:xfrm>
+          <a:prstGeom prst="rect">
+            <a:avLst/>
+          </a:prstGeom>
+          <a:solidFill>
+            <a:srgbClr val="F48E8F"/>
+          </a:solidFill>
+          <a:ln>
+            <a:noFill/>
+          </a:ln>
+        </p:spPr>
+        <p:style>
+          <a:lnRef idx="2">
+            <a:schemeClr val="dk1">
+              <a:shade val="50000"/>
+            </a:schemeClr>
+          </a:lnRef>
+          <a:fillRef idx="1">
+            <a:schemeClr val="dk1"/>
+          </a:fillRef>
+          <a:effectRef idx="0">
+            <a:schemeClr val="dk1"/>
+          </a:effectRef>
+          <a:fontRef idx="minor">
+            <a:schemeClr val="lt1"/>
+          </a:fontRef>
+        </p:style>
+        <p:txBody>
+          <a:bodyPr rtlCol="0" anchor="ctr"/>
+          <a:lstStyle/>
+          <a:p>
+            <a:pPr algn="ctr"/>
+            <a:r>
+              <a:rPr lang="en-US" sz="1200" dirty="0">
+                <a:latin typeface="Amazon Ember Light" panose="020B0403020204020204" pitchFamily="34" charset="0"/>
+                <a:ea typeface="Amazon Ember Light" panose="020B0403020204020204" pitchFamily="34" charset="0"/>
+                <a:cs typeface="Amazon Ember Light" panose="020B0403020204020204" pitchFamily="34" charset="0"/>
+              </a:rPr>
+              <a:t>Conditional Causal Effect</a:t>
+            </a:r>
+          </a:p>
+        </p:txBody>
+      </p:sp>
+      <p:cxnSp>
+        <p:nvCxnSpPr>
+          <p:cNvPr id="22" name="Straight Arrow Connector 21">
+            <a:extLst>
+              <a:ext uri="{FF2B5EF4-FFF2-40B4-BE49-F238E27FC236}">
+                <a16:creationId xmlns:a16="http://schemas.microsoft.com/office/drawing/2014/main" id="{445E0D07-6BF5-A60B-C48F-73860CA609C0}"/>
+              </a:ext>
+            </a:extLst>
+          </p:cNvPr>
+          <p:cNvCxnSpPr>
+            <a:cxnSpLocks/>
+          </p:cNvCxnSpPr>
+          <p:nvPr/>
+        </p:nvCxnSpPr>
+        <p:spPr>
+          <a:xfrm flipV="1">
+            <a:off x="10040112" y="1322420"/>
+            <a:ext cx="109728" cy="2282"/>
+          </a:xfrm>
+          <a:prstGeom prst="straightConnector1">
+            <a:avLst/>
+          </a:prstGeom>
+          <a:ln>
+            <a:tailEnd type="triangle"/>
+          </a:ln>
+        </p:spPr>
+        <p:style>
+          <a:lnRef idx="3">
+            <a:schemeClr val="accent2"/>
+          </a:lnRef>
+          <a:fillRef idx="0">
+            <a:schemeClr val="accent2"/>
+          </a:fillRef>
+          <a:effectRef idx="2">
+            <a:schemeClr val="accent2"/>
+          </a:effectRef>
+          <a:fontRef idx="minor">
+            <a:schemeClr val="tx1"/>
+          </a:fontRef>
+        </p:style>
+      </p:cxnSp>
+      <p:cxnSp>
+        <p:nvCxnSpPr>
+          <p:cNvPr id="36" name="Straight Arrow Connector 35">
+            <a:extLst>
+              <a:ext uri="{FF2B5EF4-FFF2-40B4-BE49-F238E27FC236}">
+                <a16:creationId xmlns:a16="http://schemas.microsoft.com/office/drawing/2014/main" id="{8CE657CB-794B-1759-B694-39137AD7F688}"/>
+              </a:ext>
+            </a:extLst>
+          </p:cNvPr>
+          <p:cNvCxnSpPr>
+            <a:cxnSpLocks/>
+          </p:cNvCxnSpPr>
+          <p:nvPr/>
+        </p:nvCxnSpPr>
+        <p:spPr>
+          <a:xfrm>
+            <a:off x="2851181" y="558380"/>
+            <a:ext cx="557784" cy="0"/>
+          </a:xfrm>
+          <a:prstGeom prst="straightConnector1">
+            <a:avLst/>
+          </a:prstGeom>
+          <a:ln>
+            <a:tailEnd type="triangle"/>
+          </a:ln>
+        </p:spPr>
+        <p:style>
+          <a:lnRef idx="3">
+            <a:schemeClr val="accent2"/>
+          </a:lnRef>
+          <a:fillRef idx="0">
+            <a:schemeClr val="accent2"/>
+          </a:fillRef>
+          <a:effectRef idx="2">
+            <a:schemeClr val="accent2"/>
+          </a:effectRef>
+          <a:fontRef idx="minor">
+            <a:schemeClr val="tx1"/>
+          </a:fontRef>
+        </p:style>
+      </p:cxnSp>
+      <p:cxnSp>
+        <p:nvCxnSpPr>
+          <p:cNvPr id="38" name="Straight Arrow Connector 37">
+            <a:extLst>
+              <a:ext uri="{FF2B5EF4-FFF2-40B4-BE49-F238E27FC236}">
+                <a16:creationId xmlns:a16="http://schemas.microsoft.com/office/drawing/2014/main" id="{589A4A42-7700-EF73-7A88-BEED2480B570}"/>
+              </a:ext>
+            </a:extLst>
+          </p:cNvPr>
+          <p:cNvCxnSpPr>
+            <a:cxnSpLocks/>
+          </p:cNvCxnSpPr>
+          <p:nvPr/>
+        </p:nvCxnSpPr>
+        <p:spPr>
+          <a:xfrm>
+            <a:off x="5491014" y="1772672"/>
+            <a:ext cx="305375" cy="0"/>
+          </a:xfrm>
+          <a:prstGeom prst="straightConnector1">
+            <a:avLst/>
+          </a:prstGeom>
+          <a:ln>
+            <a:tailEnd type="triangle"/>
+          </a:ln>
+        </p:spPr>
+        <p:style>
+          <a:lnRef idx="3">
+            <a:schemeClr val="accent2"/>
+          </a:lnRef>
+          <a:fillRef idx="0">
+            <a:schemeClr val="accent2"/>
+          </a:fillRef>
+          <a:effectRef idx="2">
+            <a:schemeClr val="accent2"/>
+          </a:effectRef>
+          <a:fontRef idx="minor">
+            <a:schemeClr val="tx1"/>
+          </a:fontRef>
+        </p:style>
+      </p:cxnSp>
+      <p:sp>
+        <p:nvSpPr>
+          <p:cNvPr id="39" name="Rectangle 38">
+            <a:extLst>
+              <a:ext uri="{FF2B5EF4-FFF2-40B4-BE49-F238E27FC236}">
+                <a16:creationId xmlns:a16="http://schemas.microsoft.com/office/drawing/2014/main" id="{4E4304B4-75CA-63D5-01FC-B53160587115}"/>
+              </a:ext>
+            </a:extLst>
+          </p:cNvPr>
+          <p:cNvSpPr/>
+          <p:nvPr/>
+        </p:nvSpPr>
+        <p:spPr>
+          <a:xfrm>
+            <a:off x="5804263" y="734045"/>
+            <a:ext cx="2107439" cy="1225054"/>
+          </a:xfrm>
+          <a:prstGeom prst="rect">
+            <a:avLst/>
+          </a:prstGeom>
+          <a:solidFill>
+            <a:srgbClr val="00BDAA"/>
+          </a:solidFill>
+          <a:ln>
+            <a:noFill/>
+          </a:ln>
+        </p:spPr>
+        <p:style>
+          <a:lnRef idx="2">
+            <a:schemeClr val="accent3">
+              <a:shade val="50000"/>
+            </a:schemeClr>
+          </a:lnRef>
+          <a:fillRef idx="1">
+            <a:schemeClr val="accent3"/>
+          </a:fillRef>
+          <a:effectRef idx="0">
+            <a:schemeClr val="accent3"/>
+          </a:effectRef>
+          <a:fontRef idx="minor">
+            <a:schemeClr val="lt1"/>
+          </a:fontRef>
+        </p:style>
+        <p:txBody>
+          <a:bodyPr rtlCol="0" anchor="ctr"/>
+          <a:lstStyle/>
+          <a:p>
+            <a:pPr algn="ctr"/>
+            <a:endParaRPr lang="en-US" dirty="0">
+              <a:latin typeface="Amazon Ember Light" panose="020B0403020204020204" pitchFamily="34" charset="0"/>
+              <a:ea typeface="Amazon Ember Light" panose="020B0403020204020204" pitchFamily="34" charset="0"/>
+              <a:cs typeface="Amazon Ember Light" panose="020B0403020204020204" pitchFamily="34" charset="0"/>
+            </a:endParaRPr>
+          </a:p>
+        </p:txBody>
+      </p:sp>
+      <p:sp>
+        <p:nvSpPr>
+          <p:cNvPr id="40" name="TextBox 39">
+            <a:extLst>
+              <a:ext uri="{FF2B5EF4-FFF2-40B4-BE49-F238E27FC236}">
+                <a16:creationId xmlns:a16="http://schemas.microsoft.com/office/drawing/2014/main" id="{26A6C0DF-A767-96BF-E05C-7DBAD2A78D8B}"/>
+              </a:ext>
+            </a:extLst>
+          </p:cNvPr>
+          <p:cNvSpPr txBox="1"/>
+          <p:nvPr/>
+        </p:nvSpPr>
+        <p:spPr>
+          <a:xfrm>
+            <a:off x="5852834" y="734044"/>
+            <a:ext cx="2073704" cy="276999"/>
+          </a:xfrm>
+          <a:prstGeom prst="rect">
+            <a:avLst/>
+          </a:prstGeom>
+          <a:noFill/>
+        </p:spPr>
+        <p:txBody>
+          <a:bodyPr wrap="square" rtlCol="0">
+            <a:spAutoFit/>
+          </a:bodyPr>
+          <a:lstStyle/>
+          <a:p>
+            <a:pPr algn="ctr"/>
+            <a:r>
+              <a:rPr lang="en-US" sz="1200" dirty="0">
+                <a:solidFill>
+                  <a:schemeClr val="bg1"/>
+                </a:solidFill>
+                <a:latin typeface="Amazon Ember" panose="020B0603020204020204" pitchFamily="34" charset="0"/>
+                <a:ea typeface="Amazon Ember" panose="020B0603020204020204" pitchFamily="34" charset="0"/>
+                <a:cs typeface="Amazon Ember" panose="020B0603020204020204" pitchFamily="34" charset="0"/>
+              </a:rPr>
+              <a:t>Identification</a:t>
+            </a:r>
+          </a:p>
+        </p:txBody>
+      </p:sp>
+      <p:cxnSp>
+        <p:nvCxnSpPr>
+          <p:cNvPr id="48" name="Straight Arrow Connector 47">
+            <a:extLst>
+              <a:ext uri="{FF2B5EF4-FFF2-40B4-BE49-F238E27FC236}">
+                <a16:creationId xmlns:a16="http://schemas.microsoft.com/office/drawing/2014/main" id="{9F366F8B-E2A3-9FA1-BCA7-AC9F65A1E9E5}"/>
+              </a:ext>
+            </a:extLst>
+          </p:cNvPr>
+          <p:cNvCxnSpPr>
+            <a:cxnSpLocks/>
+          </p:cNvCxnSpPr>
+          <p:nvPr/>
+        </p:nvCxnSpPr>
+        <p:spPr>
+          <a:xfrm>
+            <a:off x="7910668" y="1772672"/>
+            <a:ext cx="515807" cy="0"/>
+          </a:xfrm>
+          <a:prstGeom prst="straightConnector1">
+            <a:avLst/>
+          </a:prstGeom>
+          <a:ln>
+            <a:tailEnd type="triangle"/>
+          </a:ln>
+        </p:spPr>
+        <p:style>
+          <a:lnRef idx="3">
+            <a:schemeClr val="accent2"/>
+          </a:lnRef>
+          <a:fillRef idx="0">
+            <a:schemeClr val="accent2"/>
+          </a:fillRef>
+          <a:effectRef idx="2">
+            <a:schemeClr val="accent2"/>
+          </a:effectRef>
+          <a:fontRef idx="minor">
+            <a:schemeClr val="tx1"/>
+          </a:fontRef>
+        </p:style>
+      </p:cxnSp>
+      <p:cxnSp>
+        <p:nvCxnSpPr>
+          <p:cNvPr id="52" name="Straight Arrow Connector 51">
+            <a:extLst>
+              <a:ext uri="{FF2B5EF4-FFF2-40B4-BE49-F238E27FC236}">
+                <a16:creationId xmlns:a16="http://schemas.microsoft.com/office/drawing/2014/main" id="{619E8075-0908-48EA-9365-1DD2F0F77EF9}"/>
+              </a:ext>
+            </a:extLst>
+          </p:cNvPr>
+          <p:cNvCxnSpPr>
+            <a:cxnSpLocks/>
+          </p:cNvCxnSpPr>
+          <p:nvPr/>
+        </p:nvCxnSpPr>
+        <p:spPr>
+          <a:xfrm>
+            <a:off x="7909488" y="1321564"/>
+            <a:ext cx="515807" cy="0"/>
+          </a:xfrm>
+          <a:prstGeom prst="straightConnector1">
+            <a:avLst/>
+          </a:prstGeom>
+          <a:ln>
+            <a:tailEnd type="triangle"/>
+          </a:ln>
+        </p:spPr>
+        <p:style>
+          <a:lnRef idx="3">
+            <a:schemeClr val="accent2"/>
+          </a:lnRef>
+          <a:fillRef idx="0">
+            <a:schemeClr val="accent2"/>
+          </a:fillRef>
+          <a:effectRef idx="2">
+            <a:schemeClr val="accent2"/>
+          </a:effectRef>
+          <a:fontRef idx="minor">
+            <a:schemeClr val="tx1"/>
+          </a:fontRef>
+        </p:style>
+      </p:cxnSp>
+      <p:cxnSp>
+        <p:nvCxnSpPr>
+          <p:cNvPr id="53" name="Straight Arrow Connector 52">
+            <a:extLst>
+              <a:ext uri="{FF2B5EF4-FFF2-40B4-BE49-F238E27FC236}">
+                <a16:creationId xmlns:a16="http://schemas.microsoft.com/office/drawing/2014/main" id="{9D4392C3-E118-B81B-EEF2-AAF0561B355B}"/>
+              </a:ext>
+            </a:extLst>
+          </p:cNvPr>
+          <p:cNvCxnSpPr>
+            <a:cxnSpLocks/>
+          </p:cNvCxnSpPr>
+          <p:nvPr/>
+        </p:nvCxnSpPr>
+        <p:spPr>
+          <a:xfrm>
+            <a:off x="7909488" y="899533"/>
+            <a:ext cx="515807" cy="0"/>
+          </a:xfrm>
+          <a:prstGeom prst="straightConnector1">
+            <a:avLst/>
+          </a:prstGeom>
+          <a:ln>
+            <a:tailEnd type="triangle"/>
+          </a:ln>
+        </p:spPr>
+        <p:style>
+          <a:lnRef idx="3">
+            <a:schemeClr val="accent2"/>
+          </a:lnRef>
+          <a:fillRef idx="0">
+            <a:schemeClr val="accent2"/>
+          </a:fillRef>
+          <a:effectRef idx="2">
+            <a:schemeClr val="accent2"/>
+          </a:effectRef>
+          <a:fontRef idx="minor">
+            <a:schemeClr val="tx1"/>
+          </a:fontRef>
+        </p:style>
+      </p:cxnSp>
+      <p:cxnSp>
+        <p:nvCxnSpPr>
+          <p:cNvPr id="59" name="Straight Arrow Connector 58">
+            <a:extLst>
+              <a:ext uri="{FF2B5EF4-FFF2-40B4-BE49-F238E27FC236}">
+                <a16:creationId xmlns:a16="http://schemas.microsoft.com/office/drawing/2014/main" id="{530282B4-98D2-860B-592B-9807D60D05AA}"/>
+              </a:ext>
+            </a:extLst>
+          </p:cNvPr>
+          <p:cNvCxnSpPr>
+            <a:cxnSpLocks/>
+            <a:endCxn id="64" idx="1"/>
+          </p:cNvCxnSpPr>
+          <p:nvPr/>
+        </p:nvCxnSpPr>
+        <p:spPr>
+          <a:xfrm flipV="1">
+            <a:off x="5488164" y="556099"/>
+            <a:ext cx="2936070" cy="2281"/>
+          </a:xfrm>
+          <a:prstGeom prst="straightConnector1">
+            <a:avLst/>
+          </a:prstGeom>
+          <a:ln>
+            <a:tailEnd type="triangle"/>
+          </a:ln>
+        </p:spPr>
+        <p:style>
+          <a:lnRef idx="3">
+            <a:schemeClr val="accent2"/>
+          </a:lnRef>
+          <a:fillRef idx="0">
+            <a:schemeClr val="accent2"/>
+          </a:fillRef>
+          <a:effectRef idx="2">
+            <a:schemeClr val="accent2"/>
+          </a:effectRef>
+          <a:fontRef idx="minor">
+            <a:schemeClr val="tx1"/>
+          </a:fontRef>
+        </p:style>
+      </p:cxnSp>
+      <p:pic>
+        <p:nvPicPr>
+          <p:cNvPr id="72" name="Graphic 71">
+            <a:extLst>
+              <a:ext uri="{FF2B5EF4-FFF2-40B4-BE49-F238E27FC236}">
+                <a16:creationId xmlns:a16="http://schemas.microsoft.com/office/drawing/2014/main" id="{25888603-4A97-CA75-FA8F-F20B60251E24}"/>
+              </a:ext>
+            </a:extLst>
+          </p:cNvPr>
+          <p:cNvPicPr>
+            <a:picLocks noChangeAspect="1"/>
+          </p:cNvPicPr>
+          <p:nvPr/>
+        </p:nvPicPr>
+        <p:blipFill>
+          <a:blip r:embed="rId5">
+            <a:extLst>
+              <a:ext uri="{96DAC541-7B7A-43D3-8B79-37D633B846F1}">
+                <asvg:svgBlip xmlns:asvg="http://schemas.microsoft.com/office/drawing/2016/SVG/main" r:embed="rId6"/>
+              </a:ext>
+            </a:extLst>
+          </a:blip>
+          <a:stretch>
+            <a:fillRect/>
+          </a:stretch>
+        </p:blipFill>
+        <p:spPr>
+          <a:xfrm>
+            <a:off x="3560385" y="1137470"/>
+            <a:ext cx="1758528" cy="1383760"/>
+          </a:xfrm>
+          <a:prstGeom prst="rect">
+            <a:avLst/>
+          </a:prstGeom>
+        </p:spPr>
+      </p:pic>
+      <p:sp>
+        <p:nvSpPr>
+          <p:cNvPr id="83" name="TextBox 82">
+            <a:extLst>
+              <a:ext uri="{FF2B5EF4-FFF2-40B4-BE49-F238E27FC236}">
+                <a16:creationId xmlns:a16="http://schemas.microsoft.com/office/drawing/2014/main" id="{AE16D309-FF73-73CF-EB52-A15D597745FA}"/>
+              </a:ext>
+            </a:extLst>
+          </p:cNvPr>
+          <p:cNvSpPr txBox="1"/>
+          <p:nvPr/>
+        </p:nvSpPr>
+        <p:spPr>
+          <a:xfrm>
+            <a:off x="3437754" y="2635219"/>
+            <a:ext cx="2073704" cy="830997"/>
+          </a:xfrm>
+          <a:prstGeom prst="rect">
+            <a:avLst/>
+          </a:prstGeom>
+          <a:noFill/>
+        </p:spPr>
+        <p:txBody>
+          <a:bodyPr wrap="square" rtlCol="0">
+            <a:spAutoFit/>
+          </a:bodyPr>
+          <a:lstStyle/>
+          <a:p>
+            <a:r>
+              <a:rPr lang="en-US" sz="1200" dirty="0">
+                <a:solidFill>
+                  <a:schemeClr val="bg1"/>
+                </a:solidFill>
+                <a:latin typeface="Amazon Ember" panose="020B0603020204020204" pitchFamily="34" charset="0"/>
+                <a:ea typeface="Amazon Ember" panose="020B0603020204020204" pitchFamily="34" charset="0"/>
+                <a:cs typeface="Amazon Ember" panose="020B0603020204020204" pitchFamily="34" charset="0"/>
+              </a:rPr>
+              <a:t>Based on domain knowledge or using causal discovery algorithms</a:t>
+            </a:r>
+            <a:br>
+              <a:rPr lang="en-US" sz="1200" dirty="0">
+                <a:solidFill>
+                  <a:schemeClr val="bg1"/>
+                </a:solidFill>
+                <a:latin typeface="Amazon Ember" panose="020B0603020204020204" pitchFamily="34" charset="0"/>
+                <a:ea typeface="Amazon Ember" panose="020B0603020204020204" pitchFamily="34" charset="0"/>
+                <a:cs typeface="Amazon Ember" panose="020B0603020204020204" pitchFamily="34" charset="0"/>
+              </a:rPr>
+            </a:br>
+            <a:r>
+              <a:rPr lang="en-US" sz="1200" dirty="0">
+                <a:solidFill>
+                  <a:schemeClr val="bg1"/>
+                </a:solidFill>
+                <a:latin typeface="Amazon Ember" panose="020B0603020204020204" pitchFamily="34" charset="0"/>
+                <a:ea typeface="Amazon Ember" panose="020B0603020204020204" pitchFamily="34" charset="0"/>
+                <a:cs typeface="Amazon Ember" panose="020B0603020204020204" pitchFamily="34" charset="0"/>
+              </a:rPr>
+              <a:t>(e.g., </a:t>
+            </a:r>
+            <a:r>
+              <a:rPr lang="en-US" sz="1200" dirty="0" err="1">
+                <a:solidFill>
+                  <a:schemeClr val="bg1"/>
+                </a:solidFill>
+                <a:latin typeface="Amazon Ember" panose="020B0603020204020204" pitchFamily="34" charset="0"/>
+                <a:ea typeface="Amazon Ember" panose="020B0603020204020204" pitchFamily="34" charset="0"/>
+                <a:cs typeface="Amazon Ember" panose="020B0603020204020204" pitchFamily="34" charset="0"/>
+              </a:rPr>
+              <a:t>py</a:t>
+            </a:r>
+            <a:r>
+              <a:rPr lang="en-US" sz="1200" dirty="0">
+                <a:solidFill>
+                  <a:schemeClr val="bg1"/>
+                </a:solidFill>
+                <a:latin typeface="Amazon Ember" panose="020B0603020204020204" pitchFamily="34" charset="0"/>
+                <a:ea typeface="Amazon Ember" panose="020B0603020204020204" pitchFamily="34" charset="0"/>
+                <a:cs typeface="Amazon Ember" panose="020B0603020204020204" pitchFamily="34" charset="0"/>
+              </a:rPr>
+              <a:t>-why/causal-learn).</a:t>
+            </a:r>
+          </a:p>
+        </p:txBody>
+      </p:sp>
+      <p:pic>
+        <p:nvPicPr>
+          <p:cNvPr id="91" name="Graphic 90">
+            <a:extLst>
+              <a:ext uri="{FF2B5EF4-FFF2-40B4-BE49-F238E27FC236}">
+                <a16:creationId xmlns:a16="http://schemas.microsoft.com/office/drawing/2014/main" id="{283BD297-2F40-AC99-ABB7-E876DB69D948}"/>
+              </a:ext>
+            </a:extLst>
+          </p:cNvPr>
+          <p:cNvPicPr>
+            <a:picLocks noChangeAspect="1"/>
+          </p:cNvPicPr>
+          <p:nvPr/>
+        </p:nvPicPr>
+        <p:blipFill>
+          <a:blip r:embed="rId7">
+            <a:extLst>
+              <a:ext uri="{96DAC541-7B7A-43D3-8B79-37D633B846F1}">
+                <asvg:svgBlip xmlns:asvg="http://schemas.microsoft.com/office/drawing/2016/SVG/main" r:embed="rId8"/>
+              </a:ext>
+            </a:extLst>
+          </a:blip>
+          <a:stretch>
+            <a:fillRect/>
+          </a:stretch>
+        </p:blipFill>
+        <p:spPr>
+          <a:xfrm>
+            <a:off x="6284434" y="1021982"/>
+            <a:ext cx="1156021" cy="909656"/>
+          </a:xfrm>
+          <a:prstGeom prst="rect">
+            <a:avLst/>
+          </a:prstGeom>
+        </p:spPr>
+      </p:pic>
     </p:spTree>
     <p:extLst>
       <p:ext uri="{BB962C8B-B14F-4D97-AF65-F5344CB8AC3E}">
@@ -6549,7 +8183,7 @@
 <file path=ppt/theme/theme1.xml><?xml version="1.0" encoding="utf-8"?>
 <a:theme xmlns:a="http://schemas.openxmlformats.org/drawingml/2006/main" name="Office Theme">
   <a:themeElements>
-    <a:clrScheme name="Office">
+    <a:clrScheme name="Office Theme">
       <a:dk1>
         <a:sysClr val="windowText" lastClr="000000"/>
       </a:dk1>
@@ -6587,7 +8221,7 @@
         <a:srgbClr val="954F72"/>
       </a:folHlink>
     </a:clrScheme>
-    <a:fontScheme name="Office">
+    <a:fontScheme name="Office Theme">
       <a:majorFont>
         <a:latin typeface="Calibri Light" panose="020F0302020204030204"/>
         <a:ea typeface=""/>
@@ -6622,23 +8256,6 @@
         <a:font script="Viet" typeface="Times New Roman"/>
         <a:font script="Uigh" typeface="Microsoft Uighur"/>
         <a:font script="Geor" typeface="Sylfaen"/>
-        <a:font script="Armn" typeface="Arial"/>
-        <a:font script="Bugi" typeface="Leelawadee UI"/>
-        <a:font script="Bopo" typeface="Microsoft JhengHei"/>
-        <a:font script="Java" typeface="Javanese Text"/>
-        <a:font script="Lisu" typeface="Segoe UI"/>
-        <a:font script="Mymr" typeface="Myanmar Text"/>
-        <a:font script="Nkoo" typeface="Ebrima"/>
-        <a:font script="Olck" typeface="Nirmala UI"/>
-        <a:font script="Osma" typeface="Ebrima"/>
-        <a:font script="Phag" typeface="Phagspa"/>
-        <a:font script="Syrn" typeface="Estrangelo Edessa"/>
-        <a:font script="Syrj" typeface="Estrangelo Edessa"/>
-        <a:font script="Syre" typeface="Estrangelo Edessa"/>
-        <a:font script="Sora" typeface="Nirmala UI"/>
-        <a:font script="Tale" typeface="Microsoft Tai Le"/>
-        <a:font script="Talu" typeface="Microsoft New Tai Lue"/>
-        <a:font script="Tfng" typeface="Ebrima"/>
       </a:majorFont>
       <a:minorFont>
         <a:latin typeface="Calibri" panose="020F0502020204030204"/>
@@ -6674,26 +8291,9 @@
         <a:font script="Viet" typeface="Arial"/>
         <a:font script="Uigh" typeface="Microsoft Uighur"/>
         <a:font script="Geor" typeface="Sylfaen"/>
-        <a:font script="Armn" typeface="Arial"/>
-        <a:font script="Bugi" typeface="Leelawadee UI"/>
-        <a:font script="Bopo" typeface="Microsoft JhengHei"/>
-        <a:font script="Java" typeface="Javanese Text"/>
-        <a:font script="Lisu" typeface="Segoe UI"/>
-        <a:font script="Mymr" typeface="Myanmar Text"/>
-        <a:font script="Nkoo" typeface="Ebrima"/>
-        <a:font script="Olck" typeface="Nirmala UI"/>
-        <a:font script="Osma" typeface="Ebrima"/>
-        <a:font script="Phag" typeface="Phagspa"/>
-        <a:font script="Syrn" typeface="Estrangelo Edessa"/>
-        <a:font script="Syrj" typeface="Estrangelo Edessa"/>
-        <a:font script="Syre" typeface="Estrangelo Edessa"/>
-        <a:font script="Sora" typeface="Nirmala UI"/>
-        <a:font script="Tale" typeface="Microsoft Tai Le"/>
-        <a:font script="Talu" typeface="Microsoft New Tai Lue"/>
-        <a:font script="Tfng" typeface="Ebrima"/>
       </a:minorFont>
     </a:fontScheme>
-    <a:fmtScheme name="Office">
+    <a:fmtScheme name="Office Theme">
       <a:fillStyleLst>
         <a:solidFill>
           <a:schemeClr val="phClr"/>
@@ -6835,7 +8435,7 @@
   <a:extraClrSchemeLst/>
   <a:extLst>
     <a:ext uri="{05A4C25C-085E-4340-85A3-A5531E510DB2}">
-      <thm15:themeFamily xmlns:thm15="http://schemas.microsoft.com/office/thememl/2012/main" name="Office Theme" id="{62F939B6-93AF-4DB8-9C6B-D6C7DFDC589F}" vid="{4A3C46E8-61CC-4603-A589-7422A47A8E4A}"/>
+      <thm15:themeFamily xmlns:thm15="http://schemas.microsoft.com/office/thememl/2012/main" name="Office 2013 - 2022 Theme" id="{62F939B6-93AF-4DB8-9C6B-D6C7DFDC589F}" vid="{4A3C46E8-61CC-4603-A589-7422A47A8E4A}"/>
     </a:ext>
   </a:extLst>
 </a:theme>
